--- a/01.Document/10.결과보고서/참고자료/아이콘.pptx
+++ b/01.Document/10.결과보고서/참고자료/아이콘.pptx
@@ -13,6 +13,7 @@
     <p:sldId id="260" r:id="rId7"/>
     <p:sldId id="261" r:id="rId8"/>
     <p:sldId id="263" r:id="rId9"/>
+    <p:sldId id="264" r:id="rId10"/>
   </p:sldIdLst>
   <p:sldSz cx="12192000" cy="6858000"/>
   <p:notesSz cx="6858000" cy="9144000"/>
@@ -111,6 +112,11 @@
       </a:defRPr>
     </a:lvl9pPr>
   </p:defaultTextStyle>
+  <p:extLst>
+    <p:ext uri="{EFAFB233-063F-42B5-8137-9DF3F51BA10A}">
+      <p15:sldGuideLst xmlns:p15="http://schemas.microsoft.com/office/powerpoint/2012/main"/>
+    </p:ext>
+  </p:extLst>
 </p:presentation>
 </file>
 
@@ -136,7 +142,7 @@
           <p:cNvPr id="2" name="제목 1">
             <a:extLst>
               <a:ext uri="{FF2B5EF4-FFF2-40B4-BE49-F238E27FC236}">
-                <a16:creationId xmlns:a16="http://schemas.microsoft.com/office/drawing/2014/main" id="{F85349E8-62C9-45B8-AF46-63C09D142A00}"/>
+                <a16:creationId xmlns:a16="http://schemas.microsoft.com/office/drawing/2014/main" xmlns="" id="{F85349E8-62C9-45B8-AF46-63C09D142A00}"/>
               </a:ext>
             </a:extLst>
           </p:cNvPr>
@@ -173,7 +179,7 @@
           <p:cNvPr id="3" name="부제목 2">
             <a:extLst>
               <a:ext uri="{FF2B5EF4-FFF2-40B4-BE49-F238E27FC236}">
-                <a16:creationId xmlns:a16="http://schemas.microsoft.com/office/drawing/2014/main" id="{6564F7F2-7A3A-42FA-BE8D-D6B87B32AB0D}"/>
+                <a16:creationId xmlns:a16="http://schemas.microsoft.com/office/drawing/2014/main" xmlns="" id="{6564F7F2-7A3A-42FA-BE8D-D6B87B32AB0D}"/>
               </a:ext>
             </a:extLst>
           </p:cNvPr>
@@ -243,7 +249,7 @@
           <p:cNvPr id="4" name="날짜 개체 틀 3">
             <a:extLst>
               <a:ext uri="{FF2B5EF4-FFF2-40B4-BE49-F238E27FC236}">
-                <a16:creationId xmlns:a16="http://schemas.microsoft.com/office/drawing/2014/main" id="{21DBBC3F-2BEF-472C-9A24-88CC21735EFE}"/>
+                <a16:creationId xmlns:a16="http://schemas.microsoft.com/office/drawing/2014/main" xmlns="" id="{21DBBC3F-2BEF-472C-9A24-88CC21735EFE}"/>
               </a:ext>
             </a:extLst>
           </p:cNvPr>
@@ -261,7 +267,7 @@
           <a:p>
             <a:fld id="{912F65AB-5109-41C6-B5B7-441AE7EAE762}" type="datetimeFigureOut">
               <a:rPr lang="ko-KR" altLang="en-US" smtClean="0"/>
-              <a:t>2020-04-11</a:t>
+              <a:t>2020-04-13</a:t>
             </a:fld>
             <a:endParaRPr lang="ko-KR" altLang="en-US"/>
           </a:p>
@@ -272,7 +278,7 @@
           <p:cNvPr id="5" name="바닥글 개체 틀 4">
             <a:extLst>
               <a:ext uri="{FF2B5EF4-FFF2-40B4-BE49-F238E27FC236}">
-                <a16:creationId xmlns:a16="http://schemas.microsoft.com/office/drawing/2014/main" id="{72829A96-820B-4634-A494-FDC4D2BDF8FF}"/>
+                <a16:creationId xmlns:a16="http://schemas.microsoft.com/office/drawing/2014/main" xmlns="" id="{72829A96-820B-4634-A494-FDC4D2BDF8FF}"/>
               </a:ext>
             </a:extLst>
           </p:cNvPr>
@@ -297,7 +303,7 @@
           <p:cNvPr id="6" name="슬라이드 번호 개체 틀 5">
             <a:extLst>
               <a:ext uri="{FF2B5EF4-FFF2-40B4-BE49-F238E27FC236}">
-                <a16:creationId xmlns:a16="http://schemas.microsoft.com/office/drawing/2014/main" id="{0E3202B6-276C-462C-83F2-9421BAE06F94}"/>
+                <a16:creationId xmlns:a16="http://schemas.microsoft.com/office/drawing/2014/main" xmlns="" id="{0E3202B6-276C-462C-83F2-9421BAE06F94}"/>
               </a:ext>
             </a:extLst>
           </p:cNvPr>
@@ -356,7 +362,7 @@
           <p:cNvPr id="2" name="제목 1">
             <a:extLst>
               <a:ext uri="{FF2B5EF4-FFF2-40B4-BE49-F238E27FC236}">
-                <a16:creationId xmlns:a16="http://schemas.microsoft.com/office/drawing/2014/main" id="{41777891-14B2-41D0-AF90-E76F46BB9A91}"/>
+                <a16:creationId xmlns:a16="http://schemas.microsoft.com/office/drawing/2014/main" xmlns="" id="{41777891-14B2-41D0-AF90-E76F46BB9A91}"/>
               </a:ext>
             </a:extLst>
           </p:cNvPr>
@@ -384,7 +390,7 @@
           <p:cNvPr id="3" name="세로 텍스트 개체 틀 2">
             <a:extLst>
               <a:ext uri="{FF2B5EF4-FFF2-40B4-BE49-F238E27FC236}">
-                <a16:creationId xmlns:a16="http://schemas.microsoft.com/office/drawing/2014/main" id="{F9C80CD7-B800-4242-ABBE-38A22CA4C1EE}"/>
+                <a16:creationId xmlns:a16="http://schemas.microsoft.com/office/drawing/2014/main" xmlns="" id="{F9C80CD7-B800-4242-ABBE-38A22CA4C1EE}"/>
               </a:ext>
             </a:extLst>
           </p:cNvPr>
@@ -441,7 +447,7 @@
           <p:cNvPr id="4" name="날짜 개체 틀 3">
             <a:extLst>
               <a:ext uri="{FF2B5EF4-FFF2-40B4-BE49-F238E27FC236}">
-                <a16:creationId xmlns:a16="http://schemas.microsoft.com/office/drawing/2014/main" id="{F6FFCDDB-5D9B-453C-A809-6DB1EE3B08F0}"/>
+                <a16:creationId xmlns:a16="http://schemas.microsoft.com/office/drawing/2014/main" xmlns="" id="{F6FFCDDB-5D9B-453C-A809-6DB1EE3B08F0}"/>
               </a:ext>
             </a:extLst>
           </p:cNvPr>
@@ -459,7 +465,7 @@
           <a:p>
             <a:fld id="{912F65AB-5109-41C6-B5B7-441AE7EAE762}" type="datetimeFigureOut">
               <a:rPr lang="ko-KR" altLang="en-US" smtClean="0"/>
-              <a:t>2020-04-11</a:t>
+              <a:t>2020-04-13</a:t>
             </a:fld>
             <a:endParaRPr lang="ko-KR" altLang="en-US"/>
           </a:p>
@@ -470,7 +476,7 @@
           <p:cNvPr id="5" name="바닥글 개체 틀 4">
             <a:extLst>
               <a:ext uri="{FF2B5EF4-FFF2-40B4-BE49-F238E27FC236}">
-                <a16:creationId xmlns:a16="http://schemas.microsoft.com/office/drawing/2014/main" id="{AA82AC20-496D-4D4E-84CD-1E9BE14143DE}"/>
+                <a16:creationId xmlns:a16="http://schemas.microsoft.com/office/drawing/2014/main" xmlns="" id="{AA82AC20-496D-4D4E-84CD-1E9BE14143DE}"/>
               </a:ext>
             </a:extLst>
           </p:cNvPr>
@@ -495,7 +501,7 @@
           <p:cNvPr id="6" name="슬라이드 번호 개체 틀 5">
             <a:extLst>
               <a:ext uri="{FF2B5EF4-FFF2-40B4-BE49-F238E27FC236}">
-                <a16:creationId xmlns:a16="http://schemas.microsoft.com/office/drawing/2014/main" id="{F6C60562-8E66-42D6-93A2-08767AEFE142}"/>
+                <a16:creationId xmlns:a16="http://schemas.microsoft.com/office/drawing/2014/main" xmlns="" id="{F6C60562-8E66-42D6-93A2-08767AEFE142}"/>
               </a:ext>
             </a:extLst>
           </p:cNvPr>
@@ -554,7 +560,7 @@
           <p:cNvPr id="2" name="세로 제목 1">
             <a:extLst>
               <a:ext uri="{FF2B5EF4-FFF2-40B4-BE49-F238E27FC236}">
-                <a16:creationId xmlns:a16="http://schemas.microsoft.com/office/drawing/2014/main" id="{B91E41D7-EFC5-454D-9045-C1A5D5AC6894}"/>
+                <a16:creationId xmlns:a16="http://schemas.microsoft.com/office/drawing/2014/main" xmlns="" id="{B91E41D7-EFC5-454D-9045-C1A5D5AC6894}"/>
               </a:ext>
             </a:extLst>
           </p:cNvPr>
@@ -587,7 +593,7 @@
           <p:cNvPr id="3" name="세로 텍스트 개체 틀 2">
             <a:extLst>
               <a:ext uri="{FF2B5EF4-FFF2-40B4-BE49-F238E27FC236}">
-                <a16:creationId xmlns:a16="http://schemas.microsoft.com/office/drawing/2014/main" id="{EB1D357C-3018-49FD-91CE-FEDD58779C92}"/>
+                <a16:creationId xmlns:a16="http://schemas.microsoft.com/office/drawing/2014/main" xmlns="" id="{EB1D357C-3018-49FD-91CE-FEDD58779C92}"/>
               </a:ext>
             </a:extLst>
           </p:cNvPr>
@@ -649,7 +655,7 @@
           <p:cNvPr id="4" name="날짜 개체 틀 3">
             <a:extLst>
               <a:ext uri="{FF2B5EF4-FFF2-40B4-BE49-F238E27FC236}">
-                <a16:creationId xmlns:a16="http://schemas.microsoft.com/office/drawing/2014/main" id="{07FEC615-2000-4D1E-A9C3-27C5FC0797CC}"/>
+                <a16:creationId xmlns:a16="http://schemas.microsoft.com/office/drawing/2014/main" xmlns="" id="{07FEC615-2000-4D1E-A9C3-27C5FC0797CC}"/>
               </a:ext>
             </a:extLst>
           </p:cNvPr>
@@ -667,7 +673,7 @@
           <a:p>
             <a:fld id="{912F65AB-5109-41C6-B5B7-441AE7EAE762}" type="datetimeFigureOut">
               <a:rPr lang="ko-KR" altLang="en-US" smtClean="0"/>
-              <a:t>2020-04-11</a:t>
+              <a:t>2020-04-13</a:t>
             </a:fld>
             <a:endParaRPr lang="ko-KR" altLang="en-US"/>
           </a:p>
@@ -678,7 +684,7 @@
           <p:cNvPr id="5" name="바닥글 개체 틀 4">
             <a:extLst>
               <a:ext uri="{FF2B5EF4-FFF2-40B4-BE49-F238E27FC236}">
-                <a16:creationId xmlns:a16="http://schemas.microsoft.com/office/drawing/2014/main" id="{09E792FA-2429-4497-BEF5-E4013C34CDF6}"/>
+                <a16:creationId xmlns:a16="http://schemas.microsoft.com/office/drawing/2014/main" xmlns="" id="{09E792FA-2429-4497-BEF5-E4013C34CDF6}"/>
               </a:ext>
             </a:extLst>
           </p:cNvPr>
@@ -703,7 +709,7 @@
           <p:cNvPr id="6" name="슬라이드 번호 개체 틀 5">
             <a:extLst>
               <a:ext uri="{FF2B5EF4-FFF2-40B4-BE49-F238E27FC236}">
-                <a16:creationId xmlns:a16="http://schemas.microsoft.com/office/drawing/2014/main" id="{81C3DE82-4A6A-40CD-8250-A3D76944C6AD}"/>
+                <a16:creationId xmlns:a16="http://schemas.microsoft.com/office/drawing/2014/main" xmlns="" id="{81C3DE82-4A6A-40CD-8250-A3D76944C6AD}"/>
               </a:ext>
             </a:extLst>
           </p:cNvPr>
@@ -762,7 +768,7 @@
           <p:cNvPr id="2" name="제목 1">
             <a:extLst>
               <a:ext uri="{FF2B5EF4-FFF2-40B4-BE49-F238E27FC236}">
-                <a16:creationId xmlns:a16="http://schemas.microsoft.com/office/drawing/2014/main" id="{62CDC359-C683-4D75-AD34-1A48B4C14F73}"/>
+                <a16:creationId xmlns:a16="http://schemas.microsoft.com/office/drawing/2014/main" xmlns="" id="{62CDC359-C683-4D75-AD34-1A48B4C14F73}"/>
               </a:ext>
             </a:extLst>
           </p:cNvPr>
@@ -790,7 +796,7 @@
           <p:cNvPr id="3" name="내용 개체 틀 2">
             <a:extLst>
               <a:ext uri="{FF2B5EF4-FFF2-40B4-BE49-F238E27FC236}">
-                <a16:creationId xmlns:a16="http://schemas.microsoft.com/office/drawing/2014/main" id="{98E22D3E-D1A7-46A5-A23D-6BEEF3A6254E}"/>
+                <a16:creationId xmlns:a16="http://schemas.microsoft.com/office/drawing/2014/main" xmlns="" id="{98E22D3E-D1A7-46A5-A23D-6BEEF3A6254E}"/>
               </a:ext>
             </a:extLst>
           </p:cNvPr>
@@ -847,7 +853,7 @@
           <p:cNvPr id="4" name="날짜 개체 틀 3">
             <a:extLst>
               <a:ext uri="{FF2B5EF4-FFF2-40B4-BE49-F238E27FC236}">
-                <a16:creationId xmlns:a16="http://schemas.microsoft.com/office/drawing/2014/main" id="{71286881-1AB2-4C3C-AFD9-BFF21E22E898}"/>
+                <a16:creationId xmlns:a16="http://schemas.microsoft.com/office/drawing/2014/main" xmlns="" id="{71286881-1AB2-4C3C-AFD9-BFF21E22E898}"/>
               </a:ext>
             </a:extLst>
           </p:cNvPr>
@@ -865,7 +871,7 @@
           <a:p>
             <a:fld id="{912F65AB-5109-41C6-B5B7-441AE7EAE762}" type="datetimeFigureOut">
               <a:rPr lang="ko-KR" altLang="en-US" smtClean="0"/>
-              <a:t>2020-04-11</a:t>
+              <a:t>2020-04-13</a:t>
             </a:fld>
             <a:endParaRPr lang="ko-KR" altLang="en-US"/>
           </a:p>
@@ -876,7 +882,7 @@
           <p:cNvPr id="5" name="바닥글 개체 틀 4">
             <a:extLst>
               <a:ext uri="{FF2B5EF4-FFF2-40B4-BE49-F238E27FC236}">
-                <a16:creationId xmlns:a16="http://schemas.microsoft.com/office/drawing/2014/main" id="{A921E5A1-C471-471F-9BE3-DB41DFBD7F3C}"/>
+                <a16:creationId xmlns:a16="http://schemas.microsoft.com/office/drawing/2014/main" xmlns="" id="{A921E5A1-C471-471F-9BE3-DB41DFBD7F3C}"/>
               </a:ext>
             </a:extLst>
           </p:cNvPr>
@@ -901,7 +907,7 @@
           <p:cNvPr id="6" name="슬라이드 번호 개체 틀 5">
             <a:extLst>
               <a:ext uri="{FF2B5EF4-FFF2-40B4-BE49-F238E27FC236}">
-                <a16:creationId xmlns:a16="http://schemas.microsoft.com/office/drawing/2014/main" id="{EB3814CB-6D5E-4131-8D1A-01E576516A2D}"/>
+                <a16:creationId xmlns:a16="http://schemas.microsoft.com/office/drawing/2014/main" xmlns="" id="{EB3814CB-6D5E-4131-8D1A-01E576516A2D}"/>
               </a:ext>
             </a:extLst>
           </p:cNvPr>
@@ -960,7 +966,7 @@
           <p:cNvPr id="2" name="제목 1">
             <a:extLst>
               <a:ext uri="{FF2B5EF4-FFF2-40B4-BE49-F238E27FC236}">
-                <a16:creationId xmlns:a16="http://schemas.microsoft.com/office/drawing/2014/main" id="{04254FBC-B921-46CF-9D1A-911922C4C7E9}"/>
+                <a16:creationId xmlns:a16="http://schemas.microsoft.com/office/drawing/2014/main" xmlns="" id="{04254FBC-B921-46CF-9D1A-911922C4C7E9}"/>
               </a:ext>
             </a:extLst>
           </p:cNvPr>
@@ -997,7 +1003,7 @@
           <p:cNvPr id="3" name="텍스트 개체 틀 2">
             <a:extLst>
               <a:ext uri="{FF2B5EF4-FFF2-40B4-BE49-F238E27FC236}">
-                <a16:creationId xmlns:a16="http://schemas.microsoft.com/office/drawing/2014/main" id="{47DF5B2E-BCEC-418F-9EDE-F64E29AE76F9}"/>
+                <a16:creationId xmlns:a16="http://schemas.microsoft.com/office/drawing/2014/main" xmlns="" id="{47DF5B2E-BCEC-418F-9EDE-F64E29AE76F9}"/>
               </a:ext>
             </a:extLst>
           </p:cNvPr>
@@ -1122,7 +1128,7 @@
           <p:cNvPr id="4" name="날짜 개체 틀 3">
             <a:extLst>
               <a:ext uri="{FF2B5EF4-FFF2-40B4-BE49-F238E27FC236}">
-                <a16:creationId xmlns:a16="http://schemas.microsoft.com/office/drawing/2014/main" id="{2EF3EAF3-8FA7-4C6D-AC75-E845F0080B84}"/>
+                <a16:creationId xmlns:a16="http://schemas.microsoft.com/office/drawing/2014/main" xmlns="" id="{2EF3EAF3-8FA7-4C6D-AC75-E845F0080B84}"/>
               </a:ext>
             </a:extLst>
           </p:cNvPr>
@@ -1140,7 +1146,7 @@
           <a:p>
             <a:fld id="{912F65AB-5109-41C6-B5B7-441AE7EAE762}" type="datetimeFigureOut">
               <a:rPr lang="ko-KR" altLang="en-US" smtClean="0"/>
-              <a:t>2020-04-11</a:t>
+              <a:t>2020-04-13</a:t>
             </a:fld>
             <a:endParaRPr lang="ko-KR" altLang="en-US"/>
           </a:p>
@@ -1151,7 +1157,7 @@
           <p:cNvPr id="5" name="바닥글 개체 틀 4">
             <a:extLst>
               <a:ext uri="{FF2B5EF4-FFF2-40B4-BE49-F238E27FC236}">
-                <a16:creationId xmlns:a16="http://schemas.microsoft.com/office/drawing/2014/main" id="{71061C49-4CB2-430B-9ECF-067741A0B15E}"/>
+                <a16:creationId xmlns:a16="http://schemas.microsoft.com/office/drawing/2014/main" xmlns="" id="{71061C49-4CB2-430B-9ECF-067741A0B15E}"/>
               </a:ext>
             </a:extLst>
           </p:cNvPr>
@@ -1176,7 +1182,7 @@
           <p:cNvPr id="6" name="슬라이드 번호 개체 틀 5">
             <a:extLst>
               <a:ext uri="{FF2B5EF4-FFF2-40B4-BE49-F238E27FC236}">
-                <a16:creationId xmlns:a16="http://schemas.microsoft.com/office/drawing/2014/main" id="{0C8CF60A-63A9-49F6-9870-CC8D23E139DE}"/>
+                <a16:creationId xmlns:a16="http://schemas.microsoft.com/office/drawing/2014/main" xmlns="" id="{0C8CF60A-63A9-49F6-9870-CC8D23E139DE}"/>
               </a:ext>
             </a:extLst>
           </p:cNvPr>
@@ -1235,7 +1241,7 @@
           <p:cNvPr id="2" name="제목 1">
             <a:extLst>
               <a:ext uri="{FF2B5EF4-FFF2-40B4-BE49-F238E27FC236}">
-                <a16:creationId xmlns:a16="http://schemas.microsoft.com/office/drawing/2014/main" id="{A9D9BF53-5759-413C-9A8C-BDE310F4F979}"/>
+                <a16:creationId xmlns:a16="http://schemas.microsoft.com/office/drawing/2014/main" xmlns="" id="{A9D9BF53-5759-413C-9A8C-BDE310F4F979}"/>
               </a:ext>
             </a:extLst>
           </p:cNvPr>
@@ -1263,7 +1269,7 @@
           <p:cNvPr id="3" name="내용 개체 틀 2">
             <a:extLst>
               <a:ext uri="{FF2B5EF4-FFF2-40B4-BE49-F238E27FC236}">
-                <a16:creationId xmlns:a16="http://schemas.microsoft.com/office/drawing/2014/main" id="{95D97240-92FE-4426-A42E-E572488B93EC}"/>
+                <a16:creationId xmlns:a16="http://schemas.microsoft.com/office/drawing/2014/main" xmlns="" id="{95D97240-92FE-4426-A42E-E572488B93EC}"/>
               </a:ext>
             </a:extLst>
           </p:cNvPr>
@@ -1325,7 +1331,7 @@
           <p:cNvPr id="4" name="내용 개체 틀 3">
             <a:extLst>
               <a:ext uri="{FF2B5EF4-FFF2-40B4-BE49-F238E27FC236}">
-                <a16:creationId xmlns:a16="http://schemas.microsoft.com/office/drawing/2014/main" id="{C3ED7FD5-AC7C-4FA6-BFCE-504FDD0AC5E5}"/>
+                <a16:creationId xmlns:a16="http://schemas.microsoft.com/office/drawing/2014/main" xmlns="" id="{C3ED7FD5-AC7C-4FA6-BFCE-504FDD0AC5E5}"/>
               </a:ext>
             </a:extLst>
           </p:cNvPr>
@@ -1387,7 +1393,7 @@
           <p:cNvPr id="5" name="날짜 개체 틀 4">
             <a:extLst>
               <a:ext uri="{FF2B5EF4-FFF2-40B4-BE49-F238E27FC236}">
-                <a16:creationId xmlns:a16="http://schemas.microsoft.com/office/drawing/2014/main" id="{20F3AF5A-A94D-413B-819B-F532CB41B9F2}"/>
+                <a16:creationId xmlns:a16="http://schemas.microsoft.com/office/drawing/2014/main" xmlns="" id="{20F3AF5A-A94D-413B-819B-F532CB41B9F2}"/>
               </a:ext>
             </a:extLst>
           </p:cNvPr>
@@ -1405,7 +1411,7 @@
           <a:p>
             <a:fld id="{912F65AB-5109-41C6-B5B7-441AE7EAE762}" type="datetimeFigureOut">
               <a:rPr lang="ko-KR" altLang="en-US" smtClean="0"/>
-              <a:t>2020-04-11</a:t>
+              <a:t>2020-04-13</a:t>
             </a:fld>
             <a:endParaRPr lang="ko-KR" altLang="en-US"/>
           </a:p>
@@ -1416,7 +1422,7 @@
           <p:cNvPr id="6" name="바닥글 개체 틀 5">
             <a:extLst>
               <a:ext uri="{FF2B5EF4-FFF2-40B4-BE49-F238E27FC236}">
-                <a16:creationId xmlns:a16="http://schemas.microsoft.com/office/drawing/2014/main" id="{DB3C0BCC-664A-481B-9808-72A04C0D4F25}"/>
+                <a16:creationId xmlns:a16="http://schemas.microsoft.com/office/drawing/2014/main" xmlns="" id="{DB3C0BCC-664A-481B-9808-72A04C0D4F25}"/>
               </a:ext>
             </a:extLst>
           </p:cNvPr>
@@ -1441,7 +1447,7 @@
           <p:cNvPr id="7" name="슬라이드 번호 개체 틀 6">
             <a:extLst>
               <a:ext uri="{FF2B5EF4-FFF2-40B4-BE49-F238E27FC236}">
-                <a16:creationId xmlns:a16="http://schemas.microsoft.com/office/drawing/2014/main" id="{2733E4C1-252F-4A5D-B93E-49A83FD51FB9}"/>
+                <a16:creationId xmlns:a16="http://schemas.microsoft.com/office/drawing/2014/main" xmlns="" id="{2733E4C1-252F-4A5D-B93E-49A83FD51FB9}"/>
               </a:ext>
             </a:extLst>
           </p:cNvPr>
@@ -1500,7 +1506,7 @@
           <p:cNvPr id="2" name="제목 1">
             <a:extLst>
               <a:ext uri="{FF2B5EF4-FFF2-40B4-BE49-F238E27FC236}">
-                <a16:creationId xmlns:a16="http://schemas.microsoft.com/office/drawing/2014/main" id="{AECEBC7C-872A-4E08-9343-1B9D70B0B959}"/>
+                <a16:creationId xmlns:a16="http://schemas.microsoft.com/office/drawing/2014/main" xmlns="" id="{AECEBC7C-872A-4E08-9343-1B9D70B0B959}"/>
               </a:ext>
             </a:extLst>
           </p:cNvPr>
@@ -1533,7 +1539,7 @@
           <p:cNvPr id="3" name="텍스트 개체 틀 2">
             <a:extLst>
               <a:ext uri="{FF2B5EF4-FFF2-40B4-BE49-F238E27FC236}">
-                <a16:creationId xmlns:a16="http://schemas.microsoft.com/office/drawing/2014/main" id="{62F34610-5DB5-40BB-933B-2C0929E8F14C}"/>
+                <a16:creationId xmlns:a16="http://schemas.microsoft.com/office/drawing/2014/main" xmlns="" id="{62F34610-5DB5-40BB-933B-2C0929E8F14C}"/>
               </a:ext>
             </a:extLst>
           </p:cNvPr>
@@ -1604,7 +1610,7 @@
           <p:cNvPr id="4" name="내용 개체 틀 3">
             <a:extLst>
               <a:ext uri="{FF2B5EF4-FFF2-40B4-BE49-F238E27FC236}">
-                <a16:creationId xmlns:a16="http://schemas.microsoft.com/office/drawing/2014/main" id="{DFE957F4-1861-4E06-8594-3B1558D8240A}"/>
+                <a16:creationId xmlns:a16="http://schemas.microsoft.com/office/drawing/2014/main" xmlns="" id="{DFE957F4-1861-4E06-8594-3B1558D8240A}"/>
               </a:ext>
             </a:extLst>
           </p:cNvPr>
@@ -1666,7 +1672,7 @@
           <p:cNvPr id="5" name="텍스트 개체 틀 4">
             <a:extLst>
               <a:ext uri="{FF2B5EF4-FFF2-40B4-BE49-F238E27FC236}">
-                <a16:creationId xmlns:a16="http://schemas.microsoft.com/office/drawing/2014/main" id="{3766DC64-2128-4969-925F-388E5E0AACC3}"/>
+                <a16:creationId xmlns:a16="http://schemas.microsoft.com/office/drawing/2014/main" xmlns="" id="{3766DC64-2128-4969-925F-388E5E0AACC3}"/>
               </a:ext>
             </a:extLst>
           </p:cNvPr>
@@ -1737,7 +1743,7 @@
           <p:cNvPr id="6" name="내용 개체 틀 5">
             <a:extLst>
               <a:ext uri="{FF2B5EF4-FFF2-40B4-BE49-F238E27FC236}">
-                <a16:creationId xmlns:a16="http://schemas.microsoft.com/office/drawing/2014/main" id="{EB0CCD0F-CB23-4C9E-8731-279CCBD22EE5}"/>
+                <a16:creationId xmlns:a16="http://schemas.microsoft.com/office/drawing/2014/main" xmlns="" id="{EB0CCD0F-CB23-4C9E-8731-279CCBD22EE5}"/>
               </a:ext>
             </a:extLst>
           </p:cNvPr>
@@ -1799,7 +1805,7 @@
           <p:cNvPr id="7" name="날짜 개체 틀 6">
             <a:extLst>
               <a:ext uri="{FF2B5EF4-FFF2-40B4-BE49-F238E27FC236}">
-                <a16:creationId xmlns:a16="http://schemas.microsoft.com/office/drawing/2014/main" id="{CBE6DF58-961B-453E-9D6A-B22C9B0140F7}"/>
+                <a16:creationId xmlns:a16="http://schemas.microsoft.com/office/drawing/2014/main" xmlns="" id="{CBE6DF58-961B-453E-9D6A-B22C9B0140F7}"/>
               </a:ext>
             </a:extLst>
           </p:cNvPr>
@@ -1817,7 +1823,7 @@
           <a:p>
             <a:fld id="{912F65AB-5109-41C6-B5B7-441AE7EAE762}" type="datetimeFigureOut">
               <a:rPr lang="ko-KR" altLang="en-US" smtClean="0"/>
-              <a:t>2020-04-11</a:t>
+              <a:t>2020-04-13</a:t>
             </a:fld>
             <a:endParaRPr lang="ko-KR" altLang="en-US"/>
           </a:p>
@@ -1828,7 +1834,7 @@
           <p:cNvPr id="8" name="바닥글 개체 틀 7">
             <a:extLst>
               <a:ext uri="{FF2B5EF4-FFF2-40B4-BE49-F238E27FC236}">
-                <a16:creationId xmlns:a16="http://schemas.microsoft.com/office/drawing/2014/main" id="{22D36513-A3E4-4B9E-B2E1-0B1B58AF437C}"/>
+                <a16:creationId xmlns:a16="http://schemas.microsoft.com/office/drawing/2014/main" xmlns="" id="{22D36513-A3E4-4B9E-B2E1-0B1B58AF437C}"/>
               </a:ext>
             </a:extLst>
           </p:cNvPr>
@@ -1853,7 +1859,7 @@
           <p:cNvPr id="9" name="슬라이드 번호 개체 틀 8">
             <a:extLst>
               <a:ext uri="{FF2B5EF4-FFF2-40B4-BE49-F238E27FC236}">
-                <a16:creationId xmlns:a16="http://schemas.microsoft.com/office/drawing/2014/main" id="{8A05E813-1495-42E3-8617-9B15578EB9BC}"/>
+                <a16:creationId xmlns:a16="http://schemas.microsoft.com/office/drawing/2014/main" xmlns="" id="{8A05E813-1495-42E3-8617-9B15578EB9BC}"/>
               </a:ext>
             </a:extLst>
           </p:cNvPr>
@@ -1912,7 +1918,7 @@
           <p:cNvPr id="2" name="제목 1">
             <a:extLst>
               <a:ext uri="{FF2B5EF4-FFF2-40B4-BE49-F238E27FC236}">
-                <a16:creationId xmlns:a16="http://schemas.microsoft.com/office/drawing/2014/main" id="{328F99A0-2CAB-4E95-8129-3FCA5760F873}"/>
+                <a16:creationId xmlns:a16="http://schemas.microsoft.com/office/drawing/2014/main" xmlns="" id="{328F99A0-2CAB-4E95-8129-3FCA5760F873}"/>
               </a:ext>
             </a:extLst>
           </p:cNvPr>
@@ -1940,7 +1946,7 @@
           <p:cNvPr id="3" name="날짜 개체 틀 2">
             <a:extLst>
               <a:ext uri="{FF2B5EF4-FFF2-40B4-BE49-F238E27FC236}">
-                <a16:creationId xmlns:a16="http://schemas.microsoft.com/office/drawing/2014/main" id="{15BA6787-44E4-4B62-98F0-1DEBB599E006}"/>
+                <a16:creationId xmlns:a16="http://schemas.microsoft.com/office/drawing/2014/main" xmlns="" id="{15BA6787-44E4-4B62-98F0-1DEBB599E006}"/>
               </a:ext>
             </a:extLst>
           </p:cNvPr>
@@ -1958,7 +1964,7 @@
           <a:p>
             <a:fld id="{912F65AB-5109-41C6-B5B7-441AE7EAE762}" type="datetimeFigureOut">
               <a:rPr lang="ko-KR" altLang="en-US" smtClean="0"/>
-              <a:t>2020-04-11</a:t>
+              <a:t>2020-04-13</a:t>
             </a:fld>
             <a:endParaRPr lang="ko-KR" altLang="en-US"/>
           </a:p>
@@ -1969,7 +1975,7 @@
           <p:cNvPr id="4" name="바닥글 개체 틀 3">
             <a:extLst>
               <a:ext uri="{FF2B5EF4-FFF2-40B4-BE49-F238E27FC236}">
-                <a16:creationId xmlns:a16="http://schemas.microsoft.com/office/drawing/2014/main" id="{FA67123F-DF79-4BC3-82FD-680BAE6AC0DB}"/>
+                <a16:creationId xmlns:a16="http://schemas.microsoft.com/office/drawing/2014/main" xmlns="" id="{FA67123F-DF79-4BC3-82FD-680BAE6AC0DB}"/>
               </a:ext>
             </a:extLst>
           </p:cNvPr>
@@ -1994,7 +2000,7 @@
           <p:cNvPr id="5" name="슬라이드 번호 개체 틀 4">
             <a:extLst>
               <a:ext uri="{FF2B5EF4-FFF2-40B4-BE49-F238E27FC236}">
-                <a16:creationId xmlns:a16="http://schemas.microsoft.com/office/drawing/2014/main" id="{66E3BAB8-9BBE-41F8-90C4-152D3012B9D6}"/>
+                <a16:creationId xmlns:a16="http://schemas.microsoft.com/office/drawing/2014/main" xmlns="" id="{66E3BAB8-9BBE-41F8-90C4-152D3012B9D6}"/>
               </a:ext>
             </a:extLst>
           </p:cNvPr>
@@ -2053,7 +2059,7 @@
           <p:cNvPr id="2" name="날짜 개체 틀 1">
             <a:extLst>
               <a:ext uri="{FF2B5EF4-FFF2-40B4-BE49-F238E27FC236}">
-                <a16:creationId xmlns:a16="http://schemas.microsoft.com/office/drawing/2014/main" id="{68310EB4-9760-4692-81B8-AA87C1823050}"/>
+                <a16:creationId xmlns:a16="http://schemas.microsoft.com/office/drawing/2014/main" xmlns="" id="{68310EB4-9760-4692-81B8-AA87C1823050}"/>
               </a:ext>
             </a:extLst>
           </p:cNvPr>
@@ -2071,7 +2077,7 @@
           <a:p>
             <a:fld id="{912F65AB-5109-41C6-B5B7-441AE7EAE762}" type="datetimeFigureOut">
               <a:rPr lang="ko-KR" altLang="en-US" smtClean="0"/>
-              <a:t>2020-04-11</a:t>
+              <a:t>2020-04-13</a:t>
             </a:fld>
             <a:endParaRPr lang="ko-KR" altLang="en-US"/>
           </a:p>
@@ -2082,7 +2088,7 @@
           <p:cNvPr id="3" name="바닥글 개체 틀 2">
             <a:extLst>
               <a:ext uri="{FF2B5EF4-FFF2-40B4-BE49-F238E27FC236}">
-                <a16:creationId xmlns:a16="http://schemas.microsoft.com/office/drawing/2014/main" id="{42B324CB-E72A-4D5B-B72B-838A37A42A62}"/>
+                <a16:creationId xmlns:a16="http://schemas.microsoft.com/office/drawing/2014/main" xmlns="" id="{42B324CB-E72A-4D5B-B72B-838A37A42A62}"/>
               </a:ext>
             </a:extLst>
           </p:cNvPr>
@@ -2107,7 +2113,7 @@
           <p:cNvPr id="4" name="슬라이드 번호 개체 틀 3">
             <a:extLst>
               <a:ext uri="{FF2B5EF4-FFF2-40B4-BE49-F238E27FC236}">
-                <a16:creationId xmlns:a16="http://schemas.microsoft.com/office/drawing/2014/main" id="{633A9A52-5210-46BE-872B-5120BC4A6D86}"/>
+                <a16:creationId xmlns:a16="http://schemas.microsoft.com/office/drawing/2014/main" xmlns="" id="{633A9A52-5210-46BE-872B-5120BC4A6D86}"/>
               </a:ext>
             </a:extLst>
           </p:cNvPr>
@@ -2166,7 +2172,7 @@
           <p:cNvPr id="2" name="제목 1">
             <a:extLst>
               <a:ext uri="{FF2B5EF4-FFF2-40B4-BE49-F238E27FC236}">
-                <a16:creationId xmlns:a16="http://schemas.microsoft.com/office/drawing/2014/main" id="{F8020ED3-1F5A-4301-A9A2-91A83611AAB1}"/>
+                <a16:creationId xmlns:a16="http://schemas.microsoft.com/office/drawing/2014/main" xmlns="" id="{F8020ED3-1F5A-4301-A9A2-91A83611AAB1}"/>
               </a:ext>
             </a:extLst>
           </p:cNvPr>
@@ -2203,7 +2209,7 @@
           <p:cNvPr id="3" name="내용 개체 틀 2">
             <a:extLst>
               <a:ext uri="{FF2B5EF4-FFF2-40B4-BE49-F238E27FC236}">
-                <a16:creationId xmlns:a16="http://schemas.microsoft.com/office/drawing/2014/main" id="{D32056ED-D934-44BB-9E96-1DA6653AA6EC}"/>
+                <a16:creationId xmlns:a16="http://schemas.microsoft.com/office/drawing/2014/main" xmlns="" id="{D32056ED-D934-44BB-9E96-1DA6653AA6EC}"/>
               </a:ext>
             </a:extLst>
           </p:cNvPr>
@@ -2293,7 +2299,7 @@
           <p:cNvPr id="4" name="텍스트 개체 틀 3">
             <a:extLst>
               <a:ext uri="{FF2B5EF4-FFF2-40B4-BE49-F238E27FC236}">
-                <a16:creationId xmlns:a16="http://schemas.microsoft.com/office/drawing/2014/main" id="{C84B3C15-9571-490B-A0CF-E83EE862F8AB}"/>
+                <a16:creationId xmlns:a16="http://schemas.microsoft.com/office/drawing/2014/main" xmlns="" id="{C84B3C15-9571-490B-A0CF-E83EE862F8AB}"/>
               </a:ext>
             </a:extLst>
           </p:cNvPr>
@@ -2364,7 +2370,7 @@
           <p:cNvPr id="5" name="날짜 개체 틀 4">
             <a:extLst>
               <a:ext uri="{FF2B5EF4-FFF2-40B4-BE49-F238E27FC236}">
-                <a16:creationId xmlns:a16="http://schemas.microsoft.com/office/drawing/2014/main" id="{D1CFC9B4-842D-4F9B-8FB1-58EAFE702884}"/>
+                <a16:creationId xmlns:a16="http://schemas.microsoft.com/office/drawing/2014/main" xmlns="" id="{D1CFC9B4-842D-4F9B-8FB1-58EAFE702884}"/>
               </a:ext>
             </a:extLst>
           </p:cNvPr>
@@ -2382,7 +2388,7 @@
           <a:p>
             <a:fld id="{912F65AB-5109-41C6-B5B7-441AE7EAE762}" type="datetimeFigureOut">
               <a:rPr lang="ko-KR" altLang="en-US" smtClean="0"/>
-              <a:t>2020-04-11</a:t>
+              <a:t>2020-04-13</a:t>
             </a:fld>
             <a:endParaRPr lang="ko-KR" altLang="en-US"/>
           </a:p>
@@ -2393,7 +2399,7 @@
           <p:cNvPr id="6" name="바닥글 개체 틀 5">
             <a:extLst>
               <a:ext uri="{FF2B5EF4-FFF2-40B4-BE49-F238E27FC236}">
-                <a16:creationId xmlns:a16="http://schemas.microsoft.com/office/drawing/2014/main" id="{BAECB6F9-07C2-4C89-985D-BF80BA366A13}"/>
+                <a16:creationId xmlns:a16="http://schemas.microsoft.com/office/drawing/2014/main" xmlns="" id="{BAECB6F9-07C2-4C89-985D-BF80BA366A13}"/>
               </a:ext>
             </a:extLst>
           </p:cNvPr>
@@ -2418,7 +2424,7 @@
           <p:cNvPr id="7" name="슬라이드 번호 개체 틀 6">
             <a:extLst>
               <a:ext uri="{FF2B5EF4-FFF2-40B4-BE49-F238E27FC236}">
-                <a16:creationId xmlns:a16="http://schemas.microsoft.com/office/drawing/2014/main" id="{6446E269-EF9A-4244-9444-EEB1913A0E6D}"/>
+                <a16:creationId xmlns:a16="http://schemas.microsoft.com/office/drawing/2014/main" xmlns="" id="{6446E269-EF9A-4244-9444-EEB1913A0E6D}"/>
               </a:ext>
             </a:extLst>
           </p:cNvPr>
@@ -2477,7 +2483,7 @@
           <p:cNvPr id="2" name="제목 1">
             <a:extLst>
               <a:ext uri="{FF2B5EF4-FFF2-40B4-BE49-F238E27FC236}">
-                <a16:creationId xmlns:a16="http://schemas.microsoft.com/office/drawing/2014/main" id="{9FDE38D0-4324-4E7E-AC2E-C5983DF7DA27}"/>
+                <a16:creationId xmlns:a16="http://schemas.microsoft.com/office/drawing/2014/main" xmlns="" id="{9FDE38D0-4324-4E7E-AC2E-C5983DF7DA27}"/>
               </a:ext>
             </a:extLst>
           </p:cNvPr>
@@ -2514,7 +2520,7 @@
           <p:cNvPr id="3" name="그림 개체 틀 2">
             <a:extLst>
               <a:ext uri="{FF2B5EF4-FFF2-40B4-BE49-F238E27FC236}">
-                <a16:creationId xmlns:a16="http://schemas.microsoft.com/office/drawing/2014/main" id="{F8413315-5327-426E-9414-98EB9E64C935}"/>
+                <a16:creationId xmlns:a16="http://schemas.microsoft.com/office/drawing/2014/main" xmlns="" id="{F8413315-5327-426E-9414-98EB9E64C935}"/>
               </a:ext>
             </a:extLst>
           </p:cNvPr>
@@ -2581,7 +2587,7 @@
           <p:cNvPr id="4" name="텍스트 개체 틀 3">
             <a:extLst>
               <a:ext uri="{FF2B5EF4-FFF2-40B4-BE49-F238E27FC236}">
-                <a16:creationId xmlns:a16="http://schemas.microsoft.com/office/drawing/2014/main" id="{02B20A3B-C00D-4BA0-A294-47B3CFF7E2A2}"/>
+                <a16:creationId xmlns:a16="http://schemas.microsoft.com/office/drawing/2014/main" xmlns="" id="{02B20A3B-C00D-4BA0-A294-47B3CFF7E2A2}"/>
               </a:ext>
             </a:extLst>
           </p:cNvPr>
@@ -2652,7 +2658,7 @@
           <p:cNvPr id="5" name="날짜 개체 틀 4">
             <a:extLst>
               <a:ext uri="{FF2B5EF4-FFF2-40B4-BE49-F238E27FC236}">
-                <a16:creationId xmlns:a16="http://schemas.microsoft.com/office/drawing/2014/main" id="{15D3D537-2430-4143-B2DD-D182848B9FBB}"/>
+                <a16:creationId xmlns:a16="http://schemas.microsoft.com/office/drawing/2014/main" xmlns="" id="{15D3D537-2430-4143-B2DD-D182848B9FBB}"/>
               </a:ext>
             </a:extLst>
           </p:cNvPr>
@@ -2670,7 +2676,7 @@
           <a:p>
             <a:fld id="{912F65AB-5109-41C6-B5B7-441AE7EAE762}" type="datetimeFigureOut">
               <a:rPr lang="ko-KR" altLang="en-US" smtClean="0"/>
-              <a:t>2020-04-11</a:t>
+              <a:t>2020-04-13</a:t>
             </a:fld>
             <a:endParaRPr lang="ko-KR" altLang="en-US"/>
           </a:p>
@@ -2681,7 +2687,7 @@
           <p:cNvPr id="6" name="바닥글 개체 틀 5">
             <a:extLst>
               <a:ext uri="{FF2B5EF4-FFF2-40B4-BE49-F238E27FC236}">
-                <a16:creationId xmlns:a16="http://schemas.microsoft.com/office/drawing/2014/main" id="{3DBE0885-4F1E-4E6B-A5F3-F05D03B42812}"/>
+                <a16:creationId xmlns:a16="http://schemas.microsoft.com/office/drawing/2014/main" xmlns="" id="{3DBE0885-4F1E-4E6B-A5F3-F05D03B42812}"/>
               </a:ext>
             </a:extLst>
           </p:cNvPr>
@@ -2706,7 +2712,7 @@
           <p:cNvPr id="7" name="슬라이드 번호 개체 틀 6">
             <a:extLst>
               <a:ext uri="{FF2B5EF4-FFF2-40B4-BE49-F238E27FC236}">
-                <a16:creationId xmlns:a16="http://schemas.microsoft.com/office/drawing/2014/main" id="{8EB89515-DF3F-4A48-8113-746727C77C2F}"/>
+                <a16:creationId xmlns:a16="http://schemas.microsoft.com/office/drawing/2014/main" xmlns="" id="{8EB89515-DF3F-4A48-8113-746727C77C2F}"/>
               </a:ext>
             </a:extLst>
           </p:cNvPr>
@@ -2770,7 +2776,7 @@
           <p:cNvPr id="2" name="제목 개체 틀 1">
             <a:extLst>
               <a:ext uri="{FF2B5EF4-FFF2-40B4-BE49-F238E27FC236}">
-                <a16:creationId xmlns:a16="http://schemas.microsoft.com/office/drawing/2014/main" id="{B31AB279-2397-4E66-9CF7-7F4405B9123E}"/>
+                <a16:creationId xmlns:a16="http://schemas.microsoft.com/office/drawing/2014/main" xmlns="" id="{B31AB279-2397-4E66-9CF7-7F4405B9123E}"/>
               </a:ext>
             </a:extLst>
           </p:cNvPr>
@@ -2808,7 +2814,7 @@
           <p:cNvPr id="3" name="텍스트 개체 틀 2">
             <a:extLst>
               <a:ext uri="{FF2B5EF4-FFF2-40B4-BE49-F238E27FC236}">
-                <a16:creationId xmlns:a16="http://schemas.microsoft.com/office/drawing/2014/main" id="{E62EA30E-E10B-458E-82C7-3813AE85C6E8}"/>
+                <a16:creationId xmlns:a16="http://schemas.microsoft.com/office/drawing/2014/main" xmlns="" id="{E62EA30E-E10B-458E-82C7-3813AE85C6E8}"/>
               </a:ext>
             </a:extLst>
           </p:cNvPr>
@@ -2875,7 +2881,7 @@
           <p:cNvPr id="4" name="날짜 개체 틀 3">
             <a:extLst>
               <a:ext uri="{FF2B5EF4-FFF2-40B4-BE49-F238E27FC236}">
-                <a16:creationId xmlns:a16="http://schemas.microsoft.com/office/drawing/2014/main" id="{16C43391-2060-4ECC-AC3B-318280C16267}"/>
+                <a16:creationId xmlns:a16="http://schemas.microsoft.com/office/drawing/2014/main" xmlns="" id="{16C43391-2060-4ECC-AC3B-318280C16267}"/>
               </a:ext>
             </a:extLst>
           </p:cNvPr>
@@ -2911,7 +2917,7 @@
           <a:p>
             <a:fld id="{912F65AB-5109-41C6-B5B7-441AE7EAE762}" type="datetimeFigureOut">
               <a:rPr lang="ko-KR" altLang="en-US" smtClean="0"/>
-              <a:t>2020-04-11</a:t>
+              <a:t>2020-04-13</a:t>
             </a:fld>
             <a:endParaRPr lang="ko-KR" altLang="en-US"/>
           </a:p>
@@ -2922,7 +2928,7 @@
           <p:cNvPr id="5" name="바닥글 개체 틀 4">
             <a:extLst>
               <a:ext uri="{FF2B5EF4-FFF2-40B4-BE49-F238E27FC236}">
-                <a16:creationId xmlns:a16="http://schemas.microsoft.com/office/drawing/2014/main" id="{758FC163-1608-466E-8440-50A56C21435E}"/>
+                <a16:creationId xmlns:a16="http://schemas.microsoft.com/office/drawing/2014/main" xmlns="" id="{758FC163-1608-466E-8440-50A56C21435E}"/>
               </a:ext>
             </a:extLst>
           </p:cNvPr>
@@ -2965,7 +2971,7 @@
           <p:cNvPr id="6" name="슬라이드 번호 개체 틀 5">
             <a:extLst>
               <a:ext uri="{FF2B5EF4-FFF2-40B4-BE49-F238E27FC236}">
-                <a16:creationId xmlns:a16="http://schemas.microsoft.com/office/drawing/2014/main" id="{FEE8355F-683F-49D5-83CB-977264448A3B}"/>
+                <a16:creationId xmlns:a16="http://schemas.microsoft.com/office/drawing/2014/main" xmlns="" id="{FEE8355F-683F-49D5-83CB-977264448A3B}"/>
               </a:ext>
             </a:extLst>
           </p:cNvPr>
@@ -3333,7 +3339,7 @@
           <p:cNvPr id="5" name="그림 4">
             <a:extLst>
               <a:ext uri="{FF2B5EF4-FFF2-40B4-BE49-F238E27FC236}">
-                <a16:creationId xmlns:a16="http://schemas.microsoft.com/office/drawing/2014/main" id="{ABE5535B-B9BA-4C67-B1D8-AD5F74F446FC}"/>
+                <a16:creationId xmlns:a16="http://schemas.microsoft.com/office/drawing/2014/main" xmlns="" id="{ABE5535B-B9BA-4C67-B1D8-AD5F74F446FC}"/>
               </a:ext>
             </a:extLst>
           </p:cNvPr>
@@ -3369,7 +3375,7 @@
           <p:cNvPr id="16" name="그림 15">
             <a:extLst>
               <a:ext uri="{FF2B5EF4-FFF2-40B4-BE49-F238E27FC236}">
-                <a16:creationId xmlns:a16="http://schemas.microsoft.com/office/drawing/2014/main" id="{5EDFED41-1B78-4A53-8B5F-A07D1DD48851}"/>
+                <a16:creationId xmlns:a16="http://schemas.microsoft.com/office/drawing/2014/main" xmlns="" id="{5EDFED41-1B78-4A53-8B5F-A07D1DD48851}"/>
               </a:ext>
             </a:extLst>
           </p:cNvPr>
@@ -3411,7 +3417,7 @@
           <p:cNvPr id="19" name="그림 18">
             <a:extLst>
               <a:ext uri="{FF2B5EF4-FFF2-40B4-BE49-F238E27FC236}">
-                <a16:creationId xmlns:a16="http://schemas.microsoft.com/office/drawing/2014/main" id="{3BDB1956-9F8C-45AF-9B2D-8C6EF6FDB124}"/>
+                <a16:creationId xmlns:a16="http://schemas.microsoft.com/office/drawing/2014/main" xmlns="" id="{3BDB1956-9F8C-45AF-9B2D-8C6EF6FDB124}"/>
               </a:ext>
             </a:extLst>
           </p:cNvPr>
@@ -3447,7 +3453,7 @@
           <p:cNvPr id="21" name="그림 20">
             <a:extLst>
               <a:ext uri="{FF2B5EF4-FFF2-40B4-BE49-F238E27FC236}">
-                <a16:creationId xmlns:a16="http://schemas.microsoft.com/office/drawing/2014/main" id="{C8F8619E-D0D2-4027-87BF-8D25790A8949}"/>
+                <a16:creationId xmlns:a16="http://schemas.microsoft.com/office/drawing/2014/main" xmlns="" id="{C8F8619E-D0D2-4027-87BF-8D25790A8949}"/>
               </a:ext>
             </a:extLst>
           </p:cNvPr>
@@ -3483,7 +3489,7 @@
           <p:cNvPr id="23" name="그림 22">
             <a:extLst>
               <a:ext uri="{FF2B5EF4-FFF2-40B4-BE49-F238E27FC236}">
-                <a16:creationId xmlns:a16="http://schemas.microsoft.com/office/drawing/2014/main" id="{8C13FA45-B6A9-4F5B-A1EB-A2CDF3355293}"/>
+                <a16:creationId xmlns:a16="http://schemas.microsoft.com/office/drawing/2014/main" xmlns="" id="{8C13FA45-B6A9-4F5B-A1EB-A2CDF3355293}"/>
               </a:ext>
             </a:extLst>
           </p:cNvPr>
@@ -3519,7 +3525,7 @@
           <p:cNvPr id="25" name="그림 24">
             <a:extLst>
               <a:ext uri="{FF2B5EF4-FFF2-40B4-BE49-F238E27FC236}">
-                <a16:creationId xmlns:a16="http://schemas.microsoft.com/office/drawing/2014/main" id="{F95DC922-6D51-4C97-BF17-ED130BC13624}"/>
+                <a16:creationId xmlns:a16="http://schemas.microsoft.com/office/drawing/2014/main" xmlns="" id="{F95DC922-6D51-4C97-BF17-ED130BC13624}"/>
               </a:ext>
             </a:extLst>
           </p:cNvPr>
@@ -3555,7 +3561,7 @@
           <p:cNvPr id="27" name="그림 26">
             <a:extLst>
               <a:ext uri="{FF2B5EF4-FFF2-40B4-BE49-F238E27FC236}">
-                <a16:creationId xmlns:a16="http://schemas.microsoft.com/office/drawing/2014/main" id="{E21BA4BB-8154-4ED6-B9B6-9AE67FEA28F8}"/>
+                <a16:creationId xmlns:a16="http://schemas.microsoft.com/office/drawing/2014/main" xmlns="" id="{E21BA4BB-8154-4ED6-B9B6-9AE67FEA28F8}"/>
               </a:ext>
             </a:extLst>
           </p:cNvPr>
@@ -3621,7 +3627,7 @@
           <p:cNvPr id="5" name="그림 4">
             <a:extLst>
               <a:ext uri="{FF2B5EF4-FFF2-40B4-BE49-F238E27FC236}">
-                <a16:creationId xmlns:a16="http://schemas.microsoft.com/office/drawing/2014/main" id="{ABE5535B-B9BA-4C67-B1D8-AD5F74F446FC}"/>
+                <a16:creationId xmlns:a16="http://schemas.microsoft.com/office/drawing/2014/main" xmlns="" id="{ABE5535B-B9BA-4C67-B1D8-AD5F74F446FC}"/>
               </a:ext>
             </a:extLst>
           </p:cNvPr>
@@ -3657,7 +3663,7 @@
           <p:cNvPr id="16" name="그림 15">
             <a:extLst>
               <a:ext uri="{FF2B5EF4-FFF2-40B4-BE49-F238E27FC236}">
-                <a16:creationId xmlns:a16="http://schemas.microsoft.com/office/drawing/2014/main" id="{5EDFED41-1B78-4A53-8B5F-A07D1DD48851}"/>
+                <a16:creationId xmlns:a16="http://schemas.microsoft.com/office/drawing/2014/main" xmlns="" id="{5EDFED41-1B78-4A53-8B5F-A07D1DD48851}"/>
               </a:ext>
             </a:extLst>
           </p:cNvPr>
@@ -3699,7 +3705,7 @@
           <p:cNvPr id="19" name="그림 18">
             <a:extLst>
               <a:ext uri="{FF2B5EF4-FFF2-40B4-BE49-F238E27FC236}">
-                <a16:creationId xmlns:a16="http://schemas.microsoft.com/office/drawing/2014/main" id="{3BDB1956-9F8C-45AF-9B2D-8C6EF6FDB124}"/>
+                <a16:creationId xmlns:a16="http://schemas.microsoft.com/office/drawing/2014/main" xmlns="" id="{3BDB1956-9F8C-45AF-9B2D-8C6EF6FDB124}"/>
               </a:ext>
             </a:extLst>
           </p:cNvPr>
@@ -3735,7 +3741,7 @@
           <p:cNvPr id="21" name="그림 20">
             <a:extLst>
               <a:ext uri="{FF2B5EF4-FFF2-40B4-BE49-F238E27FC236}">
-                <a16:creationId xmlns:a16="http://schemas.microsoft.com/office/drawing/2014/main" id="{C8F8619E-D0D2-4027-87BF-8D25790A8949}"/>
+                <a16:creationId xmlns:a16="http://schemas.microsoft.com/office/drawing/2014/main" xmlns="" id="{C8F8619E-D0D2-4027-87BF-8D25790A8949}"/>
               </a:ext>
             </a:extLst>
           </p:cNvPr>
@@ -3771,7 +3777,7 @@
           <p:cNvPr id="23" name="그림 22">
             <a:extLst>
               <a:ext uri="{FF2B5EF4-FFF2-40B4-BE49-F238E27FC236}">
-                <a16:creationId xmlns:a16="http://schemas.microsoft.com/office/drawing/2014/main" id="{8C13FA45-B6A9-4F5B-A1EB-A2CDF3355293}"/>
+                <a16:creationId xmlns:a16="http://schemas.microsoft.com/office/drawing/2014/main" xmlns="" id="{8C13FA45-B6A9-4F5B-A1EB-A2CDF3355293}"/>
               </a:ext>
             </a:extLst>
           </p:cNvPr>
@@ -3807,7 +3813,7 @@
           <p:cNvPr id="25" name="그림 24">
             <a:extLst>
               <a:ext uri="{FF2B5EF4-FFF2-40B4-BE49-F238E27FC236}">
-                <a16:creationId xmlns:a16="http://schemas.microsoft.com/office/drawing/2014/main" id="{F95DC922-6D51-4C97-BF17-ED130BC13624}"/>
+                <a16:creationId xmlns:a16="http://schemas.microsoft.com/office/drawing/2014/main" xmlns="" id="{F95DC922-6D51-4C97-BF17-ED130BC13624}"/>
               </a:ext>
             </a:extLst>
           </p:cNvPr>
@@ -3843,7 +3849,7 @@
           <p:cNvPr id="27" name="그림 26">
             <a:extLst>
               <a:ext uri="{FF2B5EF4-FFF2-40B4-BE49-F238E27FC236}">
-                <a16:creationId xmlns:a16="http://schemas.microsoft.com/office/drawing/2014/main" id="{E21BA4BB-8154-4ED6-B9B6-9AE67FEA28F8}"/>
+                <a16:creationId xmlns:a16="http://schemas.microsoft.com/office/drawing/2014/main" xmlns="" id="{E21BA4BB-8154-4ED6-B9B6-9AE67FEA28F8}"/>
               </a:ext>
             </a:extLst>
           </p:cNvPr>
@@ -3879,7 +3885,7 @@
           <p:cNvPr id="3" name="그림 2">
             <a:extLst>
               <a:ext uri="{FF2B5EF4-FFF2-40B4-BE49-F238E27FC236}">
-                <a16:creationId xmlns:a16="http://schemas.microsoft.com/office/drawing/2014/main" id="{BAA90BE0-4A75-45FC-9CAD-6E6F410121C2}"/>
+                <a16:creationId xmlns:a16="http://schemas.microsoft.com/office/drawing/2014/main" xmlns="" id="{BAA90BE0-4A75-45FC-9CAD-6E6F410121C2}"/>
               </a:ext>
             </a:extLst>
           </p:cNvPr>
@@ -3915,7 +3921,7 @@
           <p:cNvPr id="6" name="그림 5">
             <a:extLst>
               <a:ext uri="{FF2B5EF4-FFF2-40B4-BE49-F238E27FC236}">
-                <a16:creationId xmlns:a16="http://schemas.microsoft.com/office/drawing/2014/main" id="{345D5A81-9B28-4486-8C02-0CD17F26485D}"/>
+                <a16:creationId xmlns:a16="http://schemas.microsoft.com/office/drawing/2014/main" xmlns="" id="{345D5A81-9B28-4486-8C02-0CD17F26485D}"/>
               </a:ext>
             </a:extLst>
           </p:cNvPr>
@@ -3981,7 +3987,7 @@
           <p:cNvPr id="5" name="그림 4">
             <a:extLst>
               <a:ext uri="{FF2B5EF4-FFF2-40B4-BE49-F238E27FC236}">
-                <a16:creationId xmlns:a16="http://schemas.microsoft.com/office/drawing/2014/main" id="{51EB3E08-5B57-4FB4-BA9C-BD770C107832}"/>
+                <a16:creationId xmlns:a16="http://schemas.microsoft.com/office/drawing/2014/main" xmlns="" id="{51EB3E08-5B57-4FB4-BA9C-BD770C107832}"/>
               </a:ext>
             </a:extLst>
           </p:cNvPr>
@@ -4017,7 +4023,7 @@
           <p:cNvPr id="7" name="그림 6">
             <a:extLst>
               <a:ext uri="{FF2B5EF4-FFF2-40B4-BE49-F238E27FC236}">
-                <a16:creationId xmlns:a16="http://schemas.microsoft.com/office/drawing/2014/main" id="{0A30DED4-3E81-460F-AB90-CBE5AF7E3393}"/>
+                <a16:creationId xmlns:a16="http://schemas.microsoft.com/office/drawing/2014/main" xmlns="" id="{0A30DED4-3E81-460F-AB90-CBE5AF7E3393}"/>
               </a:ext>
             </a:extLst>
           </p:cNvPr>
@@ -4053,7 +4059,7 @@
           <p:cNvPr id="13" name="그룹 12">
             <a:extLst>
               <a:ext uri="{FF2B5EF4-FFF2-40B4-BE49-F238E27FC236}">
-                <a16:creationId xmlns:a16="http://schemas.microsoft.com/office/drawing/2014/main" id="{FC829D0A-9655-4248-A3DC-7A705A403883}"/>
+                <a16:creationId xmlns:a16="http://schemas.microsoft.com/office/drawing/2014/main" xmlns="" id="{FC829D0A-9655-4248-A3DC-7A705A403883}"/>
               </a:ext>
             </a:extLst>
           </p:cNvPr>
@@ -4073,7 +4079,7 @@
             <p:cNvPr id="3" name="그림 2">
               <a:extLst>
                 <a:ext uri="{FF2B5EF4-FFF2-40B4-BE49-F238E27FC236}">
-                  <a16:creationId xmlns:a16="http://schemas.microsoft.com/office/drawing/2014/main" id="{6D3A968A-28D4-49CE-AA07-6D9DAA4AFC29}"/>
+                  <a16:creationId xmlns:a16="http://schemas.microsoft.com/office/drawing/2014/main" xmlns="" id="{6D3A968A-28D4-49CE-AA07-6D9DAA4AFC29}"/>
                 </a:ext>
               </a:extLst>
             </p:cNvPr>
@@ -4109,7 +4115,7 @@
             <p:cNvPr id="11" name="그림 10">
               <a:extLst>
                 <a:ext uri="{FF2B5EF4-FFF2-40B4-BE49-F238E27FC236}">
-                  <a16:creationId xmlns:a16="http://schemas.microsoft.com/office/drawing/2014/main" id="{F63684FB-6D75-4396-A9C2-AE0A444E6F67}"/>
+                  <a16:creationId xmlns:a16="http://schemas.microsoft.com/office/drawing/2014/main" xmlns="" id="{F63684FB-6D75-4396-A9C2-AE0A444E6F67}"/>
                 </a:ext>
               </a:extLst>
             </p:cNvPr>
@@ -4119,7 +4125,7 @@
             <p:nvPr/>
           </p:nvPicPr>
           <p:blipFill rotWithShape="1">
-            <a:blip r:embed="rId5">
+            <a:blip r:embed="rId5" cstate="print">
               <a:extLst>
                 <a:ext uri="{28A0092B-C50C-407E-A947-70E740481C1C}">
                   <a14:useLocalDpi xmlns:a14="http://schemas.microsoft.com/office/drawing/2010/main" val="0"/>
@@ -4144,7 +4150,7 @@
             <p:cNvPr id="12" name="그림 11">
               <a:extLst>
                 <a:ext uri="{FF2B5EF4-FFF2-40B4-BE49-F238E27FC236}">
-                  <a16:creationId xmlns:a16="http://schemas.microsoft.com/office/drawing/2014/main" id="{1C3FBF73-1905-46BD-9888-CD65479D2249}"/>
+                  <a16:creationId xmlns:a16="http://schemas.microsoft.com/office/drawing/2014/main" xmlns="" id="{1C3FBF73-1905-46BD-9888-CD65479D2249}"/>
                 </a:ext>
               </a:extLst>
             </p:cNvPr>
@@ -4154,7 +4160,7 @@
             <p:nvPr/>
           </p:nvPicPr>
           <p:blipFill rotWithShape="1">
-            <a:blip r:embed="rId6">
+            <a:blip r:embed="rId6" cstate="print">
               <a:duotone>
                 <a:prstClr val="black"/>
                 <a:schemeClr val="accent6">
@@ -4196,7 +4202,7 @@
           <p:cNvPr id="32" name="그룹 31">
             <a:extLst>
               <a:ext uri="{FF2B5EF4-FFF2-40B4-BE49-F238E27FC236}">
-                <a16:creationId xmlns:a16="http://schemas.microsoft.com/office/drawing/2014/main" id="{06758ACE-7880-4BFD-BEA4-DEA4373F5F04}"/>
+                <a16:creationId xmlns:a16="http://schemas.microsoft.com/office/drawing/2014/main" xmlns="" id="{06758ACE-7880-4BFD-BEA4-DEA4373F5F04}"/>
               </a:ext>
             </a:extLst>
           </p:cNvPr>
@@ -4216,7 +4222,7 @@
             <p:cNvPr id="30" name="그림 29">
               <a:extLst>
                 <a:ext uri="{FF2B5EF4-FFF2-40B4-BE49-F238E27FC236}">
-                  <a16:creationId xmlns:a16="http://schemas.microsoft.com/office/drawing/2014/main" id="{44985115-FB56-4FA8-9F04-983254CA116A}"/>
+                  <a16:creationId xmlns:a16="http://schemas.microsoft.com/office/drawing/2014/main" xmlns="" id="{44985115-FB56-4FA8-9F04-983254CA116A}"/>
                 </a:ext>
               </a:extLst>
             </p:cNvPr>
@@ -4226,7 +4232,7 @@
             <p:nvPr/>
           </p:nvPicPr>
           <p:blipFill>
-            <a:blip r:embed="rId8">
+            <a:blip r:embed="rId8" cstate="print">
               <a:extLst>
                 <a:ext uri="{28A0092B-C50C-407E-A947-70E740481C1C}">
                   <a14:useLocalDpi xmlns:a14="http://schemas.microsoft.com/office/drawing/2010/main" val="0"/>
@@ -4252,7 +4258,7 @@
             <p:cNvPr id="31" name="그룹 30">
               <a:extLst>
                 <a:ext uri="{FF2B5EF4-FFF2-40B4-BE49-F238E27FC236}">
-                  <a16:creationId xmlns:a16="http://schemas.microsoft.com/office/drawing/2014/main" id="{CDA66B8E-2B62-4343-B3EF-8B8E5CAC7A84}"/>
+                  <a16:creationId xmlns:a16="http://schemas.microsoft.com/office/drawing/2014/main" xmlns="" id="{CDA66B8E-2B62-4343-B3EF-8B8E5CAC7A84}"/>
                 </a:ext>
               </a:extLst>
             </p:cNvPr>
@@ -4272,7 +4278,7 @@
               <p:cNvPr id="18" name="그룹 17">
                 <a:extLst>
                   <a:ext uri="{FF2B5EF4-FFF2-40B4-BE49-F238E27FC236}">
-                    <a16:creationId xmlns:a16="http://schemas.microsoft.com/office/drawing/2014/main" id="{93CFF83E-2C5A-4E61-A35A-BF438C89C855}"/>
+                    <a16:creationId xmlns:a16="http://schemas.microsoft.com/office/drawing/2014/main" xmlns="" id="{93CFF83E-2C5A-4E61-A35A-BF438C89C855}"/>
                   </a:ext>
                 </a:extLst>
               </p:cNvPr>
@@ -4292,7 +4298,7 @@
                 <p:cNvPr id="15" name="그림 14">
                   <a:extLst>
                     <a:ext uri="{FF2B5EF4-FFF2-40B4-BE49-F238E27FC236}">
-                      <a16:creationId xmlns:a16="http://schemas.microsoft.com/office/drawing/2014/main" id="{299509C0-846A-436E-9734-648B93C07274}"/>
+                      <a16:creationId xmlns:a16="http://schemas.microsoft.com/office/drawing/2014/main" xmlns="" id="{299509C0-846A-436E-9734-648B93C07274}"/>
                     </a:ext>
                   </a:extLst>
                 </p:cNvPr>
@@ -4328,7 +4334,7 @@
                 <p:cNvPr id="16" name="그림 15">
                   <a:extLst>
                     <a:ext uri="{FF2B5EF4-FFF2-40B4-BE49-F238E27FC236}">
-                      <a16:creationId xmlns:a16="http://schemas.microsoft.com/office/drawing/2014/main" id="{1F3DA93A-A40C-4BDE-AF23-BDABF794EB1B}"/>
+                      <a16:creationId xmlns:a16="http://schemas.microsoft.com/office/drawing/2014/main" xmlns="" id="{1F3DA93A-A40C-4BDE-AF23-BDABF794EB1B}"/>
                     </a:ext>
                   </a:extLst>
                 </p:cNvPr>
@@ -4338,7 +4344,7 @@
                 <p:nvPr/>
               </p:nvPicPr>
               <p:blipFill rotWithShape="1">
-                <a:blip r:embed="rId5">
+                <a:blip r:embed="rId9" cstate="print">
                   <a:extLst>
                     <a:ext uri="{28A0092B-C50C-407E-A947-70E740481C1C}">
                       <a14:useLocalDpi xmlns:a14="http://schemas.microsoft.com/office/drawing/2010/main" val="0"/>
@@ -4363,7 +4369,7 @@
                 <p:cNvPr id="17" name="그림 16">
                   <a:extLst>
                     <a:ext uri="{FF2B5EF4-FFF2-40B4-BE49-F238E27FC236}">
-                      <a16:creationId xmlns:a16="http://schemas.microsoft.com/office/drawing/2014/main" id="{FDE30E5F-365E-4AD5-9265-5B353E5714FA}"/>
+                      <a16:creationId xmlns:a16="http://schemas.microsoft.com/office/drawing/2014/main" xmlns="" id="{FDE30E5F-365E-4AD5-9265-5B353E5714FA}"/>
                     </a:ext>
                   </a:extLst>
                 </p:cNvPr>
@@ -4373,7 +4379,7 @@
                 <p:nvPr/>
               </p:nvPicPr>
               <p:blipFill rotWithShape="1">
-                <a:blip r:embed="rId6">
+                <a:blip r:embed="rId6" cstate="print">
                   <a:duotone>
                     <a:prstClr val="black"/>
                     <a:schemeClr val="accent6">
@@ -4415,7 +4421,7 @@
               <p:cNvPr id="19" name="그룹 18">
                 <a:extLst>
                   <a:ext uri="{FF2B5EF4-FFF2-40B4-BE49-F238E27FC236}">
-                    <a16:creationId xmlns:a16="http://schemas.microsoft.com/office/drawing/2014/main" id="{8C3EFB80-24D8-4E2C-A0FE-7471F9EB7A5D}"/>
+                    <a16:creationId xmlns:a16="http://schemas.microsoft.com/office/drawing/2014/main" xmlns="" id="{8C3EFB80-24D8-4E2C-A0FE-7471F9EB7A5D}"/>
                   </a:ext>
                 </a:extLst>
               </p:cNvPr>
@@ -4435,7 +4441,7 @@
                 <p:cNvPr id="20" name="그림 19">
                   <a:extLst>
                     <a:ext uri="{FF2B5EF4-FFF2-40B4-BE49-F238E27FC236}">
-                      <a16:creationId xmlns:a16="http://schemas.microsoft.com/office/drawing/2014/main" id="{37DE9C5A-1CB7-467A-B31C-559F0ABA21B9}"/>
+                      <a16:creationId xmlns:a16="http://schemas.microsoft.com/office/drawing/2014/main" xmlns="" id="{37DE9C5A-1CB7-467A-B31C-559F0ABA21B9}"/>
                     </a:ext>
                   </a:extLst>
                 </p:cNvPr>
@@ -4471,7 +4477,7 @@
                 <p:cNvPr id="21" name="그림 20">
                   <a:extLst>
                     <a:ext uri="{FF2B5EF4-FFF2-40B4-BE49-F238E27FC236}">
-                      <a16:creationId xmlns:a16="http://schemas.microsoft.com/office/drawing/2014/main" id="{CD04C3D7-2C6C-4197-9B41-4CE94CAC9DDE}"/>
+                      <a16:creationId xmlns:a16="http://schemas.microsoft.com/office/drawing/2014/main" xmlns="" id="{CD04C3D7-2C6C-4197-9B41-4CE94CAC9DDE}"/>
                     </a:ext>
                   </a:extLst>
                 </p:cNvPr>
@@ -4481,7 +4487,7 @@
                 <p:nvPr/>
               </p:nvPicPr>
               <p:blipFill rotWithShape="1">
-                <a:blip r:embed="rId5">
+                <a:blip r:embed="rId9" cstate="print">
                   <a:extLst>
                     <a:ext uri="{28A0092B-C50C-407E-A947-70E740481C1C}">
                       <a14:useLocalDpi xmlns:a14="http://schemas.microsoft.com/office/drawing/2010/main" val="0"/>
@@ -4506,7 +4512,7 @@
                 <p:cNvPr id="22" name="그림 21">
                   <a:extLst>
                     <a:ext uri="{FF2B5EF4-FFF2-40B4-BE49-F238E27FC236}">
-                      <a16:creationId xmlns:a16="http://schemas.microsoft.com/office/drawing/2014/main" id="{E082850C-1F6E-466A-96CC-3FD491FCFF5E}"/>
+                      <a16:creationId xmlns:a16="http://schemas.microsoft.com/office/drawing/2014/main" xmlns="" id="{E082850C-1F6E-466A-96CC-3FD491FCFF5E}"/>
                     </a:ext>
                   </a:extLst>
                 </p:cNvPr>
@@ -4516,7 +4522,7 @@
                 <p:nvPr/>
               </p:nvPicPr>
               <p:blipFill rotWithShape="1">
-                <a:blip r:embed="rId6">
+                <a:blip r:embed="rId6" cstate="print">
                   <a:duotone>
                     <a:prstClr val="black"/>
                     <a:schemeClr val="accent6">
@@ -4559,7 +4565,7 @@
             <p:cNvPr id="23" name="직사각형 22">
               <a:extLst>
                 <a:ext uri="{FF2B5EF4-FFF2-40B4-BE49-F238E27FC236}">
-                  <a16:creationId xmlns:a16="http://schemas.microsoft.com/office/drawing/2014/main" id="{B6E49FDE-6D52-48EA-88CE-E3E7D68FE4C9}"/>
+                  <a16:creationId xmlns:a16="http://schemas.microsoft.com/office/drawing/2014/main" xmlns="" id="{B6E49FDE-6D52-48EA-88CE-E3E7D68FE4C9}"/>
                 </a:ext>
               </a:extLst>
             </p:cNvPr>
@@ -4611,7 +4617,7 @@
             <p:cNvPr id="24" name="직사각형 23">
               <a:extLst>
                 <a:ext uri="{FF2B5EF4-FFF2-40B4-BE49-F238E27FC236}">
-                  <a16:creationId xmlns:a16="http://schemas.microsoft.com/office/drawing/2014/main" id="{7B4BD958-909D-4DFC-8126-75FB5F8C2FEF}"/>
+                  <a16:creationId xmlns:a16="http://schemas.microsoft.com/office/drawing/2014/main" xmlns="" id="{7B4BD958-909D-4DFC-8126-75FB5F8C2FEF}"/>
                 </a:ext>
               </a:extLst>
             </p:cNvPr>
@@ -4682,7 +4688,7 @@
           <p:cNvPr id="25" name="TextBox 24">
             <a:extLst>
               <a:ext uri="{FF2B5EF4-FFF2-40B4-BE49-F238E27FC236}">
-                <a16:creationId xmlns:a16="http://schemas.microsoft.com/office/drawing/2014/main" id="{3FA03B03-4425-4E77-8229-713A20FE70F7}"/>
+                <a16:creationId xmlns:a16="http://schemas.microsoft.com/office/drawing/2014/main" xmlns="" id="{3FA03B03-4425-4E77-8229-713A20FE70F7}"/>
               </a:ext>
             </a:extLst>
           </p:cNvPr>
@@ -4718,7 +4724,7 @@
           <p:cNvPr id="27" name="타원 26">
             <a:extLst>
               <a:ext uri="{FF2B5EF4-FFF2-40B4-BE49-F238E27FC236}">
-                <a16:creationId xmlns:a16="http://schemas.microsoft.com/office/drawing/2014/main" id="{F6EA0347-9D3B-4F7D-8B84-56502804E8FD}"/>
+                <a16:creationId xmlns:a16="http://schemas.microsoft.com/office/drawing/2014/main" xmlns="" id="{F6EA0347-9D3B-4F7D-8B84-56502804E8FD}"/>
               </a:ext>
             </a:extLst>
           </p:cNvPr>
@@ -4802,7 +4808,7 @@
           <p:cNvPr id="2" name="TextBox 1">
             <a:extLst>
               <a:ext uri="{FF2B5EF4-FFF2-40B4-BE49-F238E27FC236}">
-                <a16:creationId xmlns:a16="http://schemas.microsoft.com/office/drawing/2014/main" id="{EB9C94F2-6C93-46C7-B481-B008FFC2523D}"/>
+                <a16:creationId xmlns:a16="http://schemas.microsoft.com/office/drawing/2014/main" xmlns="" id="{EB9C94F2-6C93-46C7-B481-B008FFC2523D}"/>
               </a:ext>
             </a:extLst>
           </p:cNvPr>
@@ -4887,7 +4893,7 @@
           <p:cNvPr id="34" name="그룹 33">
             <a:extLst>
               <a:ext uri="{FF2B5EF4-FFF2-40B4-BE49-F238E27FC236}">
-                <a16:creationId xmlns:a16="http://schemas.microsoft.com/office/drawing/2014/main" id="{5CEE5E67-6EDA-4E58-A045-338F7C67B42C}"/>
+                <a16:creationId xmlns:a16="http://schemas.microsoft.com/office/drawing/2014/main" xmlns="" id="{5CEE5E67-6EDA-4E58-A045-338F7C67B42C}"/>
               </a:ext>
             </a:extLst>
           </p:cNvPr>
@@ -4907,7 +4913,7 @@
             <p:cNvPr id="3" name="그림 2">
               <a:extLst>
                 <a:ext uri="{FF2B5EF4-FFF2-40B4-BE49-F238E27FC236}">
-                  <a16:creationId xmlns:a16="http://schemas.microsoft.com/office/drawing/2014/main" id="{EEFCE152-9B4E-4EE8-81DF-4C9C311B9478}"/>
+                  <a16:creationId xmlns:a16="http://schemas.microsoft.com/office/drawing/2014/main" xmlns="" id="{EEFCE152-9B4E-4EE8-81DF-4C9C311B9478}"/>
                 </a:ext>
               </a:extLst>
             </p:cNvPr>
@@ -4949,7 +4955,7 @@
             <p:cNvPr id="4" name="그림 3">
               <a:extLst>
                 <a:ext uri="{FF2B5EF4-FFF2-40B4-BE49-F238E27FC236}">
-                  <a16:creationId xmlns:a16="http://schemas.microsoft.com/office/drawing/2014/main" id="{4152C8E3-6666-49B9-9508-D8219CBE3E33}"/>
+                  <a16:creationId xmlns:a16="http://schemas.microsoft.com/office/drawing/2014/main" xmlns="" id="{4152C8E3-6666-49B9-9508-D8219CBE3E33}"/>
                 </a:ext>
               </a:extLst>
             </p:cNvPr>
@@ -4991,7 +4997,7 @@
             <p:cNvPr id="5" name="그룹 4">
               <a:extLst>
                 <a:ext uri="{FF2B5EF4-FFF2-40B4-BE49-F238E27FC236}">
-                  <a16:creationId xmlns:a16="http://schemas.microsoft.com/office/drawing/2014/main" id="{E2A8B6C1-5CFD-488C-89CA-E90EEF3F857B}"/>
+                  <a16:creationId xmlns:a16="http://schemas.microsoft.com/office/drawing/2014/main" xmlns="" id="{E2A8B6C1-5CFD-488C-89CA-E90EEF3F857B}"/>
                 </a:ext>
               </a:extLst>
             </p:cNvPr>
@@ -5011,7 +5017,7 @@
               <p:cNvPr id="6" name="직사각형 5">
                 <a:extLst>
                   <a:ext uri="{FF2B5EF4-FFF2-40B4-BE49-F238E27FC236}">
-                    <a16:creationId xmlns:a16="http://schemas.microsoft.com/office/drawing/2014/main" id="{53D7CC24-4F44-4B63-B100-A76A0D3D5318}"/>
+                    <a16:creationId xmlns:a16="http://schemas.microsoft.com/office/drawing/2014/main" xmlns="" id="{53D7CC24-4F44-4B63-B100-A76A0D3D5318}"/>
                   </a:ext>
                 </a:extLst>
               </p:cNvPr>
@@ -5063,7 +5069,7 @@
               <p:cNvPr id="7" name="타원 6">
                 <a:extLst>
                   <a:ext uri="{FF2B5EF4-FFF2-40B4-BE49-F238E27FC236}">
-                    <a16:creationId xmlns:a16="http://schemas.microsoft.com/office/drawing/2014/main" id="{CD226C31-FC4D-4B69-A9E6-56DEF4B9F24A}"/>
+                    <a16:creationId xmlns:a16="http://schemas.microsoft.com/office/drawing/2014/main" xmlns="" id="{CD226C31-FC4D-4B69-A9E6-56DEF4B9F24A}"/>
                   </a:ext>
                 </a:extLst>
               </p:cNvPr>
@@ -5117,7 +5123,7 @@
               <p:cNvPr id="8" name="오각형 3">
                 <a:extLst>
                   <a:ext uri="{FF2B5EF4-FFF2-40B4-BE49-F238E27FC236}">
-                    <a16:creationId xmlns:a16="http://schemas.microsoft.com/office/drawing/2014/main" id="{F2CE931A-4C84-4D70-8D79-50403D7C7DAC}"/>
+                    <a16:creationId xmlns:a16="http://schemas.microsoft.com/office/drawing/2014/main" xmlns="" id="{F2CE931A-4C84-4D70-8D79-50403D7C7DAC}"/>
                   </a:ext>
                 </a:extLst>
               </p:cNvPr>
@@ -5330,7 +5336,7 @@
               <p:cNvPr id="9" name="타원 8">
                 <a:extLst>
                   <a:ext uri="{FF2B5EF4-FFF2-40B4-BE49-F238E27FC236}">
-                    <a16:creationId xmlns:a16="http://schemas.microsoft.com/office/drawing/2014/main" id="{B44EABC7-C3FF-4B50-A4BB-D6293CE8D710}"/>
+                    <a16:creationId xmlns:a16="http://schemas.microsoft.com/office/drawing/2014/main" xmlns="" id="{B44EABC7-C3FF-4B50-A4BB-D6293CE8D710}"/>
                   </a:ext>
                 </a:extLst>
               </p:cNvPr>
@@ -5384,7 +5390,7 @@
               <p:cNvPr id="10" name="직선 연결선 9">
                 <a:extLst>
                   <a:ext uri="{FF2B5EF4-FFF2-40B4-BE49-F238E27FC236}">
-                    <a16:creationId xmlns:a16="http://schemas.microsoft.com/office/drawing/2014/main" id="{7E4224F5-A228-499D-BC13-84F0B4CDC3A3}"/>
+                    <a16:creationId xmlns:a16="http://schemas.microsoft.com/office/drawing/2014/main" xmlns="" id="{7E4224F5-A228-499D-BC13-84F0B4CDC3A3}"/>
                   </a:ext>
                 </a:extLst>
               </p:cNvPr>
@@ -5427,7 +5433,7 @@
               <p:cNvPr id="11" name="직선 연결선 10">
                 <a:extLst>
                   <a:ext uri="{FF2B5EF4-FFF2-40B4-BE49-F238E27FC236}">
-                    <a16:creationId xmlns:a16="http://schemas.microsoft.com/office/drawing/2014/main" id="{62349EC1-1E83-4DFE-A806-4DFC0825C199}"/>
+                    <a16:creationId xmlns:a16="http://schemas.microsoft.com/office/drawing/2014/main" xmlns="" id="{62349EC1-1E83-4DFE-A806-4DFC0825C199}"/>
                   </a:ext>
                 </a:extLst>
               </p:cNvPr>
@@ -5470,7 +5476,7 @@
               <p:cNvPr id="12" name="직선 연결선 11">
                 <a:extLst>
                   <a:ext uri="{FF2B5EF4-FFF2-40B4-BE49-F238E27FC236}">
-                    <a16:creationId xmlns:a16="http://schemas.microsoft.com/office/drawing/2014/main" id="{85EB3FF6-3F53-40B5-9816-9B015A6ED006}"/>
+                    <a16:creationId xmlns:a16="http://schemas.microsoft.com/office/drawing/2014/main" xmlns="" id="{85EB3FF6-3F53-40B5-9816-9B015A6ED006}"/>
                   </a:ext>
                 </a:extLst>
               </p:cNvPr>
@@ -5515,7 +5521,7 @@
           <p:cNvPr id="13" name="타원 12">
             <a:extLst>
               <a:ext uri="{FF2B5EF4-FFF2-40B4-BE49-F238E27FC236}">
-                <a16:creationId xmlns:a16="http://schemas.microsoft.com/office/drawing/2014/main" id="{FCC3B3AF-2395-4429-AFB8-E952F5FBF22A}"/>
+                <a16:creationId xmlns:a16="http://schemas.microsoft.com/office/drawing/2014/main" xmlns="" id="{FCC3B3AF-2395-4429-AFB8-E952F5FBF22A}"/>
               </a:ext>
             </a:extLst>
           </p:cNvPr>
@@ -5566,7 +5572,7 @@
           <p:cNvPr id="15" name="팔각형 14">
             <a:extLst>
               <a:ext uri="{FF2B5EF4-FFF2-40B4-BE49-F238E27FC236}">
-                <a16:creationId xmlns:a16="http://schemas.microsoft.com/office/drawing/2014/main" id="{01C05802-C24C-4E47-836E-4EB376A01834}"/>
+                <a16:creationId xmlns:a16="http://schemas.microsoft.com/office/drawing/2014/main" xmlns="" id="{01C05802-C24C-4E47-836E-4EB376A01834}"/>
               </a:ext>
             </a:extLst>
           </p:cNvPr>
@@ -5618,7 +5624,7 @@
           <p:cNvPr id="47" name="팔각형 46">
             <a:extLst>
               <a:ext uri="{FF2B5EF4-FFF2-40B4-BE49-F238E27FC236}">
-                <a16:creationId xmlns:a16="http://schemas.microsoft.com/office/drawing/2014/main" id="{99641C9F-2B92-4471-871B-5C1D8153160B}"/>
+                <a16:creationId xmlns:a16="http://schemas.microsoft.com/office/drawing/2014/main" xmlns="" id="{99641C9F-2B92-4471-871B-5C1D8153160B}"/>
               </a:ext>
             </a:extLst>
           </p:cNvPr>
@@ -5670,7 +5676,7 @@
           <p:cNvPr id="35" name="그룹 34">
             <a:extLst>
               <a:ext uri="{FF2B5EF4-FFF2-40B4-BE49-F238E27FC236}">
-                <a16:creationId xmlns:a16="http://schemas.microsoft.com/office/drawing/2014/main" id="{BD2F069F-04D4-46F5-89EA-3544F1085CF6}"/>
+                <a16:creationId xmlns:a16="http://schemas.microsoft.com/office/drawing/2014/main" xmlns="" id="{BD2F069F-04D4-46F5-89EA-3544F1085CF6}"/>
               </a:ext>
             </a:extLst>
           </p:cNvPr>
@@ -5690,7 +5696,7 @@
             <p:cNvPr id="36" name="그림 35">
               <a:extLst>
                 <a:ext uri="{FF2B5EF4-FFF2-40B4-BE49-F238E27FC236}">
-                  <a16:creationId xmlns:a16="http://schemas.microsoft.com/office/drawing/2014/main" id="{5C12D05E-CDBE-4288-A221-6EA80AAFF9D6}"/>
+                  <a16:creationId xmlns:a16="http://schemas.microsoft.com/office/drawing/2014/main" xmlns="" id="{5C12D05E-CDBE-4288-A221-6EA80AAFF9D6}"/>
                 </a:ext>
               </a:extLst>
             </p:cNvPr>
@@ -5732,7 +5738,7 @@
             <p:cNvPr id="37" name="그림 36">
               <a:extLst>
                 <a:ext uri="{FF2B5EF4-FFF2-40B4-BE49-F238E27FC236}">
-                  <a16:creationId xmlns:a16="http://schemas.microsoft.com/office/drawing/2014/main" id="{3968A10E-F3A5-4F85-91B9-9487A5740331}"/>
+                  <a16:creationId xmlns:a16="http://schemas.microsoft.com/office/drawing/2014/main" xmlns="" id="{3968A10E-F3A5-4F85-91B9-9487A5740331}"/>
                 </a:ext>
               </a:extLst>
             </p:cNvPr>
@@ -5774,7 +5780,7 @@
             <p:cNvPr id="38" name="그룹 37">
               <a:extLst>
                 <a:ext uri="{FF2B5EF4-FFF2-40B4-BE49-F238E27FC236}">
-                  <a16:creationId xmlns:a16="http://schemas.microsoft.com/office/drawing/2014/main" id="{633F8ECB-37B7-4D49-B911-95E94A472D84}"/>
+                  <a16:creationId xmlns:a16="http://schemas.microsoft.com/office/drawing/2014/main" xmlns="" id="{633F8ECB-37B7-4D49-B911-95E94A472D84}"/>
                 </a:ext>
               </a:extLst>
             </p:cNvPr>
@@ -5794,7 +5800,7 @@
               <p:cNvPr id="39" name="직사각형 38">
                 <a:extLst>
                   <a:ext uri="{FF2B5EF4-FFF2-40B4-BE49-F238E27FC236}">
-                    <a16:creationId xmlns:a16="http://schemas.microsoft.com/office/drawing/2014/main" id="{BC3778EE-966F-4A57-9A6B-405CA3F70DA5}"/>
+                    <a16:creationId xmlns:a16="http://schemas.microsoft.com/office/drawing/2014/main" xmlns="" id="{BC3778EE-966F-4A57-9A6B-405CA3F70DA5}"/>
                   </a:ext>
                 </a:extLst>
               </p:cNvPr>
@@ -5848,7 +5854,7 @@
               <p:cNvPr id="40" name="타원 39">
                 <a:extLst>
                   <a:ext uri="{FF2B5EF4-FFF2-40B4-BE49-F238E27FC236}">
-                    <a16:creationId xmlns:a16="http://schemas.microsoft.com/office/drawing/2014/main" id="{8CA16CC3-8E31-4ABA-92BE-71D67601ED87}"/>
+                    <a16:creationId xmlns:a16="http://schemas.microsoft.com/office/drawing/2014/main" xmlns="" id="{8CA16CC3-8E31-4ABA-92BE-71D67601ED87}"/>
                   </a:ext>
                 </a:extLst>
               </p:cNvPr>
@@ -5902,7 +5908,7 @@
               <p:cNvPr id="41" name="오각형 3">
                 <a:extLst>
                   <a:ext uri="{FF2B5EF4-FFF2-40B4-BE49-F238E27FC236}">
-                    <a16:creationId xmlns:a16="http://schemas.microsoft.com/office/drawing/2014/main" id="{9CD86D7D-2DE4-4169-8503-DBE3B9F95D8D}"/>
+                    <a16:creationId xmlns:a16="http://schemas.microsoft.com/office/drawing/2014/main" xmlns="" id="{9CD86D7D-2DE4-4169-8503-DBE3B9F95D8D}"/>
                   </a:ext>
                 </a:extLst>
               </p:cNvPr>
@@ -6115,7 +6121,7 @@
               <p:cNvPr id="42" name="타원 41">
                 <a:extLst>
                   <a:ext uri="{FF2B5EF4-FFF2-40B4-BE49-F238E27FC236}">
-                    <a16:creationId xmlns:a16="http://schemas.microsoft.com/office/drawing/2014/main" id="{2AA3AB9B-17E0-4449-AE1C-C692ED394476}"/>
+                    <a16:creationId xmlns:a16="http://schemas.microsoft.com/office/drawing/2014/main" xmlns="" id="{2AA3AB9B-17E0-4449-AE1C-C692ED394476}"/>
                   </a:ext>
                 </a:extLst>
               </p:cNvPr>
@@ -6169,7 +6175,7 @@
               <p:cNvPr id="43" name="직선 연결선 42">
                 <a:extLst>
                   <a:ext uri="{FF2B5EF4-FFF2-40B4-BE49-F238E27FC236}">
-                    <a16:creationId xmlns:a16="http://schemas.microsoft.com/office/drawing/2014/main" id="{CB92F21E-1212-48F9-9081-3D3A9F47261C}"/>
+                    <a16:creationId xmlns:a16="http://schemas.microsoft.com/office/drawing/2014/main" xmlns="" id="{CB92F21E-1212-48F9-9081-3D3A9F47261C}"/>
                   </a:ext>
                 </a:extLst>
               </p:cNvPr>
@@ -6212,7 +6218,7 @@
               <p:cNvPr id="44" name="직선 연결선 43">
                 <a:extLst>
                   <a:ext uri="{FF2B5EF4-FFF2-40B4-BE49-F238E27FC236}">
-                    <a16:creationId xmlns:a16="http://schemas.microsoft.com/office/drawing/2014/main" id="{449D514F-601C-4CDE-95FF-6ED91932A3AA}"/>
+                    <a16:creationId xmlns:a16="http://schemas.microsoft.com/office/drawing/2014/main" xmlns="" id="{449D514F-601C-4CDE-95FF-6ED91932A3AA}"/>
                   </a:ext>
                 </a:extLst>
               </p:cNvPr>
@@ -6255,7 +6261,7 @@
               <p:cNvPr id="45" name="직선 연결선 44">
                 <a:extLst>
                   <a:ext uri="{FF2B5EF4-FFF2-40B4-BE49-F238E27FC236}">
-                    <a16:creationId xmlns:a16="http://schemas.microsoft.com/office/drawing/2014/main" id="{E6C19FA7-634E-4D28-B2A9-ABAD59BD90B0}"/>
+                    <a16:creationId xmlns:a16="http://schemas.microsoft.com/office/drawing/2014/main" xmlns="" id="{E6C19FA7-634E-4D28-B2A9-ABAD59BD90B0}"/>
                   </a:ext>
                 </a:extLst>
               </p:cNvPr>
@@ -6300,7 +6306,7 @@
           <p:cNvPr id="48" name="팔각형 47">
             <a:extLst>
               <a:ext uri="{FF2B5EF4-FFF2-40B4-BE49-F238E27FC236}">
-                <a16:creationId xmlns:a16="http://schemas.microsoft.com/office/drawing/2014/main" id="{E54E30DD-E057-4CCB-947C-91E31F7E75DE}"/>
+                <a16:creationId xmlns:a16="http://schemas.microsoft.com/office/drawing/2014/main" xmlns="" id="{E54E30DD-E057-4CCB-947C-91E31F7E75DE}"/>
               </a:ext>
             </a:extLst>
           </p:cNvPr>
@@ -6352,7 +6358,7 @@
           <p:cNvPr id="50" name="그림 49">
             <a:extLst>
               <a:ext uri="{FF2B5EF4-FFF2-40B4-BE49-F238E27FC236}">
-                <a16:creationId xmlns:a16="http://schemas.microsoft.com/office/drawing/2014/main" id="{4A204699-152E-42C3-B157-8533DB9F63D6}"/>
+                <a16:creationId xmlns:a16="http://schemas.microsoft.com/office/drawing/2014/main" xmlns="" id="{4A204699-152E-42C3-B157-8533DB9F63D6}"/>
               </a:ext>
             </a:extLst>
           </p:cNvPr>
@@ -6394,7 +6400,7 @@
           <p:cNvPr id="51" name="그림 50">
             <a:extLst>
               <a:ext uri="{FF2B5EF4-FFF2-40B4-BE49-F238E27FC236}">
-                <a16:creationId xmlns:a16="http://schemas.microsoft.com/office/drawing/2014/main" id="{7900E0D0-9EEB-43C9-B848-5439845A3CC4}"/>
+                <a16:creationId xmlns:a16="http://schemas.microsoft.com/office/drawing/2014/main" xmlns="" id="{7900E0D0-9EEB-43C9-B848-5439845A3CC4}"/>
               </a:ext>
             </a:extLst>
           </p:cNvPr>
@@ -6436,7 +6442,7 @@
           <p:cNvPr id="52" name="그룹 51">
             <a:extLst>
               <a:ext uri="{FF2B5EF4-FFF2-40B4-BE49-F238E27FC236}">
-                <a16:creationId xmlns:a16="http://schemas.microsoft.com/office/drawing/2014/main" id="{E465B53E-3CFD-4814-959B-89A5E5567EE6}"/>
+                <a16:creationId xmlns:a16="http://schemas.microsoft.com/office/drawing/2014/main" xmlns="" id="{E465B53E-3CFD-4814-959B-89A5E5567EE6}"/>
               </a:ext>
             </a:extLst>
           </p:cNvPr>
@@ -6456,7 +6462,7 @@
             <p:cNvPr id="53" name="직사각형 52">
               <a:extLst>
                 <a:ext uri="{FF2B5EF4-FFF2-40B4-BE49-F238E27FC236}">
-                  <a16:creationId xmlns:a16="http://schemas.microsoft.com/office/drawing/2014/main" id="{B058CE0F-AE8B-4CE8-9A5E-758CA8E6C4F0}"/>
+                  <a16:creationId xmlns:a16="http://schemas.microsoft.com/office/drawing/2014/main" xmlns="" id="{B058CE0F-AE8B-4CE8-9A5E-758CA8E6C4F0}"/>
                 </a:ext>
               </a:extLst>
             </p:cNvPr>
@@ -6510,7 +6516,7 @@
             <p:cNvPr id="54" name="타원 53">
               <a:extLst>
                 <a:ext uri="{FF2B5EF4-FFF2-40B4-BE49-F238E27FC236}">
-                  <a16:creationId xmlns:a16="http://schemas.microsoft.com/office/drawing/2014/main" id="{DF1BC6FC-942D-4E08-B007-871428F504F5}"/>
+                  <a16:creationId xmlns:a16="http://schemas.microsoft.com/office/drawing/2014/main" xmlns="" id="{DF1BC6FC-942D-4E08-B007-871428F504F5}"/>
                 </a:ext>
               </a:extLst>
             </p:cNvPr>
@@ -6564,7 +6570,7 @@
             <p:cNvPr id="55" name="오각형 3">
               <a:extLst>
                 <a:ext uri="{FF2B5EF4-FFF2-40B4-BE49-F238E27FC236}">
-                  <a16:creationId xmlns:a16="http://schemas.microsoft.com/office/drawing/2014/main" id="{001E891C-420C-4897-B233-3E0894D2F7B5}"/>
+                  <a16:creationId xmlns:a16="http://schemas.microsoft.com/office/drawing/2014/main" xmlns="" id="{001E891C-420C-4897-B233-3E0894D2F7B5}"/>
                 </a:ext>
               </a:extLst>
             </p:cNvPr>
@@ -6777,7 +6783,7 @@
             <p:cNvPr id="56" name="타원 55">
               <a:extLst>
                 <a:ext uri="{FF2B5EF4-FFF2-40B4-BE49-F238E27FC236}">
-                  <a16:creationId xmlns:a16="http://schemas.microsoft.com/office/drawing/2014/main" id="{6F02AB3A-9AAB-48C8-9EA0-19D90DA5ECF2}"/>
+                  <a16:creationId xmlns:a16="http://schemas.microsoft.com/office/drawing/2014/main" xmlns="" id="{6F02AB3A-9AAB-48C8-9EA0-19D90DA5ECF2}"/>
                 </a:ext>
               </a:extLst>
             </p:cNvPr>
@@ -6831,7 +6837,7 @@
             <p:cNvPr id="57" name="직선 연결선 56">
               <a:extLst>
                 <a:ext uri="{FF2B5EF4-FFF2-40B4-BE49-F238E27FC236}">
-                  <a16:creationId xmlns:a16="http://schemas.microsoft.com/office/drawing/2014/main" id="{4ECDC335-0631-4F81-ACD0-C11561421353}"/>
+                  <a16:creationId xmlns:a16="http://schemas.microsoft.com/office/drawing/2014/main" xmlns="" id="{4ECDC335-0631-4F81-ACD0-C11561421353}"/>
                 </a:ext>
               </a:extLst>
             </p:cNvPr>
@@ -6874,7 +6880,7 @@
             <p:cNvPr id="58" name="직선 연결선 57">
               <a:extLst>
                 <a:ext uri="{FF2B5EF4-FFF2-40B4-BE49-F238E27FC236}">
-                  <a16:creationId xmlns:a16="http://schemas.microsoft.com/office/drawing/2014/main" id="{CC188439-FE6E-4EF7-A10A-2396BBB4BA26}"/>
+                  <a16:creationId xmlns:a16="http://schemas.microsoft.com/office/drawing/2014/main" xmlns="" id="{CC188439-FE6E-4EF7-A10A-2396BBB4BA26}"/>
                 </a:ext>
               </a:extLst>
             </p:cNvPr>
@@ -6917,7 +6923,7 @@
             <p:cNvPr id="59" name="직선 연결선 58">
               <a:extLst>
                 <a:ext uri="{FF2B5EF4-FFF2-40B4-BE49-F238E27FC236}">
-                  <a16:creationId xmlns:a16="http://schemas.microsoft.com/office/drawing/2014/main" id="{D2BD2834-A46C-4ABD-8619-726809C858CA}"/>
+                  <a16:creationId xmlns:a16="http://schemas.microsoft.com/office/drawing/2014/main" xmlns="" id="{D2BD2834-A46C-4ABD-8619-726809C858CA}"/>
                 </a:ext>
               </a:extLst>
             </p:cNvPr>
@@ -6961,7 +6967,7 @@
           <p:cNvPr id="63" name="직선 연결선 62">
             <a:extLst>
               <a:ext uri="{FF2B5EF4-FFF2-40B4-BE49-F238E27FC236}">
-                <a16:creationId xmlns:a16="http://schemas.microsoft.com/office/drawing/2014/main" id="{C94893B4-4775-46A9-9FBC-92343CE7BDC8}"/>
+                <a16:creationId xmlns:a16="http://schemas.microsoft.com/office/drawing/2014/main" xmlns="" id="{C94893B4-4775-46A9-9FBC-92343CE7BDC8}"/>
               </a:ext>
             </a:extLst>
           </p:cNvPr>
@@ -7001,7 +7007,7 @@
           <p:cNvPr id="69" name="직선 연결선 68">
             <a:extLst>
               <a:ext uri="{FF2B5EF4-FFF2-40B4-BE49-F238E27FC236}">
-                <a16:creationId xmlns:a16="http://schemas.microsoft.com/office/drawing/2014/main" id="{C62AEBBA-A199-4F3A-8B55-947FFC1C1E5C}"/>
+                <a16:creationId xmlns:a16="http://schemas.microsoft.com/office/drawing/2014/main" xmlns="" id="{C62AEBBA-A199-4F3A-8B55-947FFC1C1E5C}"/>
               </a:ext>
             </a:extLst>
           </p:cNvPr>
@@ -7040,7 +7046,7 @@
           <p:cNvPr id="71" name="직선 연결선 70">
             <a:extLst>
               <a:ext uri="{FF2B5EF4-FFF2-40B4-BE49-F238E27FC236}">
-                <a16:creationId xmlns:a16="http://schemas.microsoft.com/office/drawing/2014/main" id="{F47C05B1-D357-4198-A559-863B07CCABBF}"/>
+                <a16:creationId xmlns:a16="http://schemas.microsoft.com/office/drawing/2014/main" xmlns="" id="{F47C05B1-D357-4198-A559-863B07CCABBF}"/>
               </a:ext>
             </a:extLst>
           </p:cNvPr>
@@ -7079,7 +7085,7 @@
           <p:cNvPr id="73" name="직선 연결선 72">
             <a:extLst>
               <a:ext uri="{FF2B5EF4-FFF2-40B4-BE49-F238E27FC236}">
-                <a16:creationId xmlns:a16="http://schemas.microsoft.com/office/drawing/2014/main" id="{64737A87-94B2-495C-B706-315C989EE0C6}"/>
+                <a16:creationId xmlns:a16="http://schemas.microsoft.com/office/drawing/2014/main" xmlns="" id="{64737A87-94B2-495C-B706-315C989EE0C6}"/>
               </a:ext>
             </a:extLst>
           </p:cNvPr>
@@ -7148,7 +7154,7 @@
           <p:cNvPr id="24" name="그룹 23">
             <a:extLst>
               <a:ext uri="{FF2B5EF4-FFF2-40B4-BE49-F238E27FC236}">
-                <a16:creationId xmlns:a16="http://schemas.microsoft.com/office/drawing/2014/main" id="{AAECA23B-C1E4-4E10-A76D-4CF88DCD4120}"/>
+                <a16:creationId xmlns:a16="http://schemas.microsoft.com/office/drawing/2014/main" xmlns="" id="{AAECA23B-C1E4-4E10-A76D-4CF88DCD4120}"/>
               </a:ext>
             </a:extLst>
           </p:cNvPr>
@@ -7168,7 +7174,7 @@
             <p:cNvPr id="2" name="타원 1">
               <a:extLst>
                 <a:ext uri="{FF2B5EF4-FFF2-40B4-BE49-F238E27FC236}">
-                  <a16:creationId xmlns:a16="http://schemas.microsoft.com/office/drawing/2014/main" id="{72840402-11B1-4E66-85F9-A3F70A1ADF51}"/>
+                  <a16:creationId xmlns:a16="http://schemas.microsoft.com/office/drawing/2014/main" xmlns="" id="{72840402-11B1-4E66-85F9-A3F70A1ADF51}"/>
                 </a:ext>
               </a:extLst>
             </p:cNvPr>
@@ -7220,7 +7226,7 @@
             <p:cNvPr id="3" name="타원 2">
               <a:extLst>
                 <a:ext uri="{FF2B5EF4-FFF2-40B4-BE49-F238E27FC236}">
-                  <a16:creationId xmlns:a16="http://schemas.microsoft.com/office/drawing/2014/main" id="{3D30C866-D204-4B27-9CDC-9B81638ADB0D}"/>
+                  <a16:creationId xmlns:a16="http://schemas.microsoft.com/office/drawing/2014/main" xmlns="" id="{3D30C866-D204-4B27-9CDC-9B81638ADB0D}"/>
                 </a:ext>
               </a:extLst>
             </p:cNvPr>
@@ -7272,7 +7278,7 @@
             <p:cNvPr id="5" name="직선 연결선 4">
               <a:extLst>
                 <a:ext uri="{FF2B5EF4-FFF2-40B4-BE49-F238E27FC236}">
-                  <a16:creationId xmlns:a16="http://schemas.microsoft.com/office/drawing/2014/main" id="{BB3937D3-56F6-456B-915B-9E1359B801A9}"/>
+                  <a16:creationId xmlns:a16="http://schemas.microsoft.com/office/drawing/2014/main" xmlns="" id="{BB3937D3-56F6-456B-915B-9E1359B801A9}"/>
                 </a:ext>
               </a:extLst>
             </p:cNvPr>
@@ -7317,7 +7323,7 @@
             <p:cNvPr id="6" name="직선 연결선 5">
               <a:extLst>
                 <a:ext uri="{FF2B5EF4-FFF2-40B4-BE49-F238E27FC236}">
-                  <a16:creationId xmlns:a16="http://schemas.microsoft.com/office/drawing/2014/main" id="{F8552D59-A796-4DDA-AEAD-7AD1F4B150CC}"/>
+                  <a16:creationId xmlns:a16="http://schemas.microsoft.com/office/drawing/2014/main" xmlns="" id="{F8552D59-A796-4DDA-AEAD-7AD1F4B150CC}"/>
                 </a:ext>
               </a:extLst>
             </p:cNvPr>
@@ -7362,7 +7368,7 @@
             <p:cNvPr id="7" name="직선 연결선 6">
               <a:extLst>
                 <a:ext uri="{FF2B5EF4-FFF2-40B4-BE49-F238E27FC236}">
-                  <a16:creationId xmlns:a16="http://schemas.microsoft.com/office/drawing/2014/main" id="{FDCFBA72-524B-43D2-931D-ACF02FEC8F6C}"/>
+                  <a16:creationId xmlns:a16="http://schemas.microsoft.com/office/drawing/2014/main" xmlns="" id="{FDCFBA72-524B-43D2-931D-ACF02FEC8F6C}"/>
                 </a:ext>
               </a:extLst>
             </p:cNvPr>
@@ -7407,7 +7413,7 @@
             <p:cNvPr id="13" name="직선 연결선 12">
               <a:extLst>
                 <a:ext uri="{FF2B5EF4-FFF2-40B4-BE49-F238E27FC236}">
-                  <a16:creationId xmlns:a16="http://schemas.microsoft.com/office/drawing/2014/main" id="{6119F78D-CB64-40AA-9931-AD768DFF5E00}"/>
+                  <a16:creationId xmlns:a16="http://schemas.microsoft.com/office/drawing/2014/main" xmlns="" id="{6119F78D-CB64-40AA-9931-AD768DFF5E00}"/>
                 </a:ext>
               </a:extLst>
             </p:cNvPr>
@@ -7453,7 +7459,7 @@
           <p:cNvPr id="50" name="그룹 49">
             <a:extLst>
               <a:ext uri="{FF2B5EF4-FFF2-40B4-BE49-F238E27FC236}">
-                <a16:creationId xmlns:a16="http://schemas.microsoft.com/office/drawing/2014/main" id="{89B733F6-6842-4B28-952A-416D2E9539AD}"/>
+                <a16:creationId xmlns:a16="http://schemas.microsoft.com/office/drawing/2014/main" xmlns="" id="{89B733F6-6842-4B28-952A-416D2E9539AD}"/>
               </a:ext>
             </a:extLst>
           </p:cNvPr>
@@ -7473,7 +7479,7 @@
             <p:cNvPr id="34" name="타원 33">
               <a:extLst>
                 <a:ext uri="{FF2B5EF4-FFF2-40B4-BE49-F238E27FC236}">
-                  <a16:creationId xmlns:a16="http://schemas.microsoft.com/office/drawing/2014/main" id="{6C430F5D-92F8-42A5-9D0F-2FEE2B404017}"/>
+                  <a16:creationId xmlns:a16="http://schemas.microsoft.com/office/drawing/2014/main" xmlns="" id="{6C430F5D-92F8-42A5-9D0F-2FEE2B404017}"/>
                 </a:ext>
               </a:extLst>
             </p:cNvPr>
@@ -7525,7 +7531,7 @@
             <p:cNvPr id="36" name="직선 연결선 35">
               <a:extLst>
                 <a:ext uri="{FF2B5EF4-FFF2-40B4-BE49-F238E27FC236}">
-                  <a16:creationId xmlns:a16="http://schemas.microsoft.com/office/drawing/2014/main" id="{2EC38713-993B-4D6F-93EA-62EA77295E83}"/>
+                  <a16:creationId xmlns:a16="http://schemas.microsoft.com/office/drawing/2014/main" xmlns="" id="{2EC38713-993B-4D6F-93EA-62EA77295E83}"/>
                 </a:ext>
               </a:extLst>
             </p:cNvPr>
@@ -7568,7 +7574,7 @@
             <p:cNvPr id="37" name="직선 연결선 36">
               <a:extLst>
                 <a:ext uri="{FF2B5EF4-FFF2-40B4-BE49-F238E27FC236}">
-                  <a16:creationId xmlns:a16="http://schemas.microsoft.com/office/drawing/2014/main" id="{9E34545D-6777-4B34-BEAC-D9CF58C82519}"/>
+                  <a16:creationId xmlns:a16="http://schemas.microsoft.com/office/drawing/2014/main" xmlns="" id="{9E34545D-6777-4B34-BEAC-D9CF58C82519}"/>
                 </a:ext>
               </a:extLst>
             </p:cNvPr>
@@ -7611,7 +7617,7 @@
             <p:cNvPr id="38" name="직선 연결선 37">
               <a:extLst>
                 <a:ext uri="{FF2B5EF4-FFF2-40B4-BE49-F238E27FC236}">
-                  <a16:creationId xmlns:a16="http://schemas.microsoft.com/office/drawing/2014/main" id="{6974CCBD-1F56-470A-A604-D7DB3A9D6BE2}"/>
+                  <a16:creationId xmlns:a16="http://schemas.microsoft.com/office/drawing/2014/main" xmlns="" id="{6974CCBD-1F56-470A-A604-D7DB3A9D6BE2}"/>
                 </a:ext>
               </a:extLst>
             </p:cNvPr>
@@ -7654,7 +7660,7 @@
             <p:cNvPr id="39" name="직선 연결선 38">
               <a:extLst>
                 <a:ext uri="{FF2B5EF4-FFF2-40B4-BE49-F238E27FC236}">
-                  <a16:creationId xmlns:a16="http://schemas.microsoft.com/office/drawing/2014/main" id="{612E20C4-A556-4381-9AE5-26E6D6F84CB4}"/>
+                  <a16:creationId xmlns:a16="http://schemas.microsoft.com/office/drawing/2014/main" xmlns="" id="{612E20C4-A556-4381-9AE5-26E6D6F84CB4}"/>
                 </a:ext>
               </a:extLst>
             </p:cNvPr>
@@ -7697,7 +7703,7 @@
             <p:cNvPr id="35" name="타원 34">
               <a:extLst>
                 <a:ext uri="{FF2B5EF4-FFF2-40B4-BE49-F238E27FC236}">
-                  <a16:creationId xmlns:a16="http://schemas.microsoft.com/office/drawing/2014/main" id="{3C03BCE7-89F3-4C3E-8788-D959F8968660}"/>
+                  <a16:creationId xmlns:a16="http://schemas.microsoft.com/office/drawing/2014/main" xmlns="" id="{3C03BCE7-89F3-4C3E-8788-D959F8968660}"/>
                 </a:ext>
               </a:extLst>
             </p:cNvPr>
@@ -7751,7 +7757,7 @@
             <p:cNvPr id="33" name="그림 32">
               <a:extLst>
                 <a:ext uri="{FF2B5EF4-FFF2-40B4-BE49-F238E27FC236}">
-                  <a16:creationId xmlns:a16="http://schemas.microsoft.com/office/drawing/2014/main" id="{4CCB52FF-A39B-476A-87C3-4916D548F0EE}"/>
+                  <a16:creationId xmlns:a16="http://schemas.microsoft.com/office/drawing/2014/main" xmlns="" id="{4CCB52FF-A39B-476A-87C3-4916D548F0EE}"/>
                 </a:ext>
               </a:extLst>
             </p:cNvPr>
@@ -7788,7 +7794,7 @@
           <p:cNvPr id="63" name="그룹 62">
             <a:extLst>
               <a:ext uri="{FF2B5EF4-FFF2-40B4-BE49-F238E27FC236}">
-                <a16:creationId xmlns:a16="http://schemas.microsoft.com/office/drawing/2014/main" id="{99E36F44-A393-4945-96BF-A8AC34DAE2C0}"/>
+                <a16:creationId xmlns:a16="http://schemas.microsoft.com/office/drawing/2014/main" xmlns="" id="{99E36F44-A393-4945-96BF-A8AC34DAE2C0}"/>
               </a:ext>
             </a:extLst>
           </p:cNvPr>
@@ -7808,7 +7814,7 @@
             <p:cNvPr id="51" name="그림 50">
               <a:extLst>
                 <a:ext uri="{FF2B5EF4-FFF2-40B4-BE49-F238E27FC236}">
-                  <a16:creationId xmlns:a16="http://schemas.microsoft.com/office/drawing/2014/main" id="{8A0D421F-D3A4-4F1B-B12D-E83AAEDFF16C}"/>
+                  <a16:creationId xmlns:a16="http://schemas.microsoft.com/office/drawing/2014/main" xmlns="" id="{8A0D421F-D3A4-4F1B-B12D-E83AAEDFF16C}"/>
                 </a:ext>
               </a:extLst>
             </p:cNvPr>
@@ -7838,7 +7844,7 @@
             <p:cNvPr id="52" name="그림 51">
               <a:extLst>
                 <a:ext uri="{FF2B5EF4-FFF2-40B4-BE49-F238E27FC236}">
-                  <a16:creationId xmlns:a16="http://schemas.microsoft.com/office/drawing/2014/main" id="{10A0D6AE-4795-469E-914C-E248BD3CA341}"/>
+                  <a16:creationId xmlns:a16="http://schemas.microsoft.com/office/drawing/2014/main" xmlns="" id="{10A0D6AE-4795-469E-914C-E248BD3CA341}"/>
                 </a:ext>
               </a:extLst>
             </p:cNvPr>
@@ -7875,7 +7881,7 @@
           <p:cNvPr id="60" name="그림 59">
             <a:extLst>
               <a:ext uri="{FF2B5EF4-FFF2-40B4-BE49-F238E27FC236}">
-                <a16:creationId xmlns:a16="http://schemas.microsoft.com/office/drawing/2014/main" id="{A10B42F4-D4C3-4B28-A74B-9F5E74FAF2D4}"/>
+                <a16:creationId xmlns:a16="http://schemas.microsoft.com/office/drawing/2014/main" xmlns="" id="{A10B42F4-D4C3-4B28-A74B-9F5E74FAF2D4}"/>
               </a:ext>
             </a:extLst>
           </p:cNvPr>
@@ -7919,7 +7925,7 @@
           <p:cNvPr id="66" name="그룹 65">
             <a:extLst>
               <a:ext uri="{FF2B5EF4-FFF2-40B4-BE49-F238E27FC236}">
-                <a16:creationId xmlns:a16="http://schemas.microsoft.com/office/drawing/2014/main" id="{20DB6F50-9417-4061-90F5-A6A2E54E864D}"/>
+                <a16:creationId xmlns:a16="http://schemas.microsoft.com/office/drawing/2014/main" xmlns="" id="{20DB6F50-9417-4061-90F5-A6A2E54E864D}"/>
               </a:ext>
             </a:extLst>
           </p:cNvPr>
@@ -7939,7 +7945,7 @@
             <p:cNvPr id="62" name="그림 61">
               <a:extLst>
                 <a:ext uri="{FF2B5EF4-FFF2-40B4-BE49-F238E27FC236}">
-                  <a16:creationId xmlns:a16="http://schemas.microsoft.com/office/drawing/2014/main" id="{72C63C5B-A886-434E-8FC8-D84B4B3817E2}"/>
+                  <a16:creationId xmlns:a16="http://schemas.microsoft.com/office/drawing/2014/main" xmlns="" id="{72C63C5B-A886-434E-8FC8-D84B4B3817E2}"/>
                 </a:ext>
               </a:extLst>
             </p:cNvPr>
@@ -7969,7 +7975,7 @@
             <p:cNvPr id="64" name="그림 63">
               <a:extLst>
                 <a:ext uri="{FF2B5EF4-FFF2-40B4-BE49-F238E27FC236}">
-                  <a16:creationId xmlns:a16="http://schemas.microsoft.com/office/drawing/2014/main" id="{5FE41077-CEB2-48E4-B43C-B5FB50653EE3}"/>
+                  <a16:creationId xmlns:a16="http://schemas.microsoft.com/office/drawing/2014/main" xmlns="" id="{5FE41077-CEB2-48E4-B43C-B5FB50653EE3}"/>
                 </a:ext>
               </a:extLst>
             </p:cNvPr>
@@ -8005,7 +8011,7 @@
             <p:cNvPr id="59" name="그림 58">
               <a:extLst>
                 <a:ext uri="{FF2B5EF4-FFF2-40B4-BE49-F238E27FC236}">
-                  <a16:creationId xmlns:a16="http://schemas.microsoft.com/office/drawing/2014/main" id="{7A949B00-B40E-4CF0-86CD-4619491C4843}"/>
+                  <a16:creationId xmlns:a16="http://schemas.microsoft.com/office/drawing/2014/main" xmlns="" id="{7A949B00-B40E-4CF0-86CD-4619491C4843}"/>
                 </a:ext>
               </a:extLst>
             </p:cNvPr>
@@ -8048,7 +8054,7 @@
           <p:cNvPr id="65" name="그림 64">
             <a:extLst>
               <a:ext uri="{FF2B5EF4-FFF2-40B4-BE49-F238E27FC236}">
-                <a16:creationId xmlns:a16="http://schemas.microsoft.com/office/drawing/2014/main" id="{AA48C813-0192-4B5F-84D0-6CB8FFF5C047}"/>
+                <a16:creationId xmlns:a16="http://schemas.microsoft.com/office/drawing/2014/main" xmlns="" id="{AA48C813-0192-4B5F-84D0-6CB8FFF5C047}"/>
               </a:ext>
             </a:extLst>
           </p:cNvPr>
@@ -8090,7 +8096,7 @@
           <p:cNvPr id="70" name="그룹 69">
             <a:extLst>
               <a:ext uri="{FF2B5EF4-FFF2-40B4-BE49-F238E27FC236}">
-                <a16:creationId xmlns:a16="http://schemas.microsoft.com/office/drawing/2014/main" id="{D757D0A7-CB8F-4674-9CF4-26D04AFE51B9}"/>
+                <a16:creationId xmlns:a16="http://schemas.microsoft.com/office/drawing/2014/main" xmlns="" id="{D757D0A7-CB8F-4674-9CF4-26D04AFE51B9}"/>
               </a:ext>
             </a:extLst>
           </p:cNvPr>
@@ -8110,7 +8116,7 @@
             <p:cNvPr id="67" name="그림 66">
               <a:extLst>
                 <a:ext uri="{FF2B5EF4-FFF2-40B4-BE49-F238E27FC236}">
-                  <a16:creationId xmlns:a16="http://schemas.microsoft.com/office/drawing/2014/main" id="{46AFE81A-C518-422D-8D7E-5860F349B7AD}"/>
+                  <a16:creationId xmlns:a16="http://schemas.microsoft.com/office/drawing/2014/main" xmlns="" id="{46AFE81A-C518-422D-8D7E-5860F349B7AD}"/>
                 </a:ext>
               </a:extLst>
             </p:cNvPr>
@@ -8146,7 +8152,7 @@
             <p:cNvPr id="68" name="그림 67">
               <a:extLst>
                 <a:ext uri="{FF2B5EF4-FFF2-40B4-BE49-F238E27FC236}">
-                  <a16:creationId xmlns:a16="http://schemas.microsoft.com/office/drawing/2014/main" id="{22079F0A-8166-4681-8888-64D5DEBDEBF0}"/>
+                  <a16:creationId xmlns:a16="http://schemas.microsoft.com/office/drawing/2014/main" xmlns="" id="{22079F0A-8166-4681-8888-64D5DEBDEBF0}"/>
                 </a:ext>
               </a:extLst>
             </p:cNvPr>
@@ -8183,7 +8189,7 @@
           <p:cNvPr id="71" name="그림 70">
             <a:extLst>
               <a:ext uri="{FF2B5EF4-FFF2-40B4-BE49-F238E27FC236}">
-                <a16:creationId xmlns:a16="http://schemas.microsoft.com/office/drawing/2014/main" id="{CB6F990A-2AA5-4052-90E2-1E8A23432CB8}"/>
+                <a16:creationId xmlns:a16="http://schemas.microsoft.com/office/drawing/2014/main" xmlns="" id="{CB6F990A-2AA5-4052-90E2-1E8A23432CB8}"/>
               </a:ext>
             </a:extLst>
           </p:cNvPr>
@@ -8243,7 +8249,7 @@
           <p:cNvPr id="16" name="그림 15">
             <a:extLst>
               <a:ext uri="{FF2B5EF4-FFF2-40B4-BE49-F238E27FC236}">
-                <a16:creationId xmlns:a16="http://schemas.microsoft.com/office/drawing/2014/main" id="{B72886A0-E9D2-40CC-8A80-D5213235901B}"/>
+                <a16:creationId xmlns:a16="http://schemas.microsoft.com/office/drawing/2014/main" xmlns="" id="{B72886A0-E9D2-40CC-8A80-D5213235901B}"/>
               </a:ext>
             </a:extLst>
           </p:cNvPr>
@@ -8273,7 +8279,7 @@
           <p:cNvPr id="6" name="그룹 5">
             <a:extLst>
               <a:ext uri="{FF2B5EF4-FFF2-40B4-BE49-F238E27FC236}">
-                <a16:creationId xmlns:a16="http://schemas.microsoft.com/office/drawing/2014/main" id="{4E2F4346-45E3-48B8-8DC3-28870CC0D107}"/>
+                <a16:creationId xmlns:a16="http://schemas.microsoft.com/office/drawing/2014/main" xmlns="" id="{4E2F4346-45E3-48B8-8DC3-28870CC0D107}"/>
               </a:ext>
             </a:extLst>
           </p:cNvPr>
@@ -8293,7 +8299,7 @@
             <p:cNvPr id="2" name="그림 1">
               <a:extLst>
                 <a:ext uri="{FF2B5EF4-FFF2-40B4-BE49-F238E27FC236}">
-                  <a16:creationId xmlns:a16="http://schemas.microsoft.com/office/drawing/2014/main" id="{42AC6D5B-37CF-4C82-BB1F-BE1E78BE1D3B}"/>
+                  <a16:creationId xmlns:a16="http://schemas.microsoft.com/office/drawing/2014/main" xmlns="" id="{42AC6D5B-37CF-4C82-BB1F-BE1E78BE1D3B}"/>
                 </a:ext>
               </a:extLst>
             </p:cNvPr>
@@ -8323,7 +8329,7 @@
             <p:cNvPr id="4" name="그림 3">
               <a:extLst>
                 <a:ext uri="{FF2B5EF4-FFF2-40B4-BE49-F238E27FC236}">
-                  <a16:creationId xmlns:a16="http://schemas.microsoft.com/office/drawing/2014/main" id="{AD129CCC-BC4C-464C-8DC2-00F3708C9A92}"/>
+                  <a16:creationId xmlns:a16="http://schemas.microsoft.com/office/drawing/2014/main" xmlns="" id="{AD129CCC-BC4C-464C-8DC2-00F3708C9A92}"/>
                 </a:ext>
               </a:extLst>
             </p:cNvPr>
@@ -8365,7 +8371,7 @@
             <p:cNvPr id="5" name="그림 4">
               <a:extLst>
                 <a:ext uri="{FF2B5EF4-FFF2-40B4-BE49-F238E27FC236}">
-                  <a16:creationId xmlns:a16="http://schemas.microsoft.com/office/drawing/2014/main" id="{9ED7CEB0-6F33-4D5A-9750-DC96E3A7DA35}"/>
+                  <a16:creationId xmlns:a16="http://schemas.microsoft.com/office/drawing/2014/main" xmlns="" id="{9ED7CEB0-6F33-4D5A-9750-DC96E3A7DA35}"/>
                 </a:ext>
               </a:extLst>
             </p:cNvPr>
@@ -8408,7 +8414,7 @@
           <p:cNvPr id="7" name="그룹 6">
             <a:extLst>
               <a:ext uri="{FF2B5EF4-FFF2-40B4-BE49-F238E27FC236}">
-                <a16:creationId xmlns:a16="http://schemas.microsoft.com/office/drawing/2014/main" id="{2E25E6EE-7F9B-4DEC-B91D-1890D76BC4F9}"/>
+                <a16:creationId xmlns:a16="http://schemas.microsoft.com/office/drawing/2014/main" xmlns="" id="{2E25E6EE-7F9B-4DEC-B91D-1890D76BC4F9}"/>
               </a:ext>
             </a:extLst>
           </p:cNvPr>
@@ -8428,7 +8434,7 @@
             <p:cNvPr id="8" name="그림 7">
               <a:extLst>
                 <a:ext uri="{FF2B5EF4-FFF2-40B4-BE49-F238E27FC236}">
-                  <a16:creationId xmlns:a16="http://schemas.microsoft.com/office/drawing/2014/main" id="{44846E07-9553-462B-A230-DBEC60D501A2}"/>
+                  <a16:creationId xmlns:a16="http://schemas.microsoft.com/office/drawing/2014/main" xmlns="" id="{44846E07-9553-462B-A230-DBEC60D501A2}"/>
                 </a:ext>
               </a:extLst>
             </p:cNvPr>
@@ -8458,7 +8464,7 @@
             <p:cNvPr id="9" name="그림 8">
               <a:extLst>
                 <a:ext uri="{FF2B5EF4-FFF2-40B4-BE49-F238E27FC236}">
-                  <a16:creationId xmlns:a16="http://schemas.microsoft.com/office/drawing/2014/main" id="{04CF3642-F735-48F3-975B-06EE1CE8A90B}"/>
+                  <a16:creationId xmlns:a16="http://schemas.microsoft.com/office/drawing/2014/main" xmlns="" id="{04CF3642-F735-48F3-975B-06EE1CE8A90B}"/>
                 </a:ext>
               </a:extLst>
             </p:cNvPr>
@@ -8500,7 +8506,7 @@
             <p:cNvPr id="10" name="그림 9">
               <a:extLst>
                 <a:ext uri="{FF2B5EF4-FFF2-40B4-BE49-F238E27FC236}">
-                  <a16:creationId xmlns:a16="http://schemas.microsoft.com/office/drawing/2014/main" id="{CE0FC02C-CFD6-43FC-800E-861DFFA5622C}"/>
+                  <a16:creationId xmlns:a16="http://schemas.microsoft.com/office/drawing/2014/main" xmlns="" id="{CE0FC02C-CFD6-43FC-800E-861DFFA5622C}"/>
                 </a:ext>
               </a:extLst>
             </p:cNvPr>
@@ -8543,7 +8549,7 @@
           <p:cNvPr id="12" name="그림 11">
             <a:extLst>
               <a:ext uri="{FF2B5EF4-FFF2-40B4-BE49-F238E27FC236}">
-                <a16:creationId xmlns:a16="http://schemas.microsoft.com/office/drawing/2014/main" id="{2A75EB92-8F95-457A-B12D-3E2DA4ECB2EA}"/>
+                <a16:creationId xmlns:a16="http://schemas.microsoft.com/office/drawing/2014/main" xmlns="" id="{2A75EB92-8F95-457A-B12D-3E2DA4ECB2EA}"/>
               </a:ext>
             </a:extLst>
           </p:cNvPr>
@@ -8573,7 +8579,7 @@
           <p:cNvPr id="14" name="그림 13">
             <a:extLst>
               <a:ext uri="{FF2B5EF4-FFF2-40B4-BE49-F238E27FC236}">
-                <a16:creationId xmlns:a16="http://schemas.microsoft.com/office/drawing/2014/main" id="{E4002ABF-AF38-4649-AF76-A917493E1395}"/>
+                <a16:creationId xmlns:a16="http://schemas.microsoft.com/office/drawing/2014/main" xmlns="" id="{E4002ABF-AF38-4649-AF76-A917493E1395}"/>
               </a:ext>
             </a:extLst>
           </p:cNvPr>
@@ -8615,7 +8621,7 @@
           <p:cNvPr id="15" name="그림 14">
             <a:extLst>
               <a:ext uri="{FF2B5EF4-FFF2-40B4-BE49-F238E27FC236}">
-                <a16:creationId xmlns:a16="http://schemas.microsoft.com/office/drawing/2014/main" id="{6AF03FFC-7418-458A-8B8B-44D6739DB2D3}"/>
+                <a16:creationId xmlns:a16="http://schemas.microsoft.com/office/drawing/2014/main" xmlns="" id="{6AF03FFC-7418-458A-8B8B-44D6739DB2D3}"/>
               </a:ext>
             </a:extLst>
           </p:cNvPr>
@@ -8657,7 +8663,7 @@
           <p:cNvPr id="21" name="직선 연결선 20">
             <a:extLst>
               <a:ext uri="{FF2B5EF4-FFF2-40B4-BE49-F238E27FC236}">
-                <a16:creationId xmlns:a16="http://schemas.microsoft.com/office/drawing/2014/main" id="{588BC291-DDEF-4C18-BAEF-BFE13D17A378}"/>
+                <a16:creationId xmlns:a16="http://schemas.microsoft.com/office/drawing/2014/main" xmlns="" id="{588BC291-DDEF-4C18-BAEF-BFE13D17A378}"/>
               </a:ext>
             </a:extLst>
           </p:cNvPr>
@@ -8700,7 +8706,7 @@
           <p:cNvPr id="25" name="타원 24">
             <a:extLst>
               <a:ext uri="{FF2B5EF4-FFF2-40B4-BE49-F238E27FC236}">
-                <a16:creationId xmlns:a16="http://schemas.microsoft.com/office/drawing/2014/main" id="{D1E6EFBE-1833-4FE5-B614-1C2C2F3F2AA9}"/>
+                <a16:creationId xmlns:a16="http://schemas.microsoft.com/office/drawing/2014/main" xmlns="" id="{D1E6EFBE-1833-4FE5-B614-1C2C2F3F2AA9}"/>
               </a:ext>
             </a:extLst>
           </p:cNvPr>
@@ -8754,7 +8760,7 @@
           <p:cNvPr id="32" name="그룹 31">
             <a:extLst>
               <a:ext uri="{FF2B5EF4-FFF2-40B4-BE49-F238E27FC236}">
-                <a16:creationId xmlns:a16="http://schemas.microsoft.com/office/drawing/2014/main" id="{99E7029A-FD90-43DA-A713-B6655C4AC3A5}"/>
+                <a16:creationId xmlns:a16="http://schemas.microsoft.com/office/drawing/2014/main" xmlns="" id="{99E7029A-FD90-43DA-A713-B6655C4AC3A5}"/>
               </a:ext>
             </a:extLst>
           </p:cNvPr>
@@ -8774,7 +8780,7 @@
             <p:cNvPr id="22" name="직사각형 21">
               <a:extLst>
                 <a:ext uri="{FF2B5EF4-FFF2-40B4-BE49-F238E27FC236}">
-                  <a16:creationId xmlns:a16="http://schemas.microsoft.com/office/drawing/2014/main" id="{6071D4AF-96DC-404A-82E9-8DF95BEC8C65}"/>
+                  <a16:creationId xmlns:a16="http://schemas.microsoft.com/office/drawing/2014/main" xmlns="" id="{6071D4AF-96DC-404A-82E9-8DF95BEC8C65}"/>
                 </a:ext>
               </a:extLst>
             </p:cNvPr>
@@ -8826,7 +8832,7 @@
             <p:cNvPr id="24" name="타원 23">
               <a:extLst>
                 <a:ext uri="{FF2B5EF4-FFF2-40B4-BE49-F238E27FC236}">
-                  <a16:creationId xmlns:a16="http://schemas.microsoft.com/office/drawing/2014/main" id="{EF6C62AA-1778-42DC-86B4-97698FA976EA}"/>
+                  <a16:creationId xmlns:a16="http://schemas.microsoft.com/office/drawing/2014/main" xmlns="" id="{EF6C62AA-1778-42DC-86B4-97698FA976EA}"/>
                 </a:ext>
               </a:extLst>
             </p:cNvPr>
@@ -8880,7 +8886,7 @@
             <p:cNvPr id="19" name="오각형 3">
               <a:extLst>
                 <a:ext uri="{FF2B5EF4-FFF2-40B4-BE49-F238E27FC236}">
-                  <a16:creationId xmlns:a16="http://schemas.microsoft.com/office/drawing/2014/main" id="{379121CD-186C-4565-AB4C-686E4222D110}"/>
+                  <a16:creationId xmlns:a16="http://schemas.microsoft.com/office/drawing/2014/main" xmlns="" id="{379121CD-186C-4565-AB4C-686E4222D110}"/>
                 </a:ext>
               </a:extLst>
             </p:cNvPr>
@@ -9093,7 +9099,7 @@
             <p:cNvPr id="26" name="타원 25">
               <a:extLst>
                 <a:ext uri="{FF2B5EF4-FFF2-40B4-BE49-F238E27FC236}">
-                  <a16:creationId xmlns:a16="http://schemas.microsoft.com/office/drawing/2014/main" id="{226D6D9B-9531-41AC-BE67-A9F90D5A6A5E}"/>
+                  <a16:creationId xmlns:a16="http://schemas.microsoft.com/office/drawing/2014/main" xmlns="" id="{226D6D9B-9531-41AC-BE67-A9F90D5A6A5E}"/>
                 </a:ext>
               </a:extLst>
             </p:cNvPr>
@@ -9147,7 +9153,7 @@
             <p:cNvPr id="27" name="직선 연결선 26">
               <a:extLst>
                 <a:ext uri="{FF2B5EF4-FFF2-40B4-BE49-F238E27FC236}">
-                  <a16:creationId xmlns:a16="http://schemas.microsoft.com/office/drawing/2014/main" id="{AF42A2CE-6813-488E-9862-DBFE6AC1022D}"/>
+                  <a16:creationId xmlns:a16="http://schemas.microsoft.com/office/drawing/2014/main" xmlns="" id="{AF42A2CE-6813-488E-9862-DBFE6AC1022D}"/>
                 </a:ext>
               </a:extLst>
             </p:cNvPr>
@@ -9190,7 +9196,7 @@
             <p:cNvPr id="30" name="직선 연결선 29">
               <a:extLst>
                 <a:ext uri="{FF2B5EF4-FFF2-40B4-BE49-F238E27FC236}">
-                  <a16:creationId xmlns:a16="http://schemas.microsoft.com/office/drawing/2014/main" id="{73FE9613-1EED-4895-AFED-A0B54F785958}"/>
+                  <a16:creationId xmlns:a16="http://schemas.microsoft.com/office/drawing/2014/main" xmlns="" id="{73FE9613-1EED-4895-AFED-A0B54F785958}"/>
                 </a:ext>
               </a:extLst>
             </p:cNvPr>
@@ -9233,7 +9239,7 @@
             <p:cNvPr id="31" name="직선 연결선 30">
               <a:extLst>
                 <a:ext uri="{FF2B5EF4-FFF2-40B4-BE49-F238E27FC236}">
-                  <a16:creationId xmlns:a16="http://schemas.microsoft.com/office/drawing/2014/main" id="{D6C980FC-D480-4922-9B41-BE6446710CFC}"/>
+                  <a16:creationId xmlns:a16="http://schemas.microsoft.com/office/drawing/2014/main" xmlns="" id="{D6C980FC-D480-4922-9B41-BE6446710CFC}"/>
                 </a:ext>
               </a:extLst>
             </p:cNvPr>
@@ -9307,7 +9313,7 @@
           <p:cNvPr id="7" name="그림 6">
             <a:extLst>
               <a:ext uri="{FF2B5EF4-FFF2-40B4-BE49-F238E27FC236}">
-                <a16:creationId xmlns:a16="http://schemas.microsoft.com/office/drawing/2014/main" id="{54E77E9A-E816-4B54-9414-998F61F1FF66}"/>
+                <a16:creationId xmlns:a16="http://schemas.microsoft.com/office/drawing/2014/main" xmlns="" id="{54E77E9A-E816-4B54-9414-998F61F1FF66}"/>
               </a:ext>
             </a:extLst>
           </p:cNvPr>
@@ -9337,7 +9343,7 @@
           <p:cNvPr id="8" name="그룹 7">
             <a:extLst>
               <a:ext uri="{FF2B5EF4-FFF2-40B4-BE49-F238E27FC236}">
-                <a16:creationId xmlns:a16="http://schemas.microsoft.com/office/drawing/2014/main" id="{2DE843E0-BC2D-461F-B822-4E63F3DFDD3E}"/>
+                <a16:creationId xmlns:a16="http://schemas.microsoft.com/office/drawing/2014/main" xmlns="" id="{2DE843E0-BC2D-461F-B822-4E63F3DFDD3E}"/>
               </a:ext>
             </a:extLst>
           </p:cNvPr>
@@ -9357,7 +9363,7 @@
             <p:cNvPr id="9" name="직사각형 8">
               <a:extLst>
                 <a:ext uri="{FF2B5EF4-FFF2-40B4-BE49-F238E27FC236}">
-                  <a16:creationId xmlns:a16="http://schemas.microsoft.com/office/drawing/2014/main" id="{84FCCCDC-80D2-496E-A39A-4FB6C8AB810A}"/>
+                  <a16:creationId xmlns:a16="http://schemas.microsoft.com/office/drawing/2014/main" xmlns="" id="{84FCCCDC-80D2-496E-A39A-4FB6C8AB810A}"/>
                 </a:ext>
               </a:extLst>
             </p:cNvPr>
@@ -9409,7 +9415,7 @@
             <p:cNvPr id="10" name="타원 9">
               <a:extLst>
                 <a:ext uri="{FF2B5EF4-FFF2-40B4-BE49-F238E27FC236}">
-                  <a16:creationId xmlns:a16="http://schemas.microsoft.com/office/drawing/2014/main" id="{45932678-FB82-405F-9D8C-84409DA0D7CF}"/>
+                  <a16:creationId xmlns:a16="http://schemas.microsoft.com/office/drawing/2014/main" xmlns="" id="{45932678-FB82-405F-9D8C-84409DA0D7CF}"/>
                 </a:ext>
               </a:extLst>
             </p:cNvPr>
@@ -9463,7 +9469,7 @@
             <p:cNvPr id="11" name="오각형 3">
               <a:extLst>
                 <a:ext uri="{FF2B5EF4-FFF2-40B4-BE49-F238E27FC236}">
-                  <a16:creationId xmlns:a16="http://schemas.microsoft.com/office/drawing/2014/main" id="{28D2A96B-D925-4788-B8AA-15DEA81DDC44}"/>
+                  <a16:creationId xmlns:a16="http://schemas.microsoft.com/office/drawing/2014/main" xmlns="" id="{28D2A96B-D925-4788-B8AA-15DEA81DDC44}"/>
                 </a:ext>
               </a:extLst>
             </p:cNvPr>
@@ -9676,7 +9682,7 @@
             <p:cNvPr id="12" name="타원 11">
               <a:extLst>
                 <a:ext uri="{FF2B5EF4-FFF2-40B4-BE49-F238E27FC236}">
-                  <a16:creationId xmlns:a16="http://schemas.microsoft.com/office/drawing/2014/main" id="{12104DBB-6743-4998-B4BF-1C61B0F0BB64}"/>
+                  <a16:creationId xmlns:a16="http://schemas.microsoft.com/office/drawing/2014/main" xmlns="" id="{12104DBB-6743-4998-B4BF-1C61B0F0BB64}"/>
                 </a:ext>
               </a:extLst>
             </p:cNvPr>
@@ -9730,7 +9736,7 @@
             <p:cNvPr id="13" name="직선 연결선 12">
               <a:extLst>
                 <a:ext uri="{FF2B5EF4-FFF2-40B4-BE49-F238E27FC236}">
-                  <a16:creationId xmlns:a16="http://schemas.microsoft.com/office/drawing/2014/main" id="{C16A47D5-D8C3-468D-ACAA-6E1C22D6587A}"/>
+                  <a16:creationId xmlns:a16="http://schemas.microsoft.com/office/drawing/2014/main" xmlns="" id="{C16A47D5-D8C3-468D-ACAA-6E1C22D6587A}"/>
                 </a:ext>
               </a:extLst>
             </p:cNvPr>
@@ -9773,7 +9779,7 @@
             <p:cNvPr id="14" name="직선 연결선 13">
               <a:extLst>
                 <a:ext uri="{FF2B5EF4-FFF2-40B4-BE49-F238E27FC236}">
-                  <a16:creationId xmlns:a16="http://schemas.microsoft.com/office/drawing/2014/main" id="{631B6712-5CEC-4C01-8A5B-79E7322D647D}"/>
+                  <a16:creationId xmlns:a16="http://schemas.microsoft.com/office/drawing/2014/main" xmlns="" id="{631B6712-5CEC-4C01-8A5B-79E7322D647D}"/>
                 </a:ext>
               </a:extLst>
             </p:cNvPr>
@@ -9816,7 +9822,7 @@
             <p:cNvPr id="15" name="직선 연결선 14">
               <a:extLst>
                 <a:ext uri="{FF2B5EF4-FFF2-40B4-BE49-F238E27FC236}">
-                  <a16:creationId xmlns:a16="http://schemas.microsoft.com/office/drawing/2014/main" id="{49B5B43B-BEC1-4ADE-8179-331A9979C064}"/>
+                  <a16:creationId xmlns:a16="http://schemas.microsoft.com/office/drawing/2014/main" xmlns="" id="{49B5B43B-BEC1-4ADE-8179-331A9979C064}"/>
                 </a:ext>
               </a:extLst>
             </p:cNvPr>
@@ -9860,7 +9866,7 @@
           <p:cNvPr id="16" name="그룹 15">
             <a:extLst>
               <a:ext uri="{FF2B5EF4-FFF2-40B4-BE49-F238E27FC236}">
-                <a16:creationId xmlns:a16="http://schemas.microsoft.com/office/drawing/2014/main" id="{22042202-D893-4DC8-A249-F2ADC0266831}"/>
+                <a16:creationId xmlns:a16="http://schemas.microsoft.com/office/drawing/2014/main" xmlns="" id="{22042202-D893-4DC8-A249-F2ADC0266831}"/>
               </a:ext>
             </a:extLst>
           </p:cNvPr>
@@ -9880,7 +9886,7 @@
             <p:cNvPr id="17" name="직사각형 16">
               <a:extLst>
                 <a:ext uri="{FF2B5EF4-FFF2-40B4-BE49-F238E27FC236}">
-                  <a16:creationId xmlns:a16="http://schemas.microsoft.com/office/drawing/2014/main" id="{C3F85838-6DC5-40D9-9028-4C1578A2B927}"/>
+                  <a16:creationId xmlns:a16="http://schemas.microsoft.com/office/drawing/2014/main" xmlns="" id="{C3F85838-6DC5-40D9-9028-4C1578A2B927}"/>
                 </a:ext>
               </a:extLst>
             </p:cNvPr>
@@ -9932,7 +9938,7 @@
             <p:cNvPr id="18" name="타원 17">
               <a:extLst>
                 <a:ext uri="{FF2B5EF4-FFF2-40B4-BE49-F238E27FC236}">
-                  <a16:creationId xmlns:a16="http://schemas.microsoft.com/office/drawing/2014/main" id="{0A1908B7-E3C9-4E5A-88D8-D119806FB05B}"/>
+                  <a16:creationId xmlns:a16="http://schemas.microsoft.com/office/drawing/2014/main" xmlns="" id="{0A1908B7-E3C9-4E5A-88D8-D119806FB05B}"/>
                 </a:ext>
               </a:extLst>
             </p:cNvPr>
@@ -9986,7 +9992,7 @@
             <p:cNvPr id="19" name="오각형 3">
               <a:extLst>
                 <a:ext uri="{FF2B5EF4-FFF2-40B4-BE49-F238E27FC236}">
-                  <a16:creationId xmlns:a16="http://schemas.microsoft.com/office/drawing/2014/main" id="{CAAA9951-8972-4438-A1F5-41D1477EE60E}"/>
+                  <a16:creationId xmlns:a16="http://schemas.microsoft.com/office/drawing/2014/main" xmlns="" id="{CAAA9951-8972-4438-A1F5-41D1477EE60E}"/>
                 </a:ext>
               </a:extLst>
             </p:cNvPr>
@@ -10199,7 +10205,7 @@
             <p:cNvPr id="20" name="타원 19">
               <a:extLst>
                 <a:ext uri="{FF2B5EF4-FFF2-40B4-BE49-F238E27FC236}">
-                  <a16:creationId xmlns:a16="http://schemas.microsoft.com/office/drawing/2014/main" id="{9EB09DD2-29E1-48AC-972C-8D620EF5AB4E}"/>
+                  <a16:creationId xmlns:a16="http://schemas.microsoft.com/office/drawing/2014/main" xmlns="" id="{9EB09DD2-29E1-48AC-972C-8D620EF5AB4E}"/>
                 </a:ext>
               </a:extLst>
             </p:cNvPr>
@@ -10253,7 +10259,7 @@
             <p:cNvPr id="21" name="직선 연결선 20">
               <a:extLst>
                 <a:ext uri="{FF2B5EF4-FFF2-40B4-BE49-F238E27FC236}">
-                  <a16:creationId xmlns:a16="http://schemas.microsoft.com/office/drawing/2014/main" id="{B79A29F4-3B43-41BC-86AE-C254274B6B14}"/>
+                  <a16:creationId xmlns:a16="http://schemas.microsoft.com/office/drawing/2014/main" xmlns="" id="{B79A29F4-3B43-41BC-86AE-C254274B6B14}"/>
                 </a:ext>
               </a:extLst>
             </p:cNvPr>
@@ -10296,7 +10302,7 @@
             <p:cNvPr id="22" name="직선 연결선 21">
               <a:extLst>
                 <a:ext uri="{FF2B5EF4-FFF2-40B4-BE49-F238E27FC236}">
-                  <a16:creationId xmlns:a16="http://schemas.microsoft.com/office/drawing/2014/main" id="{EB53D9B3-5023-4BA9-BCF5-38DB48B66BA5}"/>
+                  <a16:creationId xmlns:a16="http://schemas.microsoft.com/office/drawing/2014/main" xmlns="" id="{EB53D9B3-5023-4BA9-BCF5-38DB48B66BA5}"/>
                 </a:ext>
               </a:extLst>
             </p:cNvPr>
@@ -10339,7 +10345,7 @@
             <p:cNvPr id="23" name="직선 연결선 22">
               <a:extLst>
                 <a:ext uri="{FF2B5EF4-FFF2-40B4-BE49-F238E27FC236}">
-                  <a16:creationId xmlns:a16="http://schemas.microsoft.com/office/drawing/2014/main" id="{7D3722EF-DB7A-429A-8836-6C1CE411E3DA}"/>
+                  <a16:creationId xmlns:a16="http://schemas.microsoft.com/office/drawing/2014/main" xmlns="" id="{7D3722EF-DB7A-429A-8836-6C1CE411E3DA}"/>
                 </a:ext>
               </a:extLst>
             </p:cNvPr>
@@ -10383,7 +10389,7 @@
           <p:cNvPr id="24" name="그룹 23">
             <a:extLst>
               <a:ext uri="{FF2B5EF4-FFF2-40B4-BE49-F238E27FC236}">
-                <a16:creationId xmlns:a16="http://schemas.microsoft.com/office/drawing/2014/main" id="{090FB966-5B55-4DA4-9924-69EE89B5410B}"/>
+                <a16:creationId xmlns:a16="http://schemas.microsoft.com/office/drawing/2014/main" xmlns="" id="{090FB966-5B55-4DA4-9924-69EE89B5410B}"/>
               </a:ext>
             </a:extLst>
           </p:cNvPr>
@@ -10403,7 +10409,7 @@
             <p:cNvPr id="25" name="직사각형 24">
               <a:extLst>
                 <a:ext uri="{FF2B5EF4-FFF2-40B4-BE49-F238E27FC236}">
-                  <a16:creationId xmlns:a16="http://schemas.microsoft.com/office/drawing/2014/main" id="{66AB821B-F0C5-4373-9090-1497A084F1F2}"/>
+                  <a16:creationId xmlns:a16="http://schemas.microsoft.com/office/drawing/2014/main" xmlns="" id="{66AB821B-F0C5-4373-9090-1497A084F1F2}"/>
                 </a:ext>
               </a:extLst>
             </p:cNvPr>
@@ -10455,7 +10461,7 @@
             <p:cNvPr id="26" name="타원 25">
               <a:extLst>
                 <a:ext uri="{FF2B5EF4-FFF2-40B4-BE49-F238E27FC236}">
-                  <a16:creationId xmlns:a16="http://schemas.microsoft.com/office/drawing/2014/main" id="{F0DF733C-CB7B-43BB-A5B2-12CB81709EF6}"/>
+                  <a16:creationId xmlns:a16="http://schemas.microsoft.com/office/drawing/2014/main" xmlns="" id="{F0DF733C-CB7B-43BB-A5B2-12CB81709EF6}"/>
                 </a:ext>
               </a:extLst>
             </p:cNvPr>
@@ -10509,7 +10515,7 @@
             <p:cNvPr id="27" name="오각형 3">
               <a:extLst>
                 <a:ext uri="{FF2B5EF4-FFF2-40B4-BE49-F238E27FC236}">
-                  <a16:creationId xmlns:a16="http://schemas.microsoft.com/office/drawing/2014/main" id="{BF4ED1EA-6134-4DF1-8A50-961156FA86CF}"/>
+                  <a16:creationId xmlns:a16="http://schemas.microsoft.com/office/drawing/2014/main" xmlns="" id="{BF4ED1EA-6134-4DF1-8A50-961156FA86CF}"/>
                 </a:ext>
               </a:extLst>
             </p:cNvPr>
@@ -10722,7 +10728,7 @@
             <p:cNvPr id="28" name="타원 27">
               <a:extLst>
                 <a:ext uri="{FF2B5EF4-FFF2-40B4-BE49-F238E27FC236}">
-                  <a16:creationId xmlns:a16="http://schemas.microsoft.com/office/drawing/2014/main" id="{98A836F9-A3F9-4B30-962F-C45185B85683}"/>
+                  <a16:creationId xmlns:a16="http://schemas.microsoft.com/office/drawing/2014/main" xmlns="" id="{98A836F9-A3F9-4B30-962F-C45185B85683}"/>
                 </a:ext>
               </a:extLst>
             </p:cNvPr>
@@ -10776,7 +10782,7 @@
             <p:cNvPr id="29" name="직선 연결선 28">
               <a:extLst>
                 <a:ext uri="{FF2B5EF4-FFF2-40B4-BE49-F238E27FC236}">
-                  <a16:creationId xmlns:a16="http://schemas.microsoft.com/office/drawing/2014/main" id="{AB534CFF-D365-4221-8231-08D5B338FCEF}"/>
+                  <a16:creationId xmlns:a16="http://schemas.microsoft.com/office/drawing/2014/main" xmlns="" id="{AB534CFF-D365-4221-8231-08D5B338FCEF}"/>
                 </a:ext>
               </a:extLst>
             </p:cNvPr>
@@ -10819,7 +10825,7 @@
             <p:cNvPr id="30" name="직선 연결선 29">
               <a:extLst>
                 <a:ext uri="{FF2B5EF4-FFF2-40B4-BE49-F238E27FC236}">
-                  <a16:creationId xmlns:a16="http://schemas.microsoft.com/office/drawing/2014/main" id="{D3ECE368-774F-4904-92BA-984B14342771}"/>
+                  <a16:creationId xmlns:a16="http://schemas.microsoft.com/office/drawing/2014/main" xmlns="" id="{D3ECE368-774F-4904-92BA-984B14342771}"/>
                 </a:ext>
               </a:extLst>
             </p:cNvPr>
@@ -10862,7 +10868,7 @@
             <p:cNvPr id="31" name="직선 연결선 30">
               <a:extLst>
                 <a:ext uri="{FF2B5EF4-FFF2-40B4-BE49-F238E27FC236}">
-                  <a16:creationId xmlns:a16="http://schemas.microsoft.com/office/drawing/2014/main" id="{4E9796A8-5FAC-4C2B-A0CC-496FD32D03EE}"/>
+                  <a16:creationId xmlns:a16="http://schemas.microsoft.com/office/drawing/2014/main" xmlns="" id="{4E9796A8-5FAC-4C2B-A0CC-496FD32D03EE}"/>
                 </a:ext>
               </a:extLst>
             </p:cNvPr>
@@ -10906,7 +10912,7 @@
           <p:cNvPr id="32" name="그룹 31">
             <a:extLst>
               <a:ext uri="{FF2B5EF4-FFF2-40B4-BE49-F238E27FC236}">
-                <a16:creationId xmlns:a16="http://schemas.microsoft.com/office/drawing/2014/main" id="{66A512B9-1B4A-4076-9718-8997D4DF5717}"/>
+                <a16:creationId xmlns:a16="http://schemas.microsoft.com/office/drawing/2014/main" xmlns="" id="{66A512B9-1B4A-4076-9718-8997D4DF5717}"/>
               </a:ext>
             </a:extLst>
           </p:cNvPr>
@@ -10926,7 +10932,7 @@
             <p:cNvPr id="33" name="직사각형 32">
               <a:extLst>
                 <a:ext uri="{FF2B5EF4-FFF2-40B4-BE49-F238E27FC236}">
-                  <a16:creationId xmlns:a16="http://schemas.microsoft.com/office/drawing/2014/main" id="{468BE0F9-EB62-4DD3-A143-B1FDDA7744B5}"/>
+                  <a16:creationId xmlns:a16="http://schemas.microsoft.com/office/drawing/2014/main" xmlns="" id="{468BE0F9-EB62-4DD3-A143-B1FDDA7744B5}"/>
                 </a:ext>
               </a:extLst>
             </p:cNvPr>
@@ -10978,7 +10984,7 @@
             <p:cNvPr id="34" name="타원 33">
               <a:extLst>
                 <a:ext uri="{FF2B5EF4-FFF2-40B4-BE49-F238E27FC236}">
-                  <a16:creationId xmlns:a16="http://schemas.microsoft.com/office/drawing/2014/main" id="{72DC1503-3924-4677-96D6-27A2ADFFF753}"/>
+                  <a16:creationId xmlns:a16="http://schemas.microsoft.com/office/drawing/2014/main" xmlns="" id="{72DC1503-3924-4677-96D6-27A2ADFFF753}"/>
                 </a:ext>
               </a:extLst>
             </p:cNvPr>
@@ -11032,7 +11038,7 @@
             <p:cNvPr id="35" name="오각형 3">
               <a:extLst>
                 <a:ext uri="{FF2B5EF4-FFF2-40B4-BE49-F238E27FC236}">
-                  <a16:creationId xmlns:a16="http://schemas.microsoft.com/office/drawing/2014/main" id="{8B4B2A03-655D-43D1-A53F-4CBF8D21D26E}"/>
+                  <a16:creationId xmlns:a16="http://schemas.microsoft.com/office/drawing/2014/main" xmlns="" id="{8B4B2A03-655D-43D1-A53F-4CBF8D21D26E}"/>
                 </a:ext>
               </a:extLst>
             </p:cNvPr>
@@ -11245,7 +11251,7 @@
             <p:cNvPr id="36" name="타원 35">
               <a:extLst>
                 <a:ext uri="{FF2B5EF4-FFF2-40B4-BE49-F238E27FC236}">
-                  <a16:creationId xmlns:a16="http://schemas.microsoft.com/office/drawing/2014/main" id="{B2DFEFF8-BA5F-4FFD-896B-02D550985D7D}"/>
+                  <a16:creationId xmlns:a16="http://schemas.microsoft.com/office/drawing/2014/main" xmlns="" id="{B2DFEFF8-BA5F-4FFD-896B-02D550985D7D}"/>
                 </a:ext>
               </a:extLst>
             </p:cNvPr>
@@ -11299,7 +11305,7 @@
             <p:cNvPr id="37" name="직선 연결선 36">
               <a:extLst>
                 <a:ext uri="{FF2B5EF4-FFF2-40B4-BE49-F238E27FC236}">
-                  <a16:creationId xmlns:a16="http://schemas.microsoft.com/office/drawing/2014/main" id="{A2501454-FAAE-4F6F-AE14-D3CA1FFD4377}"/>
+                  <a16:creationId xmlns:a16="http://schemas.microsoft.com/office/drawing/2014/main" xmlns="" id="{A2501454-FAAE-4F6F-AE14-D3CA1FFD4377}"/>
                 </a:ext>
               </a:extLst>
             </p:cNvPr>
@@ -11342,7 +11348,7 @@
             <p:cNvPr id="38" name="직선 연결선 37">
               <a:extLst>
                 <a:ext uri="{FF2B5EF4-FFF2-40B4-BE49-F238E27FC236}">
-                  <a16:creationId xmlns:a16="http://schemas.microsoft.com/office/drawing/2014/main" id="{589CC5F6-F4B9-4311-A5A8-1FA5EC515E25}"/>
+                  <a16:creationId xmlns:a16="http://schemas.microsoft.com/office/drawing/2014/main" xmlns="" id="{589CC5F6-F4B9-4311-A5A8-1FA5EC515E25}"/>
                 </a:ext>
               </a:extLst>
             </p:cNvPr>
@@ -11385,7 +11391,7 @@
             <p:cNvPr id="39" name="직선 연결선 38">
               <a:extLst>
                 <a:ext uri="{FF2B5EF4-FFF2-40B4-BE49-F238E27FC236}">
-                  <a16:creationId xmlns:a16="http://schemas.microsoft.com/office/drawing/2014/main" id="{BA40069A-BC81-4753-95AF-E8294F05AF8A}"/>
+                  <a16:creationId xmlns:a16="http://schemas.microsoft.com/office/drawing/2014/main" xmlns="" id="{BA40069A-BC81-4753-95AF-E8294F05AF8A}"/>
                 </a:ext>
               </a:extLst>
             </p:cNvPr>
@@ -11459,7 +11465,7 @@
           <p:cNvPr id="155" name="타원 154">
             <a:extLst>
               <a:ext uri="{FF2B5EF4-FFF2-40B4-BE49-F238E27FC236}">
-                <a16:creationId xmlns:a16="http://schemas.microsoft.com/office/drawing/2014/main" id="{E0CB0314-74DE-4AB8-94AE-27EC0D8F7395}"/>
+                <a16:creationId xmlns:a16="http://schemas.microsoft.com/office/drawing/2014/main" xmlns="" id="{E0CB0314-74DE-4AB8-94AE-27EC0D8F7395}"/>
               </a:ext>
             </a:extLst>
           </p:cNvPr>
@@ -11511,7 +11517,7 @@
           <p:cNvPr id="32" name="타원 31">
             <a:extLst>
               <a:ext uri="{FF2B5EF4-FFF2-40B4-BE49-F238E27FC236}">
-                <a16:creationId xmlns:a16="http://schemas.microsoft.com/office/drawing/2014/main" id="{F88780C7-FE3B-4B32-BE6C-A25D7D177166}"/>
+                <a16:creationId xmlns:a16="http://schemas.microsoft.com/office/drawing/2014/main" xmlns="" id="{F88780C7-FE3B-4B32-BE6C-A25D7D177166}"/>
               </a:ext>
             </a:extLst>
           </p:cNvPr>
@@ -11563,7 +11569,7 @@
           <p:cNvPr id="2" name="팔각형 1">
             <a:extLst>
               <a:ext uri="{FF2B5EF4-FFF2-40B4-BE49-F238E27FC236}">
-                <a16:creationId xmlns:a16="http://schemas.microsoft.com/office/drawing/2014/main" id="{44DBE16F-E303-4984-851D-5D756FC4B60C}"/>
+                <a16:creationId xmlns:a16="http://schemas.microsoft.com/office/drawing/2014/main" xmlns="" id="{44DBE16F-E303-4984-851D-5D756FC4B60C}"/>
               </a:ext>
             </a:extLst>
           </p:cNvPr>
@@ -11615,7 +11621,7 @@
           <p:cNvPr id="3" name="그림 2">
             <a:extLst>
               <a:ext uri="{FF2B5EF4-FFF2-40B4-BE49-F238E27FC236}">
-                <a16:creationId xmlns:a16="http://schemas.microsoft.com/office/drawing/2014/main" id="{566422E1-D7B8-4098-8941-B099B7C2D1F8}"/>
+                <a16:creationId xmlns:a16="http://schemas.microsoft.com/office/drawing/2014/main" xmlns="" id="{566422E1-D7B8-4098-8941-B099B7C2D1F8}"/>
               </a:ext>
             </a:extLst>
           </p:cNvPr>
@@ -11657,7 +11663,7 @@
           <p:cNvPr id="17" name="그림 16">
             <a:extLst>
               <a:ext uri="{FF2B5EF4-FFF2-40B4-BE49-F238E27FC236}">
-                <a16:creationId xmlns:a16="http://schemas.microsoft.com/office/drawing/2014/main" id="{D772A11B-36A4-4DC2-80BB-60AF52B6EAE2}"/>
+                <a16:creationId xmlns:a16="http://schemas.microsoft.com/office/drawing/2014/main" xmlns="" id="{D772A11B-36A4-4DC2-80BB-60AF52B6EAE2}"/>
               </a:ext>
             </a:extLst>
           </p:cNvPr>
@@ -11699,7 +11705,7 @@
           <p:cNvPr id="4" name="그룹 3">
             <a:extLst>
               <a:ext uri="{FF2B5EF4-FFF2-40B4-BE49-F238E27FC236}">
-                <a16:creationId xmlns:a16="http://schemas.microsoft.com/office/drawing/2014/main" id="{79004526-9A1F-4EAF-84F8-C2EDD91F8914}"/>
+                <a16:creationId xmlns:a16="http://schemas.microsoft.com/office/drawing/2014/main" xmlns="" id="{79004526-9A1F-4EAF-84F8-C2EDD91F8914}"/>
               </a:ext>
             </a:extLst>
           </p:cNvPr>
@@ -11719,7 +11725,7 @@
             <p:cNvPr id="5" name="직사각형 4">
               <a:extLst>
                 <a:ext uri="{FF2B5EF4-FFF2-40B4-BE49-F238E27FC236}">
-                  <a16:creationId xmlns:a16="http://schemas.microsoft.com/office/drawing/2014/main" id="{019EF450-CF4A-4D6A-9260-07B04ABE90AB}"/>
+                  <a16:creationId xmlns:a16="http://schemas.microsoft.com/office/drawing/2014/main" xmlns="" id="{019EF450-CF4A-4D6A-9260-07B04ABE90AB}"/>
                 </a:ext>
               </a:extLst>
             </p:cNvPr>
@@ -11773,7 +11779,7 @@
             <p:cNvPr id="6" name="타원 5">
               <a:extLst>
                 <a:ext uri="{FF2B5EF4-FFF2-40B4-BE49-F238E27FC236}">
-                  <a16:creationId xmlns:a16="http://schemas.microsoft.com/office/drawing/2014/main" id="{9608193C-43BF-45A4-9ECD-C6645A172AD9}"/>
+                  <a16:creationId xmlns:a16="http://schemas.microsoft.com/office/drawing/2014/main" xmlns="" id="{9608193C-43BF-45A4-9ECD-C6645A172AD9}"/>
                 </a:ext>
               </a:extLst>
             </p:cNvPr>
@@ -11827,7 +11833,7 @@
             <p:cNvPr id="7" name="오각형 3">
               <a:extLst>
                 <a:ext uri="{FF2B5EF4-FFF2-40B4-BE49-F238E27FC236}">
-                  <a16:creationId xmlns:a16="http://schemas.microsoft.com/office/drawing/2014/main" id="{7B695A6D-B90F-4FC3-B90F-6210D5C32545}"/>
+                  <a16:creationId xmlns:a16="http://schemas.microsoft.com/office/drawing/2014/main" xmlns="" id="{7B695A6D-B90F-4FC3-B90F-6210D5C32545}"/>
                 </a:ext>
               </a:extLst>
             </p:cNvPr>
@@ -12040,7 +12046,7 @@
             <p:cNvPr id="8" name="타원 7">
               <a:extLst>
                 <a:ext uri="{FF2B5EF4-FFF2-40B4-BE49-F238E27FC236}">
-                  <a16:creationId xmlns:a16="http://schemas.microsoft.com/office/drawing/2014/main" id="{71315030-5208-4202-B201-ADE81AEE555E}"/>
+                  <a16:creationId xmlns:a16="http://schemas.microsoft.com/office/drawing/2014/main" xmlns="" id="{71315030-5208-4202-B201-ADE81AEE555E}"/>
                 </a:ext>
               </a:extLst>
             </p:cNvPr>
@@ -12094,7 +12100,7 @@
             <p:cNvPr id="9" name="직선 연결선 8">
               <a:extLst>
                 <a:ext uri="{FF2B5EF4-FFF2-40B4-BE49-F238E27FC236}">
-                  <a16:creationId xmlns:a16="http://schemas.microsoft.com/office/drawing/2014/main" id="{8B122B20-A7DE-4A9E-AA95-6780C5947EDD}"/>
+                  <a16:creationId xmlns:a16="http://schemas.microsoft.com/office/drawing/2014/main" xmlns="" id="{8B122B20-A7DE-4A9E-AA95-6780C5947EDD}"/>
                 </a:ext>
               </a:extLst>
             </p:cNvPr>
@@ -12137,7 +12143,7 @@
             <p:cNvPr id="10" name="직선 연결선 9">
               <a:extLst>
                 <a:ext uri="{FF2B5EF4-FFF2-40B4-BE49-F238E27FC236}">
-                  <a16:creationId xmlns:a16="http://schemas.microsoft.com/office/drawing/2014/main" id="{86EF55BD-B777-493A-BBDB-259E735A4100}"/>
+                  <a16:creationId xmlns:a16="http://schemas.microsoft.com/office/drawing/2014/main" xmlns="" id="{86EF55BD-B777-493A-BBDB-259E735A4100}"/>
                 </a:ext>
               </a:extLst>
             </p:cNvPr>
@@ -12180,7 +12186,7 @@
             <p:cNvPr id="11" name="직선 연결선 10">
               <a:extLst>
                 <a:ext uri="{FF2B5EF4-FFF2-40B4-BE49-F238E27FC236}">
-                  <a16:creationId xmlns:a16="http://schemas.microsoft.com/office/drawing/2014/main" id="{19D5E69E-45ED-44A6-A339-3495C05F8511}"/>
+                  <a16:creationId xmlns:a16="http://schemas.microsoft.com/office/drawing/2014/main" xmlns="" id="{19D5E69E-45ED-44A6-A339-3495C05F8511}"/>
                 </a:ext>
               </a:extLst>
             </p:cNvPr>
@@ -12224,7 +12230,7 @@
           <p:cNvPr id="22" name="그림 21">
             <a:extLst>
               <a:ext uri="{FF2B5EF4-FFF2-40B4-BE49-F238E27FC236}">
-                <a16:creationId xmlns:a16="http://schemas.microsoft.com/office/drawing/2014/main" id="{5EF7CBF0-95CD-49D7-8760-8368475BA7A3}"/>
+                <a16:creationId xmlns:a16="http://schemas.microsoft.com/office/drawing/2014/main" xmlns="" id="{5EF7CBF0-95CD-49D7-8760-8368475BA7A3}"/>
               </a:ext>
             </a:extLst>
           </p:cNvPr>
@@ -12266,7 +12272,7 @@
           <p:cNvPr id="23" name="그림 22">
             <a:extLst>
               <a:ext uri="{FF2B5EF4-FFF2-40B4-BE49-F238E27FC236}">
-                <a16:creationId xmlns:a16="http://schemas.microsoft.com/office/drawing/2014/main" id="{181CACA3-E7B8-49D8-8813-82A66231E10C}"/>
+                <a16:creationId xmlns:a16="http://schemas.microsoft.com/office/drawing/2014/main" xmlns="" id="{181CACA3-E7B8-49D8-8813-82A66231E10C}"/>
               </a:ext>
             </a:extLst>
           </p:cNvPr>
@@ -12308,7 +12314,7 @@
           <p:cNvPr id="24" name="그룹 23">
             <a:extLst>
               <a:ext uri="{FF2B5EF4-FFF2-40B4-BE49-F238E27FC236}">
-                <a16:creationId xmlns:a16="http://schemas.microsoft.com/office/drawing/2014/main" id="{FA149245-415F-459B-A16E-42EA4311A36F}"/>
+                <a16:creationId xmlns:a16="http://schemas.microsoft.com/office/drawing/2014/main" xmlns="" id="{FA149245-415F-459B-A16E-42EA4311A36F}"/>
               </a:ext>
             </a:extLst>
           </p:cNvPr>
@@ -12328,7 +12334,7 @@
             <p:cNvPr id="25" name="직사각형 24">
               <a:extLst>
                 <a:ext uri="{FF2B5EF4-FFF2-40B4-BE49-F238E27FC236}">
-                  <a16:creationId xmlns:a16="http://schemas.microsoft.com/office/drawing/2014/main" id="{8F2CEA29-C8DE-4F8C-90CD-722F7312521E}"/>
+                  <a16:creationId xmlns:a16="http://schemas.microsoft.com/office/drawing/2014/main" xmlns="" id="{8F2CEA29-C8DE-4F8C-90CD-722F7312521E}"/>
                 </a:ext>
               </a:extLst>
             </p:cNvPr>
@@ -12382,7 +12388,7 @@
             <p:cNvPr id="26" name="타원 25">
               <a:extLst>
                 <a:ext uri="{FF2B5EF4-FFF2-40B4-BE49-F238E27FC236}">
-                  <a16:creationId xmlns:a16="http://schemas.microsoft.com/office/drawing/2014/main" id="{19330018-2632-41FA-92C3-41942160EEE4}"/>
+                  <a16:creationId xmlns:a16="http://schemas.microsoft.com/office/drawing/2014/main" xmlns="" id="{19330018-2632-41FA-92C3-41942160EEE4}"/>
                 </a:ext>
               </a:extLst>
             </p:cNvPr>
@@ -12436,7 +12442,7 @@
             <p:cNvPr id="27" name="오각형 3">
               <a:extLst>
                 <a:ext uri="{FF2B5EF4-FFF2-40B4-BE49-F238E27FC236}">
-                  <a16:creationId xmlns:a16="http://schemas.microsoft.com/office/drawing/2014/main" id="{1909466F-B91B-4395-8D6A-CABBA054525A}"/>
+                  <a16:creationId xmlns:a16="http://schemas.microsoft.com/office/drawing/2014/main" xmlns="" id="{1909466F-B91B-4395-8D6A-CABBA054525A}"/>
                 </a:ext>
               </a:extLst>
             </p:cNvPr>
@@ -12649,7 +12655,7 @@
             <p:cNvPr id="28" name="타원 27">
               <a:extLst>
                 <a:ext uri="{FF2B5EF4-FFF2-40B4-BE49-F238E27FC236}">
-                  <a16:creationId xmlns:a16="http://schemas.microsoft.com/office/drawing/2014/main" id="{4421844E-A636-409B-B4EB-C68A80727912}"/>
+                  <a16:creationId xmlns:a16="http://schemas.microsoft.com/office/drawing/2014/main" xmlns="" id="{4421844E-A636-409B-B4EB-C68A80727912}"/>
                 </a:ext>
               </a:extLst>
             </p:cNvPr>
@@ -12703,7 +12709,7 @@
             <p:cNvPr id="29" name="직선 연결선 28">
               <a:extLst>
                 <a:ext uri="{FF2B5EF4-FFF2-40B4-BE49-F238E27FC236}">
-                  <a16:creationId xmlns:a16="http://schemas.microsoft.com/office/drawing/2014/main" id="{864E7C06-B01C-4BC2-B499-3EC1FE1DB8DD}"/>
+                  <a16:creationId xmlns:a16="http://schemas.microsoft.com/office/drawing/2014/main" xmlns="" id="{864E7C06-B01C-4BC2-B499-3EC1FE1DB8DD}"/>
                 </a:ext>
               </a:extLst>
             </p:cNvPr>
@@ -12746,7 +12752,7 @@
             <p:cNvPr id="30" name="직선 연결선 29">
               <a:extLst>
                 <a:ext uri="{FF2B5EF4-FFF2-40B4-BE49-F238E27FC236}">
-                  <a16:creationId xmlns:a16="http://schemas.microsoft.com/office/drawing/2014/main" id="{ED5D296E-3978-4A3D-8B61-EEFAC555E31B}"/>
+                  <a16:creationId xmlns:a16="http://schemas.microsoft.com/office/drawing/2014/main" xmlns="" id="{ED5D296E-3978-4A3D-8B61-EEFAC555E31B}"/>
                 </a:ext>
               </a:extLst>
             </p:cNvPr>
@@ -12789,7 +12795,7 @@
             <p:cNvPr id="31" name="직선 연결선 30">
               <a:extLst>
                 <a:ext uri="{FF2B5EF4-FFF2-40B4-BE49-F238E27FC236}">
-                  <a16:creationId xmlns:a16="http://schemas.microsoft.com/office/drawing/2014/main" id="{CAA2F736-71CA-49B2-87BE-560182CA3D1B}"/>
+                  <a16:creationId xmlns:a16="http://schemas.microsoft.com/office/drawing/2014/main" xmlns="" id="{CAA2F736-71CA-49B2-87BE-560182CA3D1B}"/>
                 </a:ext>
               </a:extLst>
             </p:cNvPr>
@@ -12833,7 +12839,7 @@
           <p:cNvPr id="156" name="그룹 155">
             <a:extLst>
               <a:ext uri="{FF2B5EF4-FFF2-40B4-BE49-F238E27FC236}">
-                <a16:creationId xmlns:a16="http://schemas.microsoft.com/office/drawing/2014/main" id="{D1195BD5-DB5B-442C-B645-14FC239DA706}"/>
+                <a16:creationId xmlns:a16="http://schemas.microsoft.com/office/drawing/2014/main" xmlns="" id="{D1195BD5-DB5B-442C-B645-14FC239DA706}"/>
               </a:ext>
             </a:extLst>
           </p:cNvPr>
@@ -12853,7 +12859,7 @@
             <p:cNvPr id="154" name="타원 153">
               <a:extLst>
                 <a:ext uri="{FF2B5EF4-FFF2-40B4-BE49-F238E27FC236}">
-                  <a16:creationId xmlns:a16="http://schemas.microsoft.com/office/drawing/2014/main" id="{5DC025F5-F6AE-45D3-91E1-F2BFA6AA2FB0}"/>
+                  <a16:creationId xmlns:a16="http://schemas.microsoft.com/office/drawing/2014/main" xmlns="" id="{5DC025F5-F6AE-45D3-91E1-F2BFA6AA2FB0}"/>
                 </a:ext>
               </a:extLst>
             </p:cNvPr>
@@ -12905,7 +12911,7 @@
             <p:cNvPr id="134" name="그림 133">
               <a:extLst>
                 <a:ext uri="{FF2B5EF4-FFF2-40B4-BE49-F238E27FC236}">
-                  <a16:creationId xmlns:a16="http://schemas.microsoft.com/office/drawing/2014/main" id="{F79FC7EC-FD80-414A-B0FC-365E4FC86A9C}"/>
+                  <a16:creationId xmlns:a16="http://schemas.microsoft.com/office/drawing/2014/main" xmlns="" id="{F79FC7EC-FD80-414A-B0FC-365E4FC86A9C}"/>
                 </a:ext>
               </a:extLst>
             </p:cNvPr>
@@ -12947,7 +12953,7 @@
             <p:cNvPr id="129" name="직선 연결선 128">
               <a:extLst>
                 <a:ext uri="{FF2B5EF4-FFF2-40B4-BE49-F238E27FC236}">
-                  <a16:creationId xmlns:a16="http://schemas.microsoft.com/office/drawing/2014/main" id="{7131089D-B04F-489F-BEBE-BCF148403CC1}"/>
+                  <a16:creationId xmlns:a16="http://schemas.microsoft.com/office/drawing/2014/main" xmlns="" id="{7131089D-B04F-489F-BEBE-BCF148403CC1}"/>
                 </a:ext>
               </a:extLst>
             </p:cNvPr>
@@ -12992,7 +12998,7 @@
             <p:cNvPr id="130" name="직선 연결선 129">
               <a:extLst>
                 <a:ext uri="{FF2B5EF4-FFF2-40B4-BE49-F238E27FC236}">
-                  <a16:creationId xmlns:a16="http://schemas.microsoft.com/office/drawing/2014/main" id="{CA460D10-24B0-4AEA-8F69-DCB60285C5BB}"/>
+                  <a16:creationId xmlns:a16="http://schemas.microsoft.com/office/drawing/2014/main" xmlns="" id="{CA460D10-24B0-4AEA-8F69-DCB60285C5BB}"/>
                 </a:ext>
               </a:extLst>
             </p:cNvPr>
@@ -13037,7 +13043,7 @@
             <p:cNvPr id="131" name="직선 연결선 130">
               <a:extLst>
                 <a:ext uri="{FF2B5EF4-FFF2-40B4-BE49-F238E27FC236}">
-                  <a16:creationId xmlns:a16="http://schemas.microsoft.com/office/drawing/2014/main" id="{6DB7EABE-BA49-4EF4-BB30-DB0659F1051D}"/>
+                  <a16:creationId xmlns:a16="http://schemas.microsoft.com/office/drawing/2014/main" xmlns="" id="{6DB7EABE-BA49-4EF4-BB30-DB0659F1051D}"/>
                 </a:ext>
               </a:extLst>
             </p:cNvPr>
@@ -13081,7 +13087,7 @@
             <p:cNvPr id="132" name="타원 131">
               <a:extLst>
                 <a:ext uri="{FF2B5EF4-FFF2-40B4-BE49-F238E27FC236}">
-                  <a16:creationId xmlns:a16="http://schemas.microsoft.com/office/drawing/2014/main" id="{C2D5B8F6-F999-4171-8803-0D9EFB3EAEE7}"/>
+                  <a16:creationId xmlns:a16="http://schemas.microsoft.com/office/drawing/2014/main" xmlns="" id="{C2D5B8F6-F999-4171-8803-0D9EFB3EAEE7}"/>
                 </a:ext>
               </a:extLst>
             </p:cNvPr>
@@ -13133,7 +13139,7 @@
             <p:cNvPr id="133" name="직선 연결선 132">
               <a:extLst>
                 <a:ext uri="{FF2B5EF4-FFF2-40B4-BE49-F238E27FC236}">
-                  <a16:creationId xmlns:a16="http://schemas.microsoft.com/office/drawing/2014/main" id="{B482634D-F67B-45B5-B456-84304DEFF3B1}"/>
+                  <a16:creationId xmlns:a16="http://schemas.microsoft.com/office/drawing/2014/main" xmlns="" id="{B482634D-F67B-45B5-B456-84304DEFF3B1}"/>
                 </a:ext>
               </a:extLst>
             </p:cNvPr>
@@ -13177,7 +13183,7 @@
             <p:cNvPr id="135" name="그림 134">
               <a:extLst>
                 <a:ext uri="{FF2B5EF4-FFF2-40B4-BE49-F238E27FC236}">
-                  <a16:creationId xmlns:a16="http://schemas.microsoft.com/office/drawing/2014/main" id="{48C8E98E-0473-49C8-A838-023D75DE1ED6}"/>
+                  <a16:creationId xmlns:a16="http://schemas.microsoft.com/office/drawing/2014/main" xmlns="" id="{48C8E98E-0473-49C8-A838-023D75DE1ED6}"/>
                 </a:ext>
               </a:extLst>
             </p:cNvPr>
@@ -13219,7 +13225,7 @@
             <p:cNvPr id="136" name="그룹 135">
               <a:extLst>
                 <a:ext uri="{FF2B5EF4-FFF2-40B4-BE49-F238E27FC236}">
-                  <a16:creationId xmlns:a16="http://schemas.microsoft.com/office/drawing/2014/main" id="{24AC22EE-D34E-44BB-A6C2-9B55B92225FE}"/>
+                  <a16:creationId xmlns:a16="http://schemas.microsoft.com/office/drawing/2014/main" xmlns="" id="{24AC22EE-D34E-44BB-A6C2-9B55B92225FE}"/>
                 </a:ext>
               </a:extLst>
             </p:cNvPr>
@@ -13239,7 +13245,7 @@
               <p:cNvPr id="137" name="직사각형 136">
                 <a:extLst>
                   <a:ext uri="{FF2B5EF4-FFF2-40B4-BE49-F238E27FC236}">
-                    <a16:creationId xmlns:a16="http://schemas.microsoft.com/office/drawing/2014/main" id="{F5A105BF-5FD5-4038-BEFC-3042C79807A9}"/>
+                    <a16:creationId xmlns:a16="http://schemas.microsoft.com/office/drawing/2014/main" xmlns="" id="{F5A105BF-5FD5-4038-BEFC-3042C79807A9}"/>
                   </a:ext>
                 </a:extLst>
               </p:cNvPr>
@@ -13293,7 +13299,7 @@
               <p:cNvPr id="138" name="타원 137">
                 <a:extLst>
                   <a:ext uri="{FF2B5EF4-FFF2-40B4-BE49-F238E27FC236}">
-                    <a16:creationId xmlns:a16="http://schemas.microsoft.com/office/drawing/2014/main" id="{9C7FF7BA-B451-4733-8FA1-98279CF48D6E}"/>
+                    <a16:creationId xmlns:a16="http://schemas.microsoft.com/office/drawing/2014/main" xmlns="" id="{9C7FF7BA-B451-4733-8FA1-98279CF48D6E}"/>
                   </a:ext>
                 </a:extLst>
               </p:cNvPr>
@@ -13347,7 +13353,7 @@
               <p:cNvPr id="139" name="오각형 3">
                 <a:extLst>
                   <a:ext uri="{FF2B5EF4-FFF2-40B4-BE49-F238E27FC236}">
-                    <a16:creationId xmlns:a16="http://schemas.microsoft.com/office/drawing/2014/main" id="{D27A104D-66D8-425F-BD78-0159D12A0AF9}"/>
+                    <a16:creationId xmlns:a16="http://schemas.microsoft.com/office/drawing/2014/main" xmlns="" id="{D27A104D-66D8-425F-BD78-0159D12A0AF9}"/>
                   </a:ext>
                 </a:extLst>
               </p:cNvPr>
@@ -13560,7 +13566,7 @@
               <p:cNvPr id="140" name="타원 139">
                 <a:extLst>
                   <a:ext uri="{FF2B5EF4-FFF2-40B4-BE49-F238E27FC236}">
-                    <a16:creationId xmlns:a16="http://schemas.microsoft.com/office/drawing/2014/main" id="{90FDC1DF-64DA-4BC9-BACC-5D7180FA7340}"/>
+                    <a16:creationId xmlns:a16="http://schemas.microsoft.com/office/drawing/2014/main" xmlns="" id="{90FDC1DF-64DA-4BC9-BACC-5D7180FA7340}"/>
                   </a:ext>
                 </a:extLst>
               </p:cNvPr>
@@ -13614,7 +13620,7 @@
               <p:cNvPr id="141" name="직선 연결선 140">
                 <a:extLst>
                   <a:ext uri="{FF2B5EF4-FFF2-40B4-BE49-F238E27FC236}">
-                    <a16:creationId xmlns:a16="http://schemas.microsoft.com/office/drawing/2014/main" id="{CE4D6695-3078-45D3-897E-DD2049378A06}"/>
+                    <a16:creationId xmlns:a16="http://schemas.microsoft.com/office/drawing/2014/main" xmlns="" id="{CE4D6695-3078-45D3-897E-DD2049378A06}"/>
                   </a:ext>
                 </a:extLst>
               </p:cNvPr>
@@ -13657,7 +13663,7 @@
               <p:cNvPr id="142" name="직선 연결선 141">
                 <a:extLst>
                   <a:ext uri="{FF2B5EF4-FFF2-40B4-BE49-F238E27FC236}">
-                    <a16:creationId xmlns:a16="http://schemas.microsoft.com/office/drawing/2014/main" id="{E964ED45-0A95-44E3-ADCB-8EC12E960BB7}"/>
+                    <a16:creationId xmlns:a16="http://schemas.microsoft.com/office/drawing/2014/main" xmlns="" id="{E964ED45-0A95-44E3-ADCB-8EC12E960BB7}"/>
                   </a:ext>
                 </a:extLst>
               </p:cNvPr>
@@ -13700,7 +13706,7 @@
               <p:cNvPr id="143" name="직선 연결선 142">
                 <a:extLst>
                   <a:ext uri="{FF2B5EF4-FFF2-40B4-BE49-F238E27FC236}">
-                    <a16:creationId xmlns:a16="http://schemas.microsoft.com/office/drawing/2014/main" id="{A09C7138-27F7-4809-BE46-67F2F21BA6F3}"/>
+                    <a16:creationId xmlns:a16="http://schemas.microsoft.com/office/drawing/2014/main" xmlns="" id="{A09C7138-27F7-4809-BE46-67F2F21BA6F3}"/>
                   </a:ext>
                 </a:extLst>
               </p:cNvPr>
@@ -13744,7 +13750,7 @@
             <p:cNvPr id="145" name="직선 연결선 144">
               <a:extLst>
                 <a:ext uri="{FF2B5EF4-FFF2-40B4-BE49-F238E27FC236}">
-                  <a16:creationId xmlns:a16="http://schemas.microsoft.com/office/drawing/2014/main" id="{234E6BEC-4A8F-42CB-AE3F-BBF38605C107}"/>
+                  <a16:creationId xmlns:a16="http://schemas.microsoft.com/office/drawing/2014/main" xmlns="" id="{234E6BEC-4A8F-42CB-AE3F-BBF38605C107}"/>
                 </a:ext>
               </a:extLst>
             </p:cNvPr>
@@ -13787,7 +13793,7 @@
             <p:cNvPr id="149" name="직선 연결선 148">
               <a:extLst>
                 <a:ext uri="{FF2B5EF4-FFF2-40B4-BE49-F238E27FC236}">
-                  <a16:creationId xmlns:a16="http://schemas.microsoft.com/office/drawing/2014/main" id="{36D996F4-B817-44CE-9685-C98A23EAD9E2}"/>
+                  <a16:creationId xmlns:a16="http://schemas.microsoft.com/office/drawing/2014/main" xmlns="" id="{36D996F4-B817-44CE-9685-C98A23EAD9E2}"/>
                 </a:ext>
               </a:extLst>
             </p:cNvPr>
@@ -13831,7 +13837,7 @@
           <p:cNvPr id="157" name="그룹 156">
             <a:extLst>
               <a:ext uri="{FF2B5EF4-FFF2-40B4-BE49-F238E27FC236}">
-                <a16:creationId xmlns:a16="http://schemas.microsoft.com/office/drawing/2014/main" id="{3C3D38B6-A7E9-4EAE-9EA9-A40848B7AE00}"/>
+                <a16:creationId xmlns:a16="http://schemas.microsoft.com/office/drawing/2014/main" xmlns="" id="{3C3D38B6-A7E9-4EAE-9EA9-A40848B7AE00}"/>
               </a:ext>
             </a:extLst>
           </p:cNvPr>
@@ -13851,7 +13857,7 @@
             <p:cNvPr id="158" name="타원 157">
               <a:extLst>
                 <a:ext uri="{FF2B5EF4-FFF2-40B4-BE49-F238E27FC236}">
-                  <a16:creationId xmlns:a16="http://schemas.microsoft.com/office/drawing/2014/main" id="{4193854E-07F8-4B67-B4C9-1D512421EC5A}"/>
+                  <a16:creationId xmlns:a16="http://schemas.microsoft.com/office/drawing/2014/main" xmlns="" id="{4193854E-07F8-4B67-B4C9-1D512421EC5A}"/>
                 </a:ext>
               </a:extLst>
             </p:cNvPr>
@@ -13903,7 +13909,7 @@
             <p:cNvPr id="159" name="그림 158">
               <a:extLst>
                 <a:ext uri="{FF2B5EF4-FFF2-40B4-BE49-F238E27FC236}">
-                  <a16:creationId xmlns:a16="http://schemas.microsoft.com/office/drawing/2014/main" id="{0F346681-C5DE-4F45-A1FB-05482993C6B5}"/>
+                  <a16:creationId xmlns:a16="http://schemas.microsoft.com/office/drawing/2014/main" xmlns="" id="{0F346681-C5DE-4F45-A1FB-05482993C6B5}"/>
                 </a:ext>
               </a:extLst>
             </p:cNvPr>
@@ -13945,7 +13951,7 @@
             <p:cNvPr id="160" name="직선 연결선 159">
               <a:extLst>
                 <a:ext uri="{FF2B5EF4-FFF2-40B4-BE49-F238E27FC236}">
-                  <a16:creationId xmlns:a16="http://schemas.microsoft.com/office/drawing/2014/main" id="{3A04E75E-C99F-4083-BFD3-E35D207CD8AC}"/>
+                  <a16:creationId xmlns:a16="http://schemas.microsoft.com/office/drawing/2014/main" xmlns="" id="{3A04E75E-C99F-4083-BFD3-E35D207CD8AC}"/>
                 </a:ext>
               </a:extLst>
             </p:cNvPr>
@@ -13990,7 +13996,7 @@
             <p:cNvPr id="161" name="직선 연결선 160">
               <a:extLst>
                 <a:ext uri="{FF2B5EF4-FFF2-40B4-BE49-F238E27FC236}">
-                  <a16:creationId xmlns:a16="http://schemas.microsoft.com/office/drawing/2014/main" id="{278AA3DA-DB13-4CC2-8932-EA9D418FBD63}"/>
+                  <a16:creationId xmlns:a16="http://schemas.microsoft.com/office/drawing/2014/main" xmlns="" id="{278AA3DA-DB13-4CC2-8932-EA9D418FBD63}"/>
                 </a:ext>
               </a:extLst>
             </p:cNvPr>
@@ -14035,7 +14041,7 @@
             <p:cNvPr id="162" name="직선 연결선 161">
               <a:extLst>
                 <a:ext uri="{FF2B5EF4-FFF2-40B4-BE49-F238E27FC236}">
-                  <a16:creationId xmlns:a16="http://schemas.microsoft.com/office/drawing/2014/main" id="{90F96C09-06FA-4CC4-A912-56583A771E04}"/>
+                  <a16:creationId xmlns:a16="http://schemas.microsoft.com/office/drawing/2014/main" xmlns="" id="{90F96C09-06FA-4CC4-A912-56583A771E04}"/>
                 </a:ext>
               </a:extLst>
             </p:cNvPr>
@@ -14079,7 +14085,7 @@
             <p:cNvPr id="163" name="타원 162">
               <a:extLst>
                 <a:ext uri="{FF2B5EF4-FFF2-40B4-BE49-F238E27FC236}">
-                  <a16:creationId xmlns:a16="http://schemas.microsoft.com/office/drawing/2014/main" id="{312FE6F3-D9FB-4DB1-ACDA-157962F92822}"/>
+                  <a16:creationId xmlns:a16="http://schemas.microsoft.com/office/drawing/2014/main" xmlns="" id="{312FE6F3-D9FB-4DB1-ACDA-157962F92822}"/>
                 </a:ext>
               </a:extLst>
             </p:cNvPr>
@@ -14131,7 +14137,7 @@
             <p:cNvPr id="164" name="직선 연결선 163">
               <a:extLst>
                 <a:ext uri="{FF2B5EF4-FFF2-40B4-BE49-F238E27FC236}">
-                  <a16:creationId xmlns:a16="http://schemas.microsoft.com/office/drawing/2014/main" id="{FDBA1D22-EE00-45CE-9E9A-35B345E9F401}"/>
+                  <a16:creationId xmlns:a16="http://schemas.microsoft.com/office/drawing/2014/main" xmlns="" id="{FDBA1D22-EE00-45CE-9E9A-35B345E9F401}"/>
                 </a:ext>
               </a:extLst>
             </p:cNvPr>
@@ -14175,7 +14181,7 @@
             <p:cNvPr id="165" name="그림 164">
               <a:extLst>
                 <a:ext uri="{FF2B5EF4-FFF2-40B4-BE49-F238E27FC236}">
-                  <a16:creationId xmlns:a16="http://schemas.microsoft.com/office/drawing/2014/main" id="{86A4D6E1-9541-4E66-BB7B-4EA494A01F8A}"/>
+                  <a16:creationId xmlns:a16="http://schemas.microsoft.com/office/drawing/2014/main" xmlns="" id="{86A4D6E1-9541-4E66-BB7B-4EA494A01F8A}"/>
                 </a:ext>
               </a:extLst>
             </p:cNvPr>
@@ -14217,7 +14223,7 @@
             <p:cNvPr id="166" name="그룹 165">
               <a:extLst>
                 <a:ext uri="{FF2B5EF4-FFF2-40B4-BE49-F238E27FC236}">
-                  <a16:creationId xmlns:a16="http://schemas.microsoft.com/office/drawing/2014/main" id="{39F180EC-A1B4-465E-852B-AFFB2DCB9AD3}"/>
+                  <a16:creationId xmlns:a16="http://schemas.microsoft.com/office/drawing/2014/main" xmlns="" id="{39F180EC-A1B4-465E-852B-AFFB2DCB9AD3}"/>
                 </a:ext>
               </a:extLst>
             </p:cNvPr>
@@ -14237,7 +14243,7 @@
               <p:cNvPr id="169" name="직사각형 168">
                 <a:extLst>
                   <a:ext uri="{FF2B5EF4-FFF2-40B4-BE49-F238E27FC236}">
-                    <a16:creationId xmlns:a16="http://schemas.microsoft.com/office/drawing/2014/main" id="{DC66CF24-85C5-41FF-A252-CD05B25E8A60}"/>
+                    <a16:creationId xmlns:a16="http://schemas.microsoft.com/office/drawing/2014/main" xmlns="" id="{DC66CF24-85C5-41FF-A252-CD05B25E8A60}"/>
                   </a:ext>
                 </a:extLst>
               </p:cNvPr>
@@ -14291,7 +14297,7 @@
               <p:cNvPr id="170" name="타원 169">
                 <a:extLst>
                   <a:ext uri="{FF2B5EF4-FFF2-40B4-BE49-F238E27FC236}">
-                    <a16:creationId xmlns:a16="http://schemas.microsoft.com/office/drawing/2014/main" id="{A0F25002-B919-4F1A-A727-703F1B152EBA}"/>
+                    <a16:creationId xmlns:a16="http://schemas.microsoft.com/office/drawing/2014/main" xmlns="" id="{A0F25002-B919-4F1A-A727-703F1B152EBA}"/>
                   </a:ext>
                 </a:extLst>
               </p:cNvPr>
@@ -14345,7 +14351,7 @@
               <p:cNvPr id="171" name="오각형 3">
                 <a:extLst>
                   <a:ext uri="{FF2B5EF4-FFF2-40B4-BE49-F238E27FC236}">
-                    <a16:creationId xmlns:a16="http://schemas.microsoft.com/office/drawing/2014/main" id="{7453D111-879B-4199-84B7-CD1FA42660D8}"/>
+                    <a16:creationId xmlns:a16="http://schemas.microsoft.com/office/drawing/2014/main" xmlns="" id="{7453D111-879B-4199-84B7-CD1FA42660D8}"/>
                   </a:ext>
                 </a:extLst>
               </p:cNvPr>
@@ -14558,7 +14564,7 @@
               <p:cNvPr id="172" name="타원 171">
                 <a:extLst>
                   <a:ext uri="{FF2B5EF4-FFF2-40B4-BE49-F238E27FC236}">
-                    <a16:creationId xmlns:a16="http://schemas.microsoft.com/office/drawing/2014/main" id="{2FBDBF7A-7F9D-4BE4-B647-3B5013F2043B}"/>
+                    <a16:creationId xmlns:a16="http://schemas.microsoft.com/office/drawing/2014/main" xmlns="" id="{2FBDBF7A-7F9D-4BE4-B647-3B5013F2043B}"/>
                   </a:ext>
                 </a:extLst>
               </p:cNvPr>
@@ -14612,7 +14618,7 @@
               <p:cNvPr id="173" name="직선 연결선 172">
                 <a:extLst>
                   <a:ext uri="{FF2B5EF4-FFF2-40B4-BE49-F238E27FC236}">
-                    <a16:creationId xmlns:a16="http://schemas.microsoft.com/office/drawing/2014/main" id="{C6EA07E5-C655-4EF3-BFBE-727EA7DEF1B6}"/>
+                    <a16:creationId xmlns:a16="http://schemas.microsoft.com/office/drawing/2014/main" xmlns="" id="{C6EA07E5-C655-4EF3-BFBE-727EA7DEF1B6}"/>
                   </a:ext>
                 </a:extLst>
               </p:cNvPr>
@@ -14655,7 +14661,7 @@
               <p:cNvPr id="174" name="직선 연결선 173">
                 <a:extLst>
                   <a:ext uri="{FF2B5EF4-FFF2-40B4-BE49-F238E27FC236}">
-                    <a16:creationId xmlns:a16="http://schemas.microsoft.com/office/drawing/2014/main" id="{4EF2238F-62E9-4F23-A313-2A9E244FFADF}"/>
+                    <a16:creationId xmlns:a16="http://schemas.microsoft.com/office/drawing/2014/main" xmlns="" id="{4EF2238F-62E9-4F23-A313-2A9E244FFADF}"/>
                   </a:ext>
                 </a:extLst>
               </p:cNvPr>
@@ -14698,7 +14704,7 @@
               <p:cNvPr id="175" name="직선 연결선 174">
                 <a:extLst>
                   <a:ext uri="{FF2B5EF4-FFF2-40B4-BE49-F238E27FC236}">
-                    <a16:creationId xmlns:a16="http://schemas.microsoft.com/office/drawing/2014/main" id="{8DEC9408-D7FD-4AA6-B1A6-E2CDB1E76327}"/>
+                    <a16:creationId xmlns:a16="http://schemas.microsoft.com/office/drawing/2014/main" xmlns="" id="{8DEC9408-D7FD-4AA6-B1A6-E2CDB1E76327}"/>
                   </a:ext>
                 </a:extLst>
               </p:cNvPr>
@@ -14742,7 +14748,7 @@
             <p:cNvPr id="167" name="직선 연결선 166">
               <a:extLst>
                 <a:ext uri="{FF2B5EF4-FFF2-40B4-BE49-F238E27FC236}">
-                  <a16:creationId xmlns:a16="http://schemas.microsoft.com/office/drawing/2014/main" id="{4C01B616-2567-499B-AE60-11191E4628B5}"/>
+                  <a16:creationId xmlns:a16="http://schemas.microsoft.com/office/drawing/2014/main" xmlns="" id="{4C01B616-2567-499B-AE60-11191E4628B5}"/>
                 </a:ext>
               </a:extLst>
             </p:cNvPr>
@@ -14785,7 +14791,7 @@
             <p:cNvPr id="168" name="직선 연결선 167">
               <a:extLst>
                 <a:ext uri="{FF2B5EF4-FFF2-40B4-BE49-F238E27FC236}">
-                  <a16:creationId xmlns:a16="http://schemas.microsoft.com/office/drawing/2014/main" id="{90A069D3-6238-490D-B870-43F3D44DB440}"/>
+                  <a16:creationId xmlns:a16="http://schemas.microsoft.com/office/drawing/2014/main" xmlns="" id="{90A069D3-6238-490D-B870-43F3D44DB440}"/>
                 </a:ext>
               </a:extLst>
             </p:cNvPr>
@@ -14824,10 +14830,3245 @@
           </p:style>
         </p:cxnSp>
       </p:grpSp>
+      <p:pic>
+        <p:nvPicPr>
+          <p:cNvPr id="12" name="그림 11"/>
+          <p:cNvPicPr>
+            <a:picLocks noChangeAspect="1"/>
+          </p:cNvPicPr>
+          <p:nvPr/>
+        </p:nvPicPr>
+        <p:blipFill>
+          <a:blip r:embed="rId4"/>
+          <a:stretch>
+            <a:fillRect/>
+          </a:stretch>
+        </p:blipFill>
+        <p:spPr>
+          <a:xfrm>
+            <a:off x="3548062" y="2457450"/>
+            <a:ext cx="5095875" cy="1943100"/>
+          </a:xfrm>
+          <a:prstGeom prst="rect">
+            <a:avLst/>
+          </a:prstGeom>
+        </p:spPr>
+      </p:pic>
     </p:spTree>
     <p:extLst>
       <p:ext uri="{BB962C8B-B14F-4D97-AF65-F5344CB8AC3E}">
         <p14:creationId xmlns:p14="http://schemas.microsoft.com/office/powerpoint/2010/main" val="3091035464"/>
+      </p:ext>
+    </p:extLst>
+  </p:cSld>
+  <p:clrMapOvr>
+    <a:masterClrMapping/>
+  </p:clrMapOvr>
+</p:sld>
+</file>
+
+<file path=ppt/slides/slide9.xml><?xml version="1.0" encoding="utf-8"?>
+<p:sld xmlns:a="http://schemas.openxmlformats.org/drawingml/2006/main" xmlns:r="http://schemas.openxmlformats.org/officeDocument/2006/relationships" xmlns:p="http://schemas.openxmlformats.org/presentationml/2006/main">
+  <p:cSld>
+    <p:spTree>
+      <p:nvGrpSpPr>
+        <p:cNvPr id="1" name=""/>
+        <p:cNvGrpSpPr/>
+        <p:nvPr/>
+      </p:nvGrpSpPr>
+      <p:grpSpPr>
+        <a:xfrm>
+          <a:off x="0" y="0"/>
+          <a:ext cx="0" cy="0"/>
+          <a:chOff x="0" y="0"/>
+          <a:chExt cx="0" cy="0"/>
+        </a:xfrm>
+      </p:grpSpPr>
+      <p:pic>
+        <p:nvPicPr>
+          <p:cNvPr id="13" name="그림 12"/>
+          <p:cNvPicPr>
+            <a:picLocks noChangeAspect="1"/>
+          </p:cNvPicPr>
+          <p:nvPr/>
+        </p:nvPicPr>
+        <p:blipFill>
+          <a:blip r:embed="rId2"/>
+          <a:stretch>
+            <a:fillRect/>
+          </a:stretch>
+        </p:blipFill>
+        <p:spPr>
+          <a:xfrm>
+            <a:off x="-16309" y="2573073"/>
+            <a:ext cx="3686175" cy="1390650"/>
+          </a:xfrm>
+          <a:prstGeom prst="rect">
+            <a:avLst/>
+          </a:prstGeom>
+        </p:spPr>
+      </p:pic>
+      <p:grpSp>
+        <p:nvGrpSpPr>
+          <p:cNvPr id="157" name="그룹 156">
+            <a:extLst>
+              <a:ext uri="{FF2B5EF4-FFF2-40B4-BE49-F238E27FC236}">
+                <a16:creationId xmlns:a16="http://schemas.microsoft.com/office/drawing/2014/main" xmlns="" id="{3C3D38B6-A7E9-4EAE-9EA9-A40848B7AE00}"/>
+              </a:ext>
+            </a:extLst>
+          </p:cNvPr>
+          <p:cNvGrpSpPr/>
+          <p:nvPr/>
+        </p:nvGrpSpPr>
+        <p:grpSpPr>
+          <a:xfrm>
+            <a:off x="530577" y="0"/>
+            <a:ext cx="2537483" cy="3115702"/>
+            <a:chOff x="8249238" y="2884077"/>
+            <a:chExt cx="2537483" cy="3115702"/>
+          </a:xfrm>
+          <a:scene3d>
+            <a:camera prst="perspectiveHeroicExtremeRightFacing"/>
+            <a:lightRig rig="threePt" dir="t"/>
+          </a:scene3d>
+        </p:grpSpPr>
+        <p:sp>
+          <p:nvSpPr>
+            <p:cNvPr id="158" name="타원 157">
+              <a:extLst>
+                <a:ext uri="{FF2B5EF4-FFF2-40B4-BE49-F238E27FC236}">
+                  <a16:creationId xmlns:a16="http://schemas.microsoft.com/office/drawing/2014/main" xmlns="" id="{4193854E-07F8-4B67-B4C9-1D512421EC5A}"/>
+                </a:ext>
+              </a:extLst>
+            </p:cNvPr>
+            <p:cNvSpPr/>
+            <p:nvPr/>
+          </p:nvSpPr>
+          <p:spPr>
+            <a:xfrm>
+              <a:off x="8249238" y="3159105"/>
+              <a:ext cx="2537483" cy="2537483"/>
+            </a:xfrm>
+            <a:prstGeom prst="ellipse">
+              <a:avLst/>
+            </a:prstGeom>
+            <a:noFill/>
+            <a:ln w="57150">
+              <a:solidFill>
+                <a:schemeClr val="tx1"/>
+              </a:solidFill>
+            </a:ln>
+            <a:sp3d>
+              <a:bevelT prst="relaxedInset"/>
+            </a:sp3d>
+          </p:spPr>
+          <p:style>
+            <a:lnRef idx="2">
+              <a:schemeClr val="accent1">
+                <a:shade val="50000"/>
+              </a:schemeClr>
+            </a:lnRef>
+            <a:fillRef idx="1">
+              <a:schemeClr val="accent1"/>
+            </a:fillRef>
+            <a:effectRef idx="0">
+              <a:schemeClr val="accent1"/>
+            </a:effectRef>
+            <a:fontRef idx="minor">
+              <a:schemeClr val="lt1"/>
+            </a:fontRef>
+          </p:style>
+          <p:txBody>
+            <a:bodyPr rtlCol="0" anchor="ctr"/>
+            <a:lstStyle/>
+            <a:p>
+              <a:pPr algn="ctr"/>
+              <a:endParaRPr lang="ko-KR" altLang="en-US" dirty="0">
+                <a:effectLst>
+                  <a:outerShdw blurRad="38100" dist="38100" dir="2700000" algn="tl">
+                    <a:srgbClr val="000000">
+                      <a:alpha val="43137"/>
+                    </a:srgbClr>
+                  </a:outerShdw>
+                </a:effectLst>
+              </a:endParaRPr>
+            </a:p>
+          </p:txBody>
+        </p:sp>
+        <p:pic>
+          <p:nvPicPr>
+            <p:cNvPr id="159" name="그림 158">
+              <a:extLst>
+                <a:ext uri="{FF2B5EF4-FFF2-40B4-BE49-F238E27FC236}">
+                  <a16:creationId xmlns:a16="http://schemas.microsoft.com/office/drawing/2014/main" xmlns="" id="{0F346681-C5DE-4F45-A1FB-05482993C6B5}"/>
+                </a:ext>
+              </a:extLst>
+            </p:cNvPr>
+            <p:cNvPicPr>
+              <a:picLocks noChangeAspect="1"/>
+            </p:cNvPicPr>
+            <p:nvPr/>
+          </p:nvPicPr>
+          <p:blipFill>
+            <a:blip r:embed="rId3">
+              <a:extLst>
+                <a:ext uri="{BEBA8EAE-BF5A-486C-A8C5-ECC9F3942E4B}">
+                  <a14:imgProps xmlns:a14="http://schemas.microsoft.com/office/drawing/2010/main">
+                    <a14:imgLayer r:embed="rId4">
+                      <a14:imgEffect>
+                        <a14:backgroundRemoval t="0" b="100000" l="0" r="100000"/>
+                      </a14:imgEffect>
+                    </a14:imgLayer>
+                  </a14:imgProps>
+                </a:ext>
+              </a:extLst>
+            </a:blip>
+            <a:stretch>
+              <a:fillRect/>
+            </a:stretch>
+          </p:blipFill>
+          <p:spPr>
+            <a:xfrm rot="277598" flipH="1" flipV="1">
+              <a:off x="8335896" y="3953434"/>
+              <a:ext cx="1187135" cy="1378743"/>
+            </a:xfrm>
+            <a:prstGeom prst="rect">
+              <a:avLst/>
+            </a:prstGeom>
+            <a:sp3d>
+              <a:bevelT prst="relaxedInset"/>
+            </a:sp3d>
+          </p:spPr>
+        </p:pic>
+        <p:cxnSp>
+          <p:nvCxnSpPr>
+            <p:cNvPr id="160" name="직선 연결선 159">
+              <a:extLst>
+                <a:ext uri="{FF2B5EF4-FFF2-40B4-BE49-F238E27FC236}">
+                  <a16:creationId xmlns:a16="http://schemas.microsoft.com/office/drawing/2014/main" xmlns="" id="{3A04E75E-C99F-4083-BFD3-E35D207CD8AC}"/>
+                </a:ext>
+              </a:extLst>
+            </p:cNvPr>
+            <p:cNvCxnSpPr>
+              <a:cxnSpLocks/>
+              <a:stCxn id="163" idx="0"/>
+              <a:endCxn id="163" idx="4"/>
+            </p:cNvCxnSpPr>
+            <p:nvPr/>
+          </p:nvCxnSpPr>
+          <p:spPr>
+            <a:xfrm>
+              <a:off x="9517980" y="3297117"/>
+              <a:ext cx="0" cy="2261460"/>
+            </a:xfrm>
+            <a:prstGeom prst="line">
+              <a:avLst/>
+            </a:prstGeom>
+            <a:ln w="57150">
+              <a:solidFill>
+                <a:schemeClr val="tx1"/>
+              </a:solidFill>
+            </a:ln>
+            <a:sp3d>
+              <a:bevelT prst="relaxedInset"/>
+            </a:sp3d>
+          </p:spPr>
+          <p:style>
+            <a:lnRef idx="1">
+              <a:schemeClr val="accent1"/>
+            </a:lnRef>
+            <a:fillRef idx="0">
+              <a:schemeClr val="accent1"/>
+            </a:fillRef>
+            <a:effectRef idx="0">
+              <a:schemeClr val="accent1"/>
+            </a:effectRef>
+            <a:fontRef idx="minor">
+              <a:schemeClr val="tx1"/>
+            </a:fontRef>
+          </p:style>
+        </p:cxnSp>
+        <p:cxnSp>
+          <p:nvCxnSpPr>
+            <p:cNvPr id="161" name="직선 연결선 160">
+              <a:extLst>
+                <a:ext uri="{FF2B5EF4-FFF2-40B4-BE49-F238E27FC236}">
+                  <a16:creationId xmlns:a16="http://schemas.microsoft.com/office/drawing/2014/main" xmlns="" id="{278AA3DA-DB13-4CC2-8932-EA9D418FBD63}"/>
+                </a:ext>
+              </a:extLst>
+            </p:cNvPr>
+            <p:cNvCxnSpPr>
+              <a:cxnSpLocks/>
+              <a:stCxn id="163" idx="1"/>
+              <a:endCxn id="163" idx="5"/>
+            </p:cNvCxnSpPr>
+            <p:nvPr/>
+          </p:nvCxnSpPr>
+          <p:spPr>
+            <a:xfrm>
+              <a:off x="8718433" y="3628300"/>
+              <a:ext cx="1599094" cy="1599094"/>
+            </a:xfrm>
+            <a:prstGeom prst="line">
+              <a:avLst/>
+            </a:prstGeom>
+            <a:ln w="57150">
+              <a:solidFill>
+                <a:schemeClr val="tx1"/>
+              </a:solidFill>
+            </a:ln>
+            <a:sp3d>
+              <a:bevelT prst="relaxedInset"/>
+            </a:sp3d>
+          </p:spPr>
+          <p:style>
+            <a:lnRef idx="1">
+              <a:schemeClr val="accent1"/>
+            </a:lnRef>
+            <a:fillRef idx="0">
+              <a:schemeClr val="accent1"/>
+            </a:fillRef>
+            <a:effectRef idx="0">
+              <a:schemeClr val="accent1"/>
+            </a:effectRef>
+            <a:fontRef idx="minor">
+              <a:schemeClr val="tx1"/>
+            </a:fontRef>
+          </p:style>
+        </p:cxnSp>
+        <p:cxnSp>
+          <p:nvCxnSpPr>
+            <p:cNvPr id="162" name="직선 연결선 161">
+              <a:extLst>
+                <a:ext uri="{FF2B5EF4-FFF2-40B4-BE49-F238E27FC236}">
+                  <a16:creationId xmlns:a16="http://schemas.microsoft.com/office/drawing/2014/main" xmlns="" id="{90F96C09-06FA-4CC4-A912-56583A771E04}"/>
+                </a:ext>
+              </a:extLst>
+            </p:cNvPr>
+            <p:cNvCxnSpPr>
+              <a:cxnSpLocks/>
+              <a:endCxn id="163" idx="7"/>
+            </p:cNvCxnSpPr>
+            <p:nvPr/>
+          </p:nvCxnSpPr>
+          <p:spPr>
+            <a:xfrm flipV="1">
+              <a:off x="10118407" y="3628300"/>
+              <a:ext cx="199120" cy="199120"/>
+            </a:xfrm>
+            <a:prstGeom prst="line">
+              <a:avLst/>
+            </a:prstGeom>
+            <a:ln w="57150">
+              <a:solidFill>
+                <a:schemeClr val="tx1"/>
+              </a:solidFill>
+            </a:ln>
+            <a:sp3d>
+              <a:bevelT prst="relaxedInset"/>
+            </a:sp3d>
+          </p:spPr>
+          <p:style>
+            <a:lnRef idx="1">
+              <a:schemeClr val="accent1"/>
+            </a:lnRef>
+            <a:fillRef idx="0">
+              <a:schemeClr val="accent1"/>
+            </a:fillRef>
+            <a:effectRef idx="0">
+              <a:schemeClr val="accent1"/>
+            </a:effectRef>
+            <a:fontRef idx="minor">
+              <a:schemeClr val="tx1"/>
+            </a:fontRef>
+          </p:style>
+        </p:cxnSp>
+        <p:sp>
+          <p:nvSpPr>
+            <p:cNvPr id="163" name="타원 162">
+              <a:extLst>
+                <a:ext uri="{FF2B5EF4-FFF2-40B4-BE49-F238E27FC236}">
+                  <a16:creationId xmlns:a16="http://schemas.microsoft.com/office/drawing/2014/main" xmlns="" id="{312FE6F3-D9FB-4DB1-ACDA-157962F92822}"/>
+                </a:ext>
+              </a:extLst>
+            </p:cNvPr>
+            <p:cNvSpPr/>
+            <p:nvPr/>
+          </p:nvSpPr>
+          <p:spPr>
+            <a:xfrm>
+              <a:off x="8387250" y="3297117"/>
+              <a:ext cx="2261460" cy="2261460"/>
+            </a:xfrm>
+            <a:prstGeom prst="ellipse">
+              <a:avLst/>
+            </a:prstGeom>
+            <a:noFill/>
+            <a:ln w="57150">
+              <a:solidFill>
+                <a:schemeClr val="tx1"/>
+              </a:solidFill>
+            </a:ln>
+            <a:sp3d>
+              <a:bevelT prst="relaxedInset"/>
+            </a:sp3d>
+          </p:spPr>
+          <p:style>
+            <a:lnRef idx="2">
+              <a:schemeClr val="accent1">
+                <a:shade val="50000"/>
+              </a:schemeClr>
+            </a:lnRef>
+            <a:fillRef idx="1">
+              <a:schemeClr val="accent1"/>
+            </a:fillRef>
+            <a:effectRef idx="0">
+              <a:schemeClr val="accent1"/>
+            </a:effectRef>
+            <a:fontRef idx="minor">
+              <a:schemeClr val="lt1"/>
+            </a:fontRef>
+          </p:style>
+          <p:txBody>
+            <a:bodyPr rtlCol="0" anchor="ctr"/>
+            <a:lstStyle/>
+            <a:p>
+              <a:pPr algn="ctr"/>
+              <a:endParaRPr lang="ko-KR" altLang="en-US">
+                <a:effectLst>
+                  <a:outerShdw blurRad="38100" dist="38100" dir="2700000" algn="tl">
+                    <a:srgbClr val="000000">
+                      <a:alpha val="43137"/>
+                    </a:srgbClr>
+                  </a:outerShdw>
+                </a:effectLst>
+              </a:endParaRPr>
+            </a:p>
+          </p:txBody>
+        </p:sp>
+        <p:cxnSp>
+          <p:nvCxnSpPr>
+            <p:cNvPr id="164" name="직선 연결선 163">
+              <a:extLst>
+                <a:ext uri="{FF2B5EF4-FFF2-40B4-BE49-F238E27FC236}">
+                  <a16:creationId xmlns:a16="http://schemas.microsoft.com/office/drawing/2014/main" xmlns="" id="{FDBA1D22-EE00-45CE-9E9A-35B345E9F401}"/>
+                </a:ext>
+              </a:extLst>
+            </p:cNvPr>
+            <p:cNvCxnSpPr>
+              <a:cxnSpLocks/>
+              <a:stCxn id="163" idx="2"/>
+            </p:cNvCxnSpPr>
+            <p:nvPr/>
+          </p:nvCxnSpPr>
+          <p:spPr>
+            <a:xfrm>
+              <a:off x="8387250" y="4427847"/>
+              <a:ext cx="105875" cy="0"/>
+            </a:xfrm>
+            <a:prstGeom prst="line">
+              <a:avLst/>
+            </a:prstGeom>
+            <a:ln w="57150">
+              <a:solidFill>
+                <a:schemeClr val="tx1"/>
+              </a:solidFill>
+            </a:ln>
+            <a:sp3d>
+              <a:bevelT prst="relaxedInset"/>
+            </a:sp3d>
+          </p:spPr>
+          <p:style>
+            <a:lnRef idx="1">
+              <a:schemeClr val="accent1"/>
+            </a:lnRef>
+            <a:fillRef idx="0">
+              <a:schemeClr val="accent1"/>
+            </a:fillRef>
+            <a:effectRef idx="0">
+              <a:schemeClr val="accent1"/>
+            </a:effectRef>
+            <a:fontRef idx="minor">
+              <a:schemeClr val="tx1"/>
+            </a:fontRef>
+          </p:style>
+        </p:cxnSp>
+        <p:pic>
+          <p:nvPicPr>
+            <p:cNvPr id="165" name="그림 164">
+              <a:extLst>
+                <a:ext uri="{FF2B5EF4-FFF2-40B4-BE49-F238E27FC236}">
+                  <a16:creationId xmlns:a16="http://schemas.microsoft.com/office/drawing/2014/main" xmlns="" id="{86A4D6E1-9541-4E66-BB7B-4EA494A01F8A}"/>
+                </a:ext>
+              </a:extLst>
+            </p:cNvPr>
+            <p:cNvPicPr>
+              <a:picLocks noChangeAspect="1"/>
+            </p:cNvPicPr>
+            <p:nvPr/>
+          </p:nvPicPr>
+          <p:blipFill>
+            <a:blip r:embed="rId3">
+              <a:extLst>
+                <a:ext uri="{BEBA8EAE-BF5A-486C-A8C5-ECC9F3942E4B}">
+                  <a14:imgProps xmlns:a14="http://schemas.microsoft.com/office/drawing/2010/main">
+                    <a14:imgLayer r:embed="rId4">
+                      <a14:imgEffect>
+                        <a14:backgroundRemoval t="0" b="100000" l="0" r="100000"/>
+                      </a14:imgEffect>
+                    </a14:imgLayer>
+                  </a14:imgProps>
+                </a:ext>
+              </a:extLst>
+            </a:blip>
+            <a:stretch>
+              <a:fillRect/>
+            </a:stretch>
+          </p:blipFill>
+          <p:spPr>
+            <a:xfrm rot="277598">
+              <a:off x="9497243" y="3612415"/>
+              <a:ext cx="1187135" cy="1378743"/>
+            </a:xfrm>
+            <a:prstGeom prst="rect">
+              <a:avLst/>
+            </a:prstGeom>
+            <a:sp3d>
+              <a:bevelT prst="relaxedInset"/>
+            </a:sp3d>
+          </p:spPr>
+        </p:pic>
+        <p:grpSp>
+          <p:nvGrpSpPr>
+            <p:cNvPr id="166" name="그룹 165">
+              <a:extLst>
+                <a:ext uri="{FF2B5EF4-FFF2-40B4-BE49-F238E27FC236}">
+                  <a16:creationId xmlns:a16="http://schemas.microsoft.com/office/drawing/2014/main" xmlns="" id="{39F180EC-A1B4-465E-852B-AFFB2DCB9AD3}"/>
+                </a:ext>
+              </a:extLst>
+            </p:cNvPr>
+            <p:cNvGrpSpPr/>
+            <p:nvPr/>
+          </p:nvGrpSpPr>
+          <p:grpSpPr>
+            <a:xfrm rot="20265198">
+              <a:off x="9186801" y="2884077"/>
+              <a:ext cx="655059" cy="3115702"/>
+              <a:chOff x="10380299" y="2019329"/>
+              <a:chExt cx="655059" cy="3115702"/>
+            </a:xfrm>
+          </p:grpSpPr>
+          <p:sp>
+            <p:nvSpPr>
+              <p:cNvPr id="169" name="직사각형 168">
+                <a:extLst>
+                  <a:ext uri="{FF2B5EF4-FFF2-40B4-BE49-F238E27FC236}">
+                    <a16:creationId xmlns:a16="http://schemas.microsoft.com/office/drawing/2014/main" xmlns="" id="{DC66CF24-85C5-41FF-A252-CD05B25E8A60}"/>
+                  </a:ext>
+                </a:extLst>
+              </p:cNvPr>
+              <p:cNvSpPr/>
+              <p:nvPr/>
+            </p:nvSpPr>
+            <p:spPr>
+              <a:xfrm>
+                <a:off x="10620838" y="4513583"/>
+                <a:ext cx="173980" cy="562508"/>
+              </a:xfrm>
+              <a:prstGeom prst="rect">
+                <a:avLst/>
+              </a:prstGeom>
+              <a:solidFill>
+                <a:schemeClr val="bg1"/>
+              </a:solidFill>
+              <a:ln w="57150">
+                <a:solidFill>
+                  <a:schemeClr val="tx1"/>
+                </a:solidFill>
+              </a:ln>
+              <a:sp3d>
+                <a:bevelT prst="relaxedInset"/>
+              </a:sp3d>
+            </p:spPr>
+            <p:style>
+              <a:lnRef idx="2">
+                <a:schemeClr val="accent1">
+                  <a:shade val="50000"/>
+                </a:schemeClr>
+              </a:lnRef>
+              <a:fillRef idx="1">
+                <a:schemeClr val="accent1"/>
+              </a:fillRef>
+              <a:effectRef idx="0">
+                <a:schemeClr val="accent1"/>
+              </a:effectRef>
+              <a:fontRef idx="minor">
+                <a:schemeClr val="lt1"/>
+              </a:fontRef>
+            </p:style>
+            <p:txBody>
+              <a:bodyPr rtlCol="0" anchor="ctr"/>
+              <a:lstStyle/>
+              <a:p>
+                <a:pPr algn="ctr"/>
+                <a:endParaRPr lang="ko-KR" altLang="en-US">
+                  <a:effectLst>
+                    <a:outerShdw blurRad="38100" dist="38100" dir="2700000" algn="tl">
+                      <a:srgbClr val="000000">
+                        <a:alpha val="43137"/>
+                      </a:srgbClr>
+                    </a:outerShdw>
+                  </a:effectLst>
+                </a:endParaRPr>
+              </a:p>
+            </p:txBody>
+          </p:sp>
+          <p:sp>
+            <p:nvSpPr>
+              <p:cNvPr id="170" name="타원 169">
+                <a:extLst>
+                  <a:ext uri="{FF2B5EF4-FFF2-40B4-BE49-F238E27FC236}">
+                    <a16:creationId xmlns:a16="http://schemas.microsoft.com/office/drawing/2014/main" xmlns="" id="{A0F25002-B919-4F1A-A727-703F1B152EBA}"/>
+                  </a:ext>
+                </a:extLst>
+              </p:cNvPr>
+              <p:cNvSpPr/>
+              <p:nvPr/>
+            </p:nvSpPr>
+            <p:spPr>
+              <a:xfrm>
+                <a:off x="10380299" y="4415534"/>
+                <a:ext cx="655059" cy="197587"/>
+              </a:xfrm>
+              <a:prstGeom prst="ellipse">
+                <a:avLst/>
+              </a:prstGeom>
+              <a:solidFill>
+                <a:schemeClr val="bg1"/>
+              </a:solidFill>
+              <a:ln w="57150">
+                <a:solidFill>
+                  <a:schemeClr val="tx1"/>
+                </a:solidFill>
+              </a:ln>
+              <a:sp3d>
+                <a:bevelT prst="relaxedInset"/>
+              </a:sp3d>
+            </p:spPr>
+            <p:style>
+              <a:lnRef idx="2">
+                <a:schemeClr val="accent1">
+                  <a:shade val="50000"/>
+                </a:schemeClr>
+              </a:lnRef>
+              <a:fillRef idx="1">
+                <a:schemeClr val="accent1"/>
+              </a:fillRef>
+              <a:effectRef idx="0">
+                <a:schemeClr val="accent1"/>
+              </a:effectRef>
+              <a:fontRef idx="minor">
+                <a:schemeClr val="lt1"/>
+              </a:fontRef>
+            </p:style>
+            <p:txBody>
+              <a:bodyPr rtlCol="0" anchor="ctr"/>
+              <a:lstStyle/>
+              <a:p>
+                <a:pPr algn="ctr"/>
+                <a:endParaRPr lang="ko-KR" altLang="en-US">
+                  <a:effectLst>
+                    <a:outerShdw blurRad="38100" dist="38100" dir="2700000" algn="tl">
+                      <a:srgbClr val="000000">
+                        <a:alpha val="43137"/>
+                      </a:srgbClr>
+                    </a:outerShdw>
+                  </a:effectLst>
+                </a:endParaRPr>
+              </a:p>
+            </p:txBody>
+          </p:sp>
+          <p:sp>
+            <p:nvSpPr>
+              <p:cNvPr id="172" name="타원 171">
+                <a:extLst>
+                  <a:ext uri="{FF2B5EF4-FFF2-40B4-BE49-F238E27FC236}">
+                    <a16:creationId xmlns:a16="http://schemas.microsoft.com/office/drawing/2014/main" xmlns="" id="{2FBDBF7A-7F9D-4BE4-B647-3B5013F2043B}"/>
+                  </a:ext>
+                </a:extLst>
+              </p:cNvPr>
+              <p:cNvSpPr/>
+              <p:nvPr/>
+            </p:nvSpPr>
+            <p:spPr>
+              <a:xfrm>
+                <a:off x="10599866" y="4933262"/>
+                <a:ext cx="215925" cy="201769"/>
+              </a:xfrm>
+              <a:prstGeom prst="ellipse">
+                <a:avLst/>
+              </a:prstGeom>
+              <a:solidFill>
+                <a:schemeClr val="bg1"/>
+              </a:solidFill>
+              <a:ln w="57150">
+                <a:solidFill>
+                  <a:schemeClr val="tx1"/>
+                </a:solidFill>
+              </a:ln>
+              <a:sp3d>
+                <a:bevelT prst="relaxedInset"/>
+              </a:sp3d>
+            </p:spPr>
+            <p:style>
+              <a:lnRef idx="2">
+                <a:schemeClr val="accent1">
+                  <a:shade val="50000"/>
+                </a:schemeClr>
+              </a:lnRef>
+              <a:fillRef idx="1">
+                <a:schemeClr val="accent1"/>
+              </a:fillRef>
+              <a:effectRef idx="0">
+                <a:schemeClr val="accent1"/>
+              </a:effectRef>
+              <a:fontRef idx="minor">
+                <a:schemeClr val="lt1"/>
+              </a:fontRef>
+            </p:style>
+            <p:txBody>
+              <a:bodyPr rtlCol="0" anchor="ctr"/>
+              <a:lstStyle/>
+              <a:p>
+                <a:pPr algn="ctr"/>
+                <a:endParaRPr lang="ko-KR" altLang="en-US">
+                  <a:effectLst>
+                    <a:outerShdw blurRad="38100" dist="38100" dir="2700000" algn="tl">
+                      <a:srgbClr val="000000">
+                        <a:alpha val="43137"/>
+                      </a:srgbClr>
+                    </a:outerShdw>
+                  </a:effectLst>
+                </a:endParaRPr>
+              </a:p>
+            </p:txBody>
+          </p:sp>
+          <p:cxnSp>
+            <p:nvCxnSpPr>
+              <p:cNvPr id="173" name="직선 연결선 172">
+                <a:extLst>
+                  <a:ext uri="{FF2B5EF4-FFF2-40B4-BE49-F238E27FC236}">
+                    <a16:creationId xmlns:a16="http://schemas.microsoft.com/office/drawing/2014/main" xmlns="" id="{C6EA07E5-C655-4EF3-BFBE-727EA7DEF1B6}"/>
+                  </a:ext>
+                </a:extLst>
+              </p:cNvPr>
+              <p:cNvCxnSpPr>
+                <a:cxnSpLocks/>
+              </p:cNvCxnSpPr>
+              <p:nvPr/>
+            </p:nvCxnSpPr>
+            <p:spPr>
+              <a:xfrm>
+                <a:off x="10599866" y="4637722"/>
+                <a:ext cx="194952" cy="90003"/>
+              </a:xfrm>
+              <a:prstGeom prst="line">
+                <a:avLst/>
+              </a:prstGeom>
+              <a:ln w="28575">
+                <a:solidFill>
+                  <a:schemeClr val="tx1"/>
+                </a:solidFill>
+              </a:ln>
+              <a:sp3d>
+                <a:bevelT prst="relaxedInset"/>
+              </a:sp3d>
+            </p:spPr>
+            <p:style>
+              <a:lnRef idx="1">
+                <a:schemeClr val="accent1"/>
+              </a:lnRef>
+              <a:fillRef idx="0">
+                <a:schemeClr val="accent1"/>
+              </a:fillRef>
+              <a:effectRef idx="0">
+                <a:schemeClr val="accent1"/>
+              </a:effectRef>
+              <a:fontRef idx="minor">
+                <a:schemeClr val="tx1"/>
+              </a:fontRef>
+            </p:style>
+          </p:cxnSp>
+          <p:cxnSp>
+            <p:nvCxnSpPr>
+              <p:cNvPr id="174" name="직선 연결선 173">
+                <a:extLst>
+                  <a:ext uri="{FF2B5EF4-FFF2-40B4-BE49-F238E27FC236}">
+                    <a16:creationId xmlns:a16="http://schemas.microsoft.com/office/drawing/2014/main" xmlns="" id="{4EF2238F-62E9-4F23-A313-2A9E244FFADF}"/>
+                  </a:ext>
+                </a:extLst>
+              </p:cNvPr>
+              <p:cNvCxnSpPr>
+                <a:cxnSpLocks/>
+              </p:cNvCxnSpPr>
+              <p:nvPr/>
+            </p:nvCxnSpPr>
+            <p:spPr>
+              <a:xfrm>
+                <a:off x="10599866" y="4730926"/>
+                <a:ext cx="194952" cy="90003"/>
+              </a:xfrm>
+              <a:prstGeom prst="line">
+                <a:avLst/>
+              </a:prstGeom>
+              <a:ln w="28575">
+                <a:solidFill>
+                  <a:schemeClr val="tx1"/>
+                </a:solidFill>
+              </a:ln>
+              <a:sp3d>
+                <a:bevelT prst="relaxedInset"/>
+              </a:sp3d>
+            </p:spPr>
+            <p:style>
+              <a:lnRef idx="1">
+                <a:schemeClr val="accent1"/>
+              </a:lnRef>
+              <a:fillRef idx="0">
+                <a:schemeClr val="accent1"/>
+              </a:fillRef>
+              <a:effectRef idx="0">
+                <a:schemeClr val="accent1"/>
+              </a:effectRef>
+              <a:fontRef idx="minor">
+                <a:schemeClr val="tx1"/>
+              </a:fontRef>
+            </p:style>
+          </p:cxnSp>
+          <p:cxnSp>
+            <p:nvCxnSpPr>
+              <p:cNvPr id="175" name="직선 연결선 174">
+                <a:extLst>
+                  <a:ext uri="{FF2B5EF4-FFF2-40B4-BE49-F238E27FC236}">
+                    <a16:creationId xmlns:a16="http://schemas.microsoft.com/office/drawing/2014/main" xmlns="" id="{8DEC9408-D7FD-4AA6-B1A6-E2CDB1E76327}"/>
+                  </a:ext>
+                </a:extLst>
+              </p:cNvPr>
+              <p:cNvCxnSpPr>
+                <a:cxnSpLocks/>
+              </p:cNvCxnSpPr>
+              <p:nvPr/>
+            </p:nvCxnSpPr>
+            <p:spPr>
+              <a:xfrm>
+                <a:off x="10610635" y="4822176"/>
+                <a:ext cx="194952" cy="90003"/>
+              </a:xfrm>
+              <a:prstGeom prst="line">
+                <a:avLst/>
+              </a:prstGeom>
+              <a:ln w="28575">
+                <a:solidFill>
+                  <a:schemeClr val="tx1"/>
+                </a:solidFill>
+              </a:ln>
+              <a:sp3d>
+                <a:bevelT prst="relaxedInset"/>
+              </a:sp3d>
+            </p:spPr>
+            <p:style>
+              <a:lnRef idx="1">
+                <a:schemeClr val="accent1"/>
+              </a:lnRef>
+              <a:fillRef idx="0">
+                <a:schemeClr val="accent1"/>
+              </a:fillRef>
+              <a:effectRef idx="0">
+                <a:schemeClr val="accent1"/>
+              </a:effectRef>
+              <a:fontRef idx="minor">
+                <a:schemeClr val="tx1"/>
+              </a:fontRef>
+            </p:style>
+          </p:cxnSp>
+          <p:sp>
+            <p:nvSpPr>
+              <p:cNvPr id="171" name="오각형 3">
+                <a:extLst>
+                  <a:ext uri="{FF2B5EF4-FFF2-40B4-BE49-F238E27FC236}">
+                    <a16:creationId xmlns:a16="http://schemas.microsoft.com/office/drawing/2014/main" xmlns="" id="{7453D111-879B-4199-84B7-CD1FA42660D8}"/>
+                  </a:ext>
+                </a:extLst>
+              </p:cNvPr>
+              <p:cNvSpPr/>
+              <p:nvPr/>
+            </p:nvSpPr>
+            <p:spPr>
+              <a:xfrm>
+                <a:off x="10620839" y="2019329"/>
+                <a:ext cx="173980" cy="2494999"/>
+              </a:xfrm>
+              <a:custGeom>
+                <a:avLst/>
+                <a:gdLst>
+                  <a:gd name="connsiteX0" fmla="*/ 2 w 2315363"/>
+                  <a:gd name="connsiteY0" fmla="*/ 574371 h 1503726"/>
+                  <a:gd name="connsiteX1" fmla="*/ 1157682 w 2315363"/>
+                  <a:gd name="connsiteY1" fmla="*/ 0 h 1503726"/>
+                  <a:gd name="connsiteX2" fmla="*/ 2315361 w 2315363"/>
+                  <a:gd name="connsiteY2" fmla="*/ 574371 h 1503726"/>
+                  <a:gd name="connsiteX3" fmla="*/ 1873167 w 2315363"/>
+                  <a:gd name="connsiteY3" fmla="*/ 1503722 h 1503726"/>
+                  <a:gd name="connsiteX4" fmla="*/ 442196 w 2315363"/>
+                  <a:gd name="connsiteY4" fmla="*/ 1503722 h 1503726"/>
+                  <a:gd name="connsiteX5" fmla="*/ 2 w 2315363"/>
+                  <a:gd name="connsiteY5" fmla="*/ 574371 h 1503726"/>
+                  <a:gd name="connsiteX0" fmla="*/ 0 w 1879131"/>
+                  <a:gd name="connsiteY0" fmla="*/ 498870 h 1503722"/>
+                  <a:gd name="connsiteX1" fmla="*/ 721452 w 1879131"/>
+                  <a:gd name="connsiteY1" fmla="*/ 0 h 1503722"/>
+                  <a:gd name="connsiteX2" fmla="*/ 1879131 w 1879131"/>
+                  <a:gd name="connsiteY2" fmla="*/ 574371 h 1503722"/>
+                  <a:gd name="connsiteX3" fmla="*/ 1436937 w 1879131"/>
+                  <a:gd name="connsiteY3" fmla="*/ 1503722 h 1503722"/>
+                  <a:gd name="connsiteX4" fmla="*/ 5966 w 1879131"/>
+                  <a:gd name="connsiteY4" fmla="*/ 1503722 h 1503722"/>
+                  <a:gd name="connsiteX5" fmla="*/ 0 w 1879131"/>
+                  <a:gd name="connsiteY5" fmla="*/ 498870 h 1503722"/>
+                  <a:gd name="connsiteX0" fmla="*/ 0 w 1459681"/>
+                  <a:gd name="connsiteY0" fmla="*/ 498870 h 1503722"/>
+                  <a:gd name="connsiteX1" fmla="*/ 721452 w 1459681"/>
+                  <a:gd name="connsiteY1" fmla="*/ 0 h 1503722"/>
+                  <a:gd name="connsiteX2" fmla="*/ 1459681 w 1459681"/>
+                  <a:gd name="connsiteY2" fmla="*/ 465314 h 1503722"/>
+                  <a:gd name="connsiteX3" fmla="*/ 1436937 w 1459681"/>
+                  <a:gd name="connsiteY3" fmla="*/ 1503722 h 1503722"/>
+                  <a:gd name="connsiteX4" fmla="*/ 5966 w 1459681"/>
+                  <a:gd name="connsiteY4" fmla="*/ 1503722 h 1503722"/>
+                  <a:gd name="connsiteX5" fmla="*/ 0 w 1459681"/>
+                  <a:gd name="connsiteY5" fmla="*/ 498870 h 1503722"/>
+                  <a:gd name="connsiteX0" fmla="*/ 0 w 1436937"/>
+                  <a:gd name="connsiteY0" fmla="*/ 498870 h 1503722"/>
+                  <a:gd name="connsiteX1" fmla="*/ 721452 w 1436937"/>
+                  <a:gd name="connsiteY1" fmla="*/ 0 h 1503722"/>
+                  <a:gd name="connsiteX2" fmla="*/ 1426125 w 1436937"/>
+                  <a:gd name="connsiteY2" fmla="*/ 465314 h 1503722"/>
+                  <a:gd name="connsiteX3" fmla="*/ 1436937 w 1436937"/>
+                  <a:gd name="connsiteY3" fmla="*/ 1503722 h 1503722"/>
+                  <a:gd name="connsiteX4" fmla="*/ 5966 w 1436937"/>
+                  <a:gd name="connsiteY4" fmla="*/ 1503722 h 1503722"/>
+                  <a:gd name="connsiteX5" fmla="*/ 0 w 1436937"/>
+                  <a:gd name="connsiteY5" fmla="*/ 498870 h 1503722"/>
+                  <a:gd name="connsiteX0" fmla="*/ 0 w 1436937"/>
+                  <a:gd name="connsiteY0" fmla="*/ 498870 h 1503722"/>
+                  <a:gd name="connsiteX1" fmla="*/ 721452 w 1436937"/>
+                  <a:gd name="connsiteY1" fmla="*/ 0 h 1503722"/>
+                  <a:gd name="connsiteX2" fmla="*/ 1434514 w 1436937"/>
+                  <a:gd name="connsiteY2" fmla="*/ 465314 h 1503722"/>
+                  <a:gd name="connsiteX3" fmla="*/ 1436937 w 1436937"/>
+                  <a:gd name="connsiteY3" fmla="*/ 1503722 h 1503722"/>
+                  <a:gd name="connsiteX4" fmla="*/ 5966 w 1436937"/>
+                  <a:gd name="connsiteY4" fmla="*/ 1503722 h 1503722"/>
+                  <a:gd name="connsiteX5" fmla="*/ 0 w 1436937"/>
+                  <a:gd name="connsiteY5" fmla="*/ 498870 h 1503722"/>
+                  <a:gd name="connsiteX0" fmla="*/ 0 w 1436937"/>
+                  <a:gd name="connsiteY0" fmla="*/ 498870 h 1503722"/>
+                  <a:gd name="connsiteX1" fmla="*/ 721452 w 1436937"/>
+                  <a:gd name="connsiteY1" fmla="*/ 0 h 1503722"/>
+                  <a:gd name="connsiteX2" fmla="*/ 1434514 w 1436937"/>
+                  <a:gd name="connsiteY2" fmla="*/ 503335 h 1503722"/>
+                  <a:gd name="connsiteX3" fmla="*/ 1436937 w 1436937"/>
+                  <a:gd name="connsiteY3" fmla="*/ 1503722 h 1503722"/>
+                  <a:gd name="connsiteX4" fmla="*/ 5966 w 1436937"/>
+                  <a:gd name="connsiteY4" fmla="*/ 1503722 h 1503722"/>
+                  <a:gd name="connsiteX5" fmla="*/ 0 w 1436937"/>
+                  <a:gd name="connsiteY5" fmla="*/ 498870 h 1503722"/>
+                  <a:gd name="connsiteX0" fmla="*/ 0 w 1436937"/>
+                  <a:gd name="connsiteY0" fmla="*/ 171065 h 1175917"/>
+                  <a:gd name="connsiteX1" fmla="*/ 742853 w 1436937"/>
+                  <a:gd name="connsiteY1" fmla="*/ 0 h 1175917"/>
+                  <a:gd name="connsiteX2" fmla="*/ 1434514 w 1436937"/>
+                  <a:gd name="connsiteY2" fmla="*/ 175530 h 1175917"/>
+                  <a:gd name="connsiteX3" fmla="*/ 1436937 w 1436937"/>
+                  <a:gd name="connsiteY3" fmla="*/ 1175917 h 1175917"/>
+                  <a:gd name="connsiteX4" fmla="*/ 5966 w 1436937"/>
+                  <a:gd name="connsiteY4" fmla="*/ 1175917 h 1175917"/>
+                  <a:gd name="connsiteX5" fmla="*/ 0 w 1436937"/>
+                  <a:gd name="connsiteY5" fmla="*/ 171065 h 1175917"/>
+                  <a:gd name="connsiteX0" fmla="*/ 0 w 1436937"/>
+                  <a:gd name="connsiteY0" fmla="*/ 121585 h 1126437"/>
+                  <a:gd name="connsiteX1" fmla="*/ 742849 w 1436937"/>
+                  <a:gd name="connsiteY1" fmla="*/ 0 h 1126437"/>
+                  <a:gd name="connsiteX2" fmla="*/ 1434514 w 1436937"/>
+                  <a:gd name="connsiteY2" fmla="*/ 126050 h 1126437"/>
+                  <a:gd name="connsiteX3" fmla="*/ 1436937 w 1436937"/>
+                  <a:gd name="connsiteY3" fmla="*/ 1126437 h 1126437"/>
+                  <a:gd name="connsiteX4" fmla="*/ 5966 w 1436937"/>
+                  <a:gd name="connsiteY4" fmla="*/ 1126437 h 1126437"/>
+                  <a:gd name="connsiteX5" fmla="*/ 0 w 1436937"/>
+                  <a:gd name="connsiteY5" fmla="*/ 121585 h 1126437"/>
+                  <a:gd name="connsiteX0" fmla="*/ 0 w 1436937"/>
+                  <a:gd name="connsiteY0" fmla="*/ 83634 h 1088486"/>
+                  <a:gd name="connsiteX1" fmla="*/ 742846 w 1436937"/>
+                  <a:gd name="connsiteY1" fmla="*/ 0 h 1088486"/>
+                  <a:gd name="connsiteX2" fmla="*/ 1434514 w 1436937"/>
+                  <a:gd name="connsiteY2" fmla="*/ 88099 h 1088486"/>
+                  <a:gd name="connsiteX3" fmla="*/ 1436937 w 1436937"/>
+                  <a:gd name="connsiteY3" fmla="*/ 1088486 h 1088486"/>
+                  <a:gd name="connsiteX4" fmla="*/ 5966 w 1436937"/>
+                  <a:gd name="connsiteY4" fmla="*/ 1088486 h 1088486"/>
+                  <a:gd name="connsiteX5" fmla="*/ 0 w 1436937"/>
+                  <a:gd name="connsiteY5" fmla="*/ 83634 h 1088486"/>
+                </a:gdLst>
+                <a:ahLst/>
+                <a:cxnLst>
+                  <a:cxn ang="0">
+                    <a:pos x="connsiteX0" y="connsiteY0"/>
+                  </a:cxn>
+                  <a:cxn ang="0">
+                    <a:pos x="connsiteX1" y="connsiteY1"/>
+                  </a:cxn>
+                  <a:cxn ang="0">
+                    <a:pos x="connsiteX2" y="connsiteY2"/>
+                  </a:cxn>
+                  <a:cxn ang="0">
+                    <a:pos x="connsiteX3" y="connsiteY3"/>
+                  </a:cxn>
+                  <a:cxn ang="0">
+                    <a:pos x="connsiteX4" y="connsiteY4"/>
+                  </a:cxn>
+                  <a:cxn ang="0">
+                    <a:pos x="connsiteX5" y="connsiteY5"/>
+                  </a:cxn>
+                </a:cxnLst>
+                <a:rect l="l" t="t" r="r" b="b"/>
+                <a:pathLst>
+                  <a:path w="1436937" h="1088486">
+                    <a:moveTo>
+                      <a:pt x="0" y="83634"/>
+                    </a:moveTo>
+                    <a:lnTo>
+                      <a:pt x="742846" y="0"/>
+                    </a:lnTo>
+                    <a:lnTo>
+                      <a:pt x="1434514" y="88099"/>
+                    </a:lnTo>
+                    <a:cubicBezTo>
+                      <a:pt x="1435322" y="434235"/>
+                      <a:pt x="1436129" y="742350"/>
+                      <a:pt x="1436937" y="1088486"/>
+                    </a:cubicBezTo>
+                    <a:lnTo>
+                      <a:pt x="5966" y="1088486"/>
+                    </a:lnTo>
+                    <a:cubicBezTo>
+                      <a:pt x="3977" y="753535"/>
+                      <a:pt x="1989" y="418585"/>
+                      <a:pt x="0" y="83634"/>
+                    </a:cubicBezTo>
+                    <a:close/>
+                  </a:path>
+                </a:pathLst>
+              </a:custGeom>
+              <a:solidFill>
+                <a:schemeClr val="bg1"/>
+              </a:solidFill>
+              <a:ln w="57150">
+                <a:solidFill>
+                  <a:schemeClr val="tx1"/>
+                </a:solidFill>
+              </a:ln>
+              <a:sp3d>
+                <a:bevelT prst="relaxedInset"/>
+              </a:sp3d>
+            </p:spPr>
+            <p:style>
+              <a:lnRef idx="2">
+                <a:schemeClr val="accent1">
+                  <a:shade val="50000"/>
+                </a:schemeClr>
+              </a:lnRef>
+              <a:fillRef idx="1">
+                <a:schemeClr val="accent1"/>
+              </a:fillRef>
+              <a:effectRef idx="0">
+                <a:schemeClr val="accent1"/>
+              </a:effectRef>
+              <a:fontRef idx="minor">
+                <a:schemeClr val="lt1"/>
+              </a:fontRef>
+            </p:style>
+            <p:txBody>
+              <a:bodyPr rtlCol="0" anchor="ctr"/>
+              <a:lstStyle/>
+              <a:p>
+                <a:pPr algn="ctr"/>
+                <a:endParaRPr lang="ko-KR" altLang="en-US" dirty="0">
+                  <a:effectLst>
+                    <a:outerShdw blurRad="38100" dist="38100" dir="2700000" algn="tl">
+                      <a:srgbClr val="000000">
+                        <a:alpha val="43137"/>
+                      </a:srgbClr>
+                    </a:outerShdw>
+                  </a:effectLst>
+                </a:endParaRPr>
+              </a:p>
+            </p:txBody>
+          </p:sp>
+        </p:grpSp>
+        <p:cxnSp>
+          <p:nvCxnSpPr>
+            <p:cNvPr id="167" name="직선 연결선 166">
+              <a:extLst>
+                <a:ext uri="{FF2B5EF4-FFF2-40B4-BE49-F238E27FC236}">
+                  <a16:creationId xmlns:a16="http://schemas.microsoft.com/office/drawing/2014/main" xmlns="" id="{4C01B616-2567-499B-AE60-11191E4628B5}"/>
+                </a:ext>
+              </a:extLst>
+            </p:cNvPr>
+            <p:cNvCxnSpPr>
+              <a:cxnSpLocks/>
+            </p:cNvCxnSpPr>
+            <p:nvPr/>
+          </p:nvCxnSpPr>
+          <p:spPr>
+            <a:xfrm>
+              <a:off x="10487025" y="4427847"/>
+              <a:ext cx="172283" cy="0"/>
+            </a:xfrm>
+            <a:prstGeom prst="line">
+              <a:avLst/>
+            </a:prstGeom>
+            <a:ln w="57150">
+              <a:solidFill>
+                <a:schemeClr val="tx1"/>
+              </a:solidFill>
+            </a:ln>
+            <a:sp3d>
+              <a:bevelT prst="relaxedInset"/>
+            </a:sp3d>
+          </p:spPr>
+          <p:style>
+            <a:lnRef idx="1">
+              <a:schemeClr val="accent1"/>
+            </a:lnRef>
+            <a:fillRef idx="0">
+              <a:schemeClr val="accent1"/>
+            </a:fillRef>
+            <a:effectRef idx="0">
+              <a:schemeClr val="accent1"/>
+            </a:effectRef>
+            <a:fontRef idx="minor">
+              <a:schemeClr val="tx1"/>
+            </a:fontRef>
+          </p:style>
+        </p:cxnSp>
+        <p:cxnSp>
+          <p:nvCxnSpPr>
+            <p:cNvPr id="168" name="직선 연결선 167">
+              <a:extLst>
+                <a:ext uri="{FF2B5EF4-FFF2-40B4-BE49-F238E27FC236}">
+                  <a16:creationId xmlns:a16="http://schemas.microsoft.com/office/drawing/2014/main" xmlns="" id="{90A069D3-6238-490D-B870-43F3D44DB440}"/>
+                </a:ext>
+              </a:extLst>
+            </p:cNvPr>
+            <p:cNvCxnSpPr>
+              <a:cxnSpLocks/>
+            </p:cNvCxnSpPr>
+            <p:nvPr/>
+          </p:nvCxnSpPr>
+          <p:spPr>
+            <a:xfrm flipV="1">
+              <a:off x="8718433" y="5054714"/>
+              <a:ext cx="163530" cy="163530"/>
+            </a:xfrm>
+            <a:prstGeom prst="line">
+              <a:avLst/>
+            </a:prstGeom>
+            <a:ln w="57150">
+              <a:solidFill>
+                <a:schemeClr val="tx1"/>
+              </a:solidFill>
+            </a:ln>
+            <a:sp3d>
+              <a:bevelT prst="relaxedInset"/>
+            </a:sp3d>
+          </p:spPr>
+          <p:style>
+            <a:lnRef idx="1">
+              <a:schemeClr val="accent1"/>
+            </a:lnRef>
+            <a:fillRef idx="0">
+              <a:schemeClr val="accent1"/>
+            </a:fillRef>
+            <a:effectRef idx="0">
+              <a:schemeClr val="accent1"/>
+            </a:effectRef>
+            <a:fontRef idx="minor">
+              <a:schemeClr val="tx1"/>
+            </a:fontRef>
+          </p:style>
+        </p:cxnSp>
+      </p:grpSp>
+      <p:pic>
+        <p:nvPicPr>
+          <p:cNvPr id="85" name="그림 84"/>
+          <p:cNvPicPr>
+            <a:picLocks noChangeAspect="1"/>
+          </p:cNvPicPr>
+          <p:nvPr/>
+        </p:nvPicPr>
+        <p:blipFill>
+          <a:blip r:embed="rId2"/>
+          <a:stretch>
+            <a:fillRect/>
+          </a:stretch>
+        </p:blipFill>
+        <p:spPr>
+          <a:xfrm>
+            <a:off x="5208960" y="2569322"/>
+            <a:ext cx="3686175" cy="1390650"/>
+          </a:xfrm>
+          <a:prstGeom prst="rect">
+            <a:avLst/>
+          </a:prstGeom>
+          <a:scene3d>
+            <a:camera prst="perspectiveFront"/>
+            <a:lightRig rig="threePt" dir="t"/>
+          </a:scene3d>
+        </p:spPr>
+      </p:pic>
+      <p:grpSp>
+        <p:nvGrpSpPr>
+          <p:cNvPr id="106" name="그룹 105">
+            <a:extLst>
+              <a:ext uri="{FF2B5EF4-FFF2-40B4-BE49-F238E27FC236}">
+                <a16:creationId xmlns:a16="http://schemas.microsoft.com/office/drawing/2014/main" xmlns="" id="{3C3D38B6-A7E9-4EAE-9EA9-A40848B7AE00}"/>
+              </a:ext>
+            </a:extLst>
+          </p:cNvPr>
+          <p:cNvGrpSpPr/>
+          <p:nvPr/>
+        </p:nvGrpSpPr>
+        <p:grpSpPr>
+          <a:xfrm>
+            <a:off x="5783305" y="0"/>
+            <a:ext cx="2537483" cy="3115702"/>
+            <a:chOff x="8249238" y="2884077"/>
+            <a:chExt cx="2537483" cy="3115702"/>
+          </a:xfrm>
+        </p:grpSpPr>
+        <p:sp>
+          <p:nvSpPr>
+            <p:cNvPr id="107" name="타원 106">
+              <a:extLst>
+                <a:ext uri="{FF2B5EF4-FFF2-40B4-BE49-F238E27FC236}">
+                  <a16:creationId xmlns:a16="http://schemas.microsoft.com/office/drawing/2014/main" xmlns="" id="{4193854E-07F8-4B67-B4C9-1D512421EC5A}"/>
+                </a:ext>
+              </a:extLst>
+            </p:cNvPr>
+            <p:cNvSpPr/>
+            <p:nvPr/>
+          </p:nvSpPr>
+          <p:spPr>
+            <a:xfrm>
+              <a:off x="8249238" y="3159105"/>
+              <a:ext cx="2537483" cy="2537483"/>
+            </a:xfrm>
+            <a:prstGeom prst="ellipse">
+              <a:avLst/>
+            </a:prstGeom>
+            <a:noFill/>
+            <a:ln w="57150">
+              <a:solidFill>
+                <a:schemeClr val="tx1"/>
+              </a:solidFill>
+            </a:ln>
+          </p:spPr>
+          <p:style>
+            <a:lnRef idx="2">
+              <a:schemeClr val="accent1">
+                <a:shade val="50000"/>
+              </a:schemeClr>
+            </a:lnRef>
+            <a:fillRef idx="1">
+              <a:schemeClr val="accent1"/>
+            </a:fillRef>
+            <a:effectRef idx="0">
+              <a:schemeClr val="accent1"/>
+            </a:effectRef>
+            <a:fontRef idx="minor">
+              <a:schemeClr val="lt1"/>
+            </a:fontRef>
+          </p:style>
+          <p:txBody>
+            <a:bodyPr rtlCol="0" anchor="ctr"/>
+            <a:lstStyle/>
+            <a:p>
+              <a:pPr algn="ctr"/>
+              <a:endParaRPr lang="ko-KR" altLang="en-US" dirty="0"/>
+            </a:p>
+          </p:txBody>
+        </p:sp>
+        <p:pic>
+          <p:nvPicPr>
+            <p:cNvPr id="108" name="그림 107">
+              <a:extLst>
+                <a:ext uri="{FF2B5EF4-FFF2-40B4-BE49-F238E27FC236}">
+                  <a16:creationId xmlns:a16="http://schemas.microsoft.com/office/drawing/2014/main" xmlns="" id="{0F346681-C5DE-4F45-A1FB-05482993C6B5}"/>
+                </a:ext>
+              </a:extLst>
+            </p:cNvPr>
+            <p:cNvPicPr>
+              <a:picLocks noChangeAspect="1"/>
+            </p:cNvPicPr>
+            <p:nvPr/>
+          </p:nvPicPr>
+          <p:blipFill>
+            <a:blip r:embed="rId3">
+              <a:extLst>
+                <a:ext uri="{BEBA8EAE-BF5A-486C-A8C5-ECC9F3942E4B}">
+                  <a14:imgProps xmlns:a14="http://schemas.microsoft.com/office/drawing/2010/main">
+                    <a14:imgLayer r:embed="rId4">
+                      <a14:imgEffect>
+                        <a14:backgroundRemoval t="0" b="100000" l="0" r="100000"/>
+                      </a14:imgEffect>
+                    </a14:imgLayer>
+                  </a14:imgProps>
+                </a:ext>
+              </a:extLst>
+            </a:blip>
+            <a:stretch>
+              <a:fillRect/>
+            </a:stretch>
+          </p:blipFill>
+          <p:spPr>
+            <a:xfrm rot="277598" flipH="1" flipV="1">
+              <a:off x="8335896" y="3953434"/>
+              <a:ext cx="1187135" cy="1378743"/>
+            </a:xfrm>
+            <a:prstGeom prst="rect">
+              <a:avLst/>
+            </a:prstGeom>
+          </p:spPr>
+        </p:pic>
+        <p:cxnSp>
+          <p:nvCxnSpPr>
+            <p:cNvPr id="109" name="직선 연결선 108">
+              <a:extLst>
+                <a:ext uri="{FF2B5EF4-FFF2-40B4-BE49-F238E27FC236}">
+                  <a16:creationId xmlns:a16="http://schemas.microsoft.com/office/drawing/2014/main" xmlns="" id="{3A04E75E-C99F-4083-BFD3-E35D207CD8AC}"/>
+                </a:ext>
+              </a:extLst>
+            </p:cNvPr>
+            <p:cNvCxnSpPr>
+              <a:cxnSpLocks/>
+              <a:stCxn id="112" idx="0"/>
+              <a:endCxn id="112" idx="4"/>
+            </p:cNvCxnSpPr>
+            <p:nvPr/>
+          </p:nvCxnSpPr>
+          <p:spPr>
+            <a:xfrm>
+              <a:off x="9517980" y="3297117"/>
+              <a:ext cx="0" cy="2261460"/>
+            </a:xfrm>
+            <a:prstGeom prst="line">
+              <a:avLst/>
+            </a:prstGeom>
+            <a:ln w="57150">
+              <a:solidFill>
+                <a:schemeClr val="tx1"/>
+              </a:solidFill>
+            </a:ln>
+          </p:spPr>
+          <p:style>
+            <a:lnRef idx="1">
+              <a:schemeClr val="accent1"/>
+            </a:lnRef>
+            <a:fillRef idx="0">
+              <a:schemeClr val="accent1"/>
+            </a:fillRef>
+            <a:effectRef idx="0">
+              <a:schemeClr val="accent1"/>
+            </a:effectRef>
+            <a:fontRef idx="minor">
+              <a:schemeClr val="tx1"/>
+            </a:fontRef>
+          </p:style>
+        </p:cxnSp>
+        <p:cxnSp>
+          <p:nvCxnSpPr>
+            <p:cNvPr id="110" name="직선 연결선 109">
+              <a:extLst>
+                <a:ext uri="{FF2B5EF4-FFF2-40B4-BE49-F238E27FC236}">
+                  <a16:creationId xmlns:a16="http://schemas.microsoft.com/office/drawing/2014/main" xmlns="" id="{278AA3DA-DB13-4CC2-8932-EA9D418FBD63}"/>
+                </a:ext>
+              </a:extLst>
+            </p:cNvPr>
+            <p:cNvCxnSpPr>
+              <a:cxnSpLocks/>
+              <a:stCxn id="112" idx="1"/>
+              <a:endCxn id="112" idx="5"/>
+            </p:cNvCxnSpPr>
+            <p:nvPr/>
+          </p:nvCxnSpPr>
+          <p:spPr>
+            <a:xfrm>
+              <a:off x="8718433" y="3628300"/>
+              <a:ext cx="1599094" cy="1599094"/>
+            </a:xfrm>
+            <a:prstGeom prst="line">
+              <a:avLst/>
+            </a:prstGeom>
+            <a:ln w="57150">
+              <a:solidFill>
+                <a:schemeClr val="tx1"/>
+              </a:solidFill>
+            </a:ln>
+          </p:spPr>
+          <p:style>
+            <a:lnRef idx="1">
+              <a:schemeClr val="accent1"/>
+            </a:lnRef>
+            <a:fillRef idx="0">
+              <a:schemeClr val="accent1"/>
+            </a:fillRef>
+            <a:effectRef idx="0">
+              <a:schemeClr val="accent1"/>
+            </a:effectRef>
+            <a:fontRef idx="minor">
+              <a:schemeClr val="tx1"/>
+            </a:fontRef>
+          </p:style>
+        </p:cxnSp>
+        <p:cxnSp>
+          <p:nvCxnSpPr>
+            <p:cNvPr id="111" name="직선 연결선 110">
+              <a:extLst>
+                <a:ext uri="{FF2B5EF4-FFF2-40B4-BE49-F238E27FC236}">
+                  <a16:creationId xmlns:a16="http://schemas.microsoft.com/office/drawing/2014/main" xmlns="" id="{90F96C09-06FA-4CC4-A912-56583A771E04}"/>
+                </a:ext>
+              </a:extLst>
+            </p:cNvPr>
+            <p:cNvCxnSpPr>
+              <a:cxnSpLocks/>
+              <a:endCxn id="112" idx="7"/>
+            </p:cNvCxnSpPr>
+            <p:nvPr/>
+          </p:nvCxnSpPr>
+          <p:spPr>
+            <a:xfrm flipV="1">
+              <a:off x="10118407" y="3628300"/>
+              <a:ext cx="199120" cy="199120"/>
+            </a:xfrm>
+            <a:prstGeom prst="line">
+              <a:avLst/>
+            </a:prstGeom>
+            <a:ln w="57150">
+              <a:solidFill>
+                <a:schemeClr val="tx1"/>
+              </a:solidFill>
+            </a:ln>
+          </p:spPr>
+          <p:style>
+            <a:lnRef idx="1">
+              <a:schemeClr val="accent1"/>
+            </a:lnRef>
+            <a:fillRef idx="0">
+              <a:schemeClr val="accent1"/>
+            </a:fillRef>
+            <a:effectRef idx="0">
+              <a:schemeClr val="accent1"/>
+            </a:effectRef>
+            <a:fontRef idx="minor">
+              <a:schemeClr val="tx1"/>
+            </a:fontRef>
+          </p:style>
+        </p:cxnSp>
+        <p:sp>
+          <p:nvSpPr>
+            <p:cNvPr id="112" name="타원 111">
+              <a:extLst>
+                <a:ext uri="{FF2B5EF4-FFF2-40B4-BE49-F238E27FC236}">
+                  <a16:creationId xmlns:a16="http://schemas.microsoft.com/office/drawing/2014/main" xmlns="" id="{312FE6F3-D9FB-4DB1-ACDA-157962F92822}"/>
+                </a:ext>
+              </a:extLst>
+            </p:cNvPr>
+            <p:cNvSpPr/>
+            <p:nvPr/>
+          </p:nvSpPr>
+          <p:spPr>
+            <a:xfrm>
+              <a:off x="8387250" y="3297117"/>
+              <a:ext cx="2261460" cy="2261460"/>
+            </a:xfrm>
+            <a:prstGeom prst="ellipse">
+              <a:avLst/>
+            </a:prstGeom>
+            <a:noFill/>
+            <a:ln w="57150">
+              <a:solidFill>
+                <a:schemeClr val="tx1"/>
+              </a:solidFill>
+            </a:ln>
+          </p:spPr>
+          <p:style>
+            <a:lnRef idx="2">
+              <a:schemeClr val="accent1">
+                <a:shade val="50000"/>
+              </a:schemeClr>
+            </a:lnRef>
+            <a:fillRef idx="1">
+              <a:schemeClr val="accent1"/>
+            </a:fillRef>
+            <a:effectRef idx="0">
+              <a:schemeClr val="accent1"/>
+            </a:effectRef>
+            <a:fontRef idx="minor">
+              <a:schemeClr val="lt1"/>
+            </a:fontRef>
+          </p:style>
+          <p:txBody>
+            <a:bodyPr rtlCol="0" anchor="ctr"/>
+            <a:lstStyle/>
+            <a:p>
+              <a:pPr algn="ctr"/>
+              <a:endParaRPr lang="ko-KR" altLang="en-US"/>
+            </a:p>
+          </p:txBody>
+        </p:sp>
+        <p:cxnSp>
+          <p:nvCxnSpPr>
+            <p:cNvPr id="113" name="직선 연결선 112">
+              <a:extLst>
+                <a:ext uri="{FF2B5EF4-FFF2-40B4-BE49-F238E27FC236}">
+                  <a16:creationId xmlns:a16="http://schemas.microsoft.com/office/drawing/2014/main" xmlns="" id="{FDBA1D22-EE00-45CE-9E9A-35B345E9F401}"/>
+                </a:ext>
+              </a:extLst>
+            </p:cNvPr>
+            <p:cNvCxnSpPr>
+              <a:cxnSpLocks/>
+              <a:stCxn id="112" idx="2"/>
+            </p:cNvCxnSpPr>
+            <p:nvPr/>
+          </p:nvCxnSpPr>
+          <p:spPr>
+            <a:xfrm>
+              <a:off x="8387250" y="4427847"/>
+              <a:ext cx="105875" cy="0"/>
+            </a:xfrm>
+            <a:prstGeom prst="line">
+              <a:avLst/>
+            </a:prstGeom>
+            <a:ln w="57150">
+              <a:solidFill>
+                <a:schemeClr val="tx1"/>
+              </a:solidFill>
+            </a:ln>
+          </p:spPr>
+          <p:style>
+            <a:lnRef idx="1">
+              <a:schemeClr val="accent1"/>
+            </a:lnRef>
+            <a:fillRef idx="0">
+              <a:schemeClr val="accent1"/>
+            </a:fillRef>
+            <a:effectRef idx="0">
+              <a:schemeClr val="accent1"/>
+            </a:effectRef>
+            <a:fontRef idx="minor">
+              <a:schemeClr val="tx1"/>
+            </a:fontRef>
+          </p:style>
+        </p:cxnSp>
+        <p:pic>
+          <p:nvPicPr>
+            <p:cNvPr id="114" name="그림 113">
+              <a:extLst>
+                <a:ext uri="{FF2B5EF4-FFF2-40B4-BE49-F238E27FC236}">
+                  <a16:creationId xmlns:a16="http://schemas.microsoft.com/office/drawing/2014/main" xmlns="" id="{86A4D6E1-9541-4E66-BB7B-4EA494A01F8A}"/>
+                </a:ext>
+              </a:extLst>
+            </p:cNvPr>
+            <p:cNvPicPr>
+              <a:picLocks noChangeAspect="1"/>
+            </p:cNvPicPr>
+            <p:nvPr/>
+          </p:nvPicPr>
+          <p:blipFill>
+            <a:blip r:embed="rId3">
+              <a:extLst>
+                <a:ext uri="{BEBA8EAE-BF5A-486C-A8C5-ECC9F3942E4B}">
+                  <a14:imgProps xmlns:a14="http://schemas.microsoft.com/office/drawing/2010/main">
+                    <a14:imgLayer r:embed="rId4">
+                      <a14:imgEffect>
+                        <a14:backgroundRemoval t="0" b="100000" l="0" r="100000"/>
+                      </a14:imgEffect>
+                    </a14:imgLayer>
+                  </a14:imgProps>
+                </a:ext>
+              </a:extLst>
+            </a:blip>
+            <a:stretch>
+              <a:fillRect/>
+            </a:stretch>
+          </p:blipFill>
+          <p:spPr>
+            <a:xfrm rot="277598">
+              <a:off x="9497243" y="3612415"/>
+              <a:ext cx="1187135" cy="1378743"/>
+            </a:xfrm>
+            <a:prstGeom prst="rect">
+              <a:avLst/>
+            </a:prstGeom>
+          </p:spPr>
+        </p:pic>
+        <p:grpSp>
+          <p:nvGrpSpPr>
+            <p:cNvPr id="115" name="그룹 114">
+              <a:extLst>
+                <a:ext uri="{FF2B5EF4-FFF2-40B4-BE49-F238E27FC236}">
+                  <a16:creationId xmlns:a16="http://schemas.microsoft.com/office/drawing/2014/main" xmlns="" id="{39F180EC-A1B4-465E-852B-AFFB2DCB9AD3}"/>
+                </a:ext>
+              </a:extLst>
+            </p:cNvPr>
+            <p:cNvGrpSpPr/>
+            <p:nvPr/>
+          </p:nvGrpSpPr>
+          <p:grpSpPr>
+            <a:xfrm rot="20265198">
+              <a:off x="9186801" y="2884077"/>
+              <a:ext cx="655059" cy="3115702"/>
+              <a:chOff x="10380299" y="2019329"/>
+              <a:chExt cx="655059" cy="3115702"/>
+            </a:xfrm>
+          </p:grpSpPr>
+          <p:sp>
+            <p:nvSpPr>
+              <p:cNvPr id="118" name="직사각형 117">
+                <a:extLst>
+                  <a:ext uri="{FF2B5EF4-FFF2-40B4-BE49-F238E27FC236}">
+                    <a16:creationId xmlns:a16="http://schemas.microsoft.com/office/drawing/2014/main" xmlns="" id="{DC66CF24-85C5-41FF-A252-CD05B25E8A60}"/>
+                  </a:ext>
+                </a:extLst>
+              </p:cNvPr>
+              <p:cNvSpPr/>
+              <p:nvPr/>
+            </p:nvSpPr>
+            <p:spPr>
+              <a:xfrm>
+                <a:off x="10620838" y="4513583"/>
+                <a:ext cx="173980" cy="562508"/>
+              </a:xfrm>
+              <a:prstGeom prst="rect">
+                <a:avLst/>
+              </a:prstGeom>
+              <a:solidFill>
+                <a:schemeClr val="bg1"/>
+              </a:solidFill>
+              <a:ln w="57150">
+                <a:solidFill>
+                  <a:schemeClr val="tx1"/>
+                </a:solidFill>
+              </a:ln>
+            </p:spPr>
+            <p:style>
+              <a:lnRef idx="2">
+                <a:schemeClr val="accent1">
+                  <a:shade val="50000"/>
+                </a:schemeClr>
+              </a:lnRef>
+              <a:fillRef idx="1">
+                <a:schemeClr val="accent1"/>
+              </a:fillRef>
+              <a:effectRef idx="0">
+                <a:schemeClr val="accent1"/>
+              </a:effectRef>
+              <a:fontRef idx="minor">
+                <a:schemeClr val="lt1"/>
+              </a:fontRef>
+            </p:style>
+            <p:txBody>
+              <a:bodyPr rtlCol="0" anchor="ctr"/>
+              <a:lstStyle/>
+              <a:p>
+                <a:pPr algn="ctr"/>
+                <a:endParaRPr lang="ko-KR" altLang="en-US"/>
+              </a:p>
+            </p:txBody>
+          </p:sp>
+          <p:sp>
+            <p:nvSpPr>
+              <p:cNvPr id="119" name="타원 118">
+                <a:extLst>
+                  <a:ext uri="{FF2B5EF4-FFF2-40B4-BE49-F238E27FC236}">
+                    <a16:creationId xmlns:a16="http://schemas.microsoft.com/office/drawing/2014/main" xmlns="" id="{A0F25002-B919-4F1A-A727-703F1B152EBA}"/>
+                  </a:ext>
+                </a:extLst>
+              </p:cNvPr>
+              <p:cNvSpPr/>
+              <p:nvPr/>
+            </p:nvSpPr>
+            <p:spPr>
+              <a:xfrm>
+                <a:off x="10380299" y="4415534"/>
+                <a:ext cx="655059" cy="197587"/>
+              </a:xfrm>
+              <a:prstGeom prst="ellipse">
+                <a:avLst/>
+              </a:prstGeom>
+              <a:solidFill>
+                <a:schemeClr val="bg1"/>
+              </a:solidFill>
+              <a:ln w="57150">
+                <a:solidFill>
+                  <a:schemeClr val="tx1"/>
+                </a:solidFill>
+              </a:ln>
+            </p:spPr>
+            <p:style>
+              <a:lnRef idx="2">
+                <a:schemeClr val="accent1">
+                  <a:shade val="50000"/>
+                </a:schemeClr>
+              </a:lnRef>
+              <a:fillRef idx="1">
+                <a:schemeClr val="accent1"/>
+              </a:fillRef>
+              <a:effectRef idx="0">
+                <a:schemeClr val="accent1"/>
+              </a:effectRef>
+              <a:fontRef idx="minor">
+                <a:schemeClr val="lt1"/>
+              </a:fontRef>
+            </p:style>
+            <p:txBody>
+              <a:bodyPr rtlCol="0" anchor="ctr"/>
+              <a:lstStyle/>
+              <a:p>
+                <a:pPr algn="ctr"/>
+                <a:endParaRPr lang="ko-KR" altLang="en-US"/>
+              </a:p>
+            </p:txBody>
+          </p:sp>
+          <p:sp>
+            <p:nvSpPr>
+              <p:cNvPr id="120" name="오각형 3">
+                <a:extLst>
+                  <a:ext uri="{FF2B5EF4-FFF2-40B4-BE49-F238E27FC236}">
+                    <a16:creationId xmlns:a16="http://schemas.microsoft.com/office/drawing/2014/main" xmlns="" id="{7453D111-879B-4199-84B7-CD1FA42660D8}"/>
+                  </a:ext>
+                </a:extLst>
+              </p:cNvPr>
+              <p:cNvSpPr/>
+              <p:nvPr/>
+            </p:nvSpPr>
+            <p:spPr>
+              <a:xfrm>
+                <a:off x="10620839" y="2019329"/>
+                <a:ext cx="173980" cy="2494999"/>
+              </a:xfrm>
+              <a:custGeom>
+                <a:avLst/>
+                <a:gdLst>
+                  <a:gd name="connsiteX0" fmla="*/ 2 w 2315363"/>
+                  <a:gd name="connsiteY0" fmla="*/ 574371 h 1503726"/>
+                  <a:gd name="connsiteX1" fmla="*/ 1157682 w 2315363"/>
+                  <a:gd name="connsiteY1" fmla="*/ 0 h 1503726"/>
+                  <a:gd name="connsiteX2" fmla="*/ 2315361 w 2315363"/>
+                  <a:gd name="connsiteY2" fmla="*/ 574371 h 1503726"/>
+                  <a:gd name="connsiteX3" fmla="*/ 1873167 w 2315363"/>
+                  <a:gd name="connsiteY3" fmla="*/ 1503722 h 1503726"/>
+                  <a:gd name="connsiteX4" fmla="*/ 442196 w 2315363"/>
+                  <a:gd name="connsiteY4" fmla="*/ 1503722 h 1503726"/>
+                  <a:gd name="connsiteX5" fmla="*/ 2 w 2315363"/>
+                  <a:gd name="connsiteY5" fmla="*/ 574371 h 1503726"/>
+                  <a:gd name="connsiteX0" fmla="*/ 0 w 1879131"/>
+                  <a:gd name="connsiteY0" fmla="*/ 498870 h 1503722"/>
+                  <a:gd name="connsiteX1" fmla="*/ 721452 w 1879131"/>
+                  <a:gd name="connsiteY1" fmla="*/ 0 h 1503722"/>
+                  <a:gd name="connsiteX2" fmla="*/ 1879131 w 1879131"/>
+                  <a:gd name="connsiteY2" fmla="*/ 574371 h 1503722"/>
+                  <a:gd name="connsiteX3" fmla="*/ 1436937 w 1879131"/>
+                  <a:gd name="connsiteY3" fmla="*/ 1503722 h 1503722"/>
+                  <a:gd name="connsiteX4" fmla="*/ 5966 w 1879131"/>
+                  <a:gd name="connsiteY4" fmla="*/ 1503722 h 1503722"/>
+                  <a:gd name="connsiteX5" fmla="*/ 0 w 1879131"/>
+                  <a:gd name="connsiteY5" fmla="*/ 498870 h 1503722"/>
+                  <a:gd name="connsiteX0" fmla="*/ 0 w 1459681"/>
+                  <a:gd name="connsiteY0" fmla="*/ 498870 h 1503722"/>
+                  <a:gd name="connsiteX1" fmla="*/ 721452 w 1459681"/>
+                  <a:gd name="connsiteY1" fmla="*/ 0 h 1503722"/>
+                  <a:gd name="connsiteX2" fmla="*/ 1459681 w 1459681"/>
+                  <a:gd name="connsiteY2" fmla="*/ 465314 h 1503722"/>
+                  <a:gd name="connsiteX3" fmla="*/ 1436937 w 1459681"/>
+                  <a:gd name="connsiteY3" fmla="*/ 1503722 h 1503722"/>
+                  <a:gd name="connsiteX4" fmla="*/ 5966 w 1459681"/>
+                  <a:gd name="connsiteY4" fmla="*/ 1503722 h 1503722"/>
+                  <a:gd name="connsiteX5" fmla="*/ 0 w 1459681"/>
+                  <a:gd name="connsiteY5" fmla="*/ 498870 h 1503722"/>
+                  <a:gd name="connsiteX0" fmla="*/ 0 w 1436937"/>
+                  <a:gd name="connsiteY0" fmla="*/ 498870 h 1503722"/>
+                  <a:gd name="connsiteX1" fmla="*/ 721452 w 1436937"/>
+                  <a:gd name="connsiteY1" fmla="*/ 0 h 1503722"/>
+                  <a:gd name="connsiteX2" fmla="*/ 1426125 w 1436937"/>
+                  <a:gd name="connsiteY2" fmla="*/ 465314 h 1503722"/>
+                  <a:gd name="connsiteX3" fmla="*/ 1436937 w 1436937"/>
+                  <a:gd name="connsiteY3" fmla="*/ 1503722 h 1503722"/>
+                  <a:gd name="connsiteX4" fmla="*/ 5966 w 1436937"/>
+                  <a:gd name="connsiteY4" fmla="*/ 1503722 h 1503722"/>
+                  <a:gd name="connsiteX5" fmla="*/ 0 w 1436937"/>
+                  <a:gd name="connsiteY5" fmla="*/ 498870 h 1503722"/>
+                  <a:gd name="connsiteX0" fmla="*/ 0 w 1436937"/>
+                  <a:gd name="connsiteY0" fmla="*/ 498870 h 1503722"/>
+                  <a:gd name="connsiteX1" fmla="*/ 721452 w 1436937"/>
+                  <a:gd name="connsiteY1" fmla="*/ 0 h 1503722"/>
+                  <a:gd name="connsiteX2" fmla="*/ 1434514 w 1436937"/>
+                  <a:gd name="connsiteY2" fmla="*/ 465314 h 1503722"/>
+                  <a:gd name="connsiteX3" fmla="*/ 1436937 w 1436937"/>
+                  <a:gd name="connsiteY3" fmla="*/ 1503722 h 1503722"/>
+                  <a:gd name="connsiteX4" fmla="*/ 5966 w 1436937"/>
+                  <a:gd name="connsiteY4" fmla="*/ 1503722 h 1503722"/>
+                  <a:gd name="connsiteX5" fmla="*/ 0 w 1436937"/>
+                  <a:gd name="connsiteY5" fmla="*/ 498870 h 1503722"/>
+                  <a:gd name="connsiteX0" fmla="*/ 0 w 1436937"/>
+                  <a:gd name="connsiteY0" fmla="*/ 498870 h 1503722"/>
+                  <a:gd name="connsiteX1" fmla="*/ 721452 w 1436937"/>
+                  <a:gd name="connsiteY1" fmla="*/ 0 h 1503722"/>
+                  <a:gd name="connsiteX2" fmla="*/ 1434514 w 1436937"/>
+                  <a:gd name="connsiteY2" fmla="*/ 503335 h 1503722"/>
+                  <a:gd name="connsiteX3" fmla="*/ 1436937 w 1436937"/>
+                  <a:gd name="connsiteY3" fmla="*/ 1503722 h 1503722"/>
+                  <a:gd name="connsiteX4" fmla="*/ 5966 w 1436937"/>
+                  <a:gd name="connsiteY4" fmla="*/ 1503722 h 1503722"/>
+                  <a:gd name="connsiteX5" fmla="*/ 0 w 1436937"/>
+                  <a:gd name="connsiteY5" fmla="*/ 498870 h 1503722"/>
+                  <a:gd name="connsiteX0" fmla="*/ 0 w 1436937"/>
+                  <a:gd name="connsiteY0" fmla="*/ 171065 h 1175917"/>
+                  <a:gd name="connsiteX1" fmla="*/ 742853 w 1436937"/>
+                  <a:gd name="connsiteY1" fmla="*/ 0 h 1175917"/>
+                  <a:gd name="connsiteX2" fmla="*/ 1434514 w 1436937"/>
+                  <a:gd name="connsiteY2" fmla="*/ 175530 h 1175917"/>
+                  <a:gd name="connsiteX3" fmla="*/ 1436937 w 1436937"/>
+                  <a:gd name="connsiteY3" fmla="*/ 1175917 h 1175917"/>
+                  <a:gd name="connsiteX4" fmla="*/ 5966 w 1436937"/>
+                  <a:gd name="connsiteY4" fmla="*/ 1175917 h 1175917"/>
+                  <a:gd name="connsiteX5" fmla="*/ 0 w 1436937"/>
+                  <a:gd name="connsiteY5" fmla="*/ 171065 h 1175917"/>
+                  <a:gd name="connsiteX0" fmla="*/ 0 w 1436937"/>
+                  <a:gd name="connsiteY0" fmla="*/ 121585 h 1126437"/>
+                  <a:gd name="connsiteX1" fmla="*/ 742849 w 1436937"/>
+                  <a:gd name="connsiteY1" fmla="*/ 0 h 1126437"/>
+                  <a:gd name="connsiteX2" fmla="*/ 1434514 w 1436937"/>
+                  <a:gd name="connsiteY2" fmla="*/ 126050 h 1126437"/>
+                  <a:gd name="connsiteX3" fmla="*/ 1436937 w 1436937"/>
+                  <a:gd name="connsiteY3" fmla="*/ 1126437 h 1126437"/>
+                  <a:gd name="connsiteX4" fmla="*/ 5966 w 1436937"/>
+                  <a:gd name="connsiteY4" fmla="*/ 1126437 h 1126437"/>
+                  <a:gd name="connsiteX5" fmla="*/ 0 w 1436937"/>
+                  <a:gd name="connsiteY5" fmla="*/ 121585 h 1126437"/>
+                  <a:gd name="connsiteX0" fmla="*/ 0 w 1436937"/>
+                  <a:gd name="connsiteY0" fmla="*/ 83634 h 1088486"/>
+                  <a:gd name="connsiteX1" fmla="*/ 742846 w 1436937"/>
+                  <a:gd name="connsiteY1" fmla="*/ 0 h 1088486"/>
+                  <a:gd name="connsiteX2" fmla="*/ 1434514 w 1436937"/>
+                  <a:gd name="connsiteY2" fmla="*/ 88099 h 1088486"/>
+                  <a:gd name="connsiteX3" fmla="*/ 1436937 w 1436937"/>
+                  <a:gd name="connsiteY3" fmla="*/ 1088486 h 1088486"/>
+                  <a:gd name="connsiteX4" fmla="*/ 5966 w 1436937"/>
+                  <a:gd name="connsiteY4" fmla="*/ 1088486 h 1088486"/>
+                  <a:gd name="connsiteX5" fmla="*/ 0 w 1436937"/>
+                  <a:gd name="connsiteY5" fmla="*/ 83634 h 1088486"/>
+                </a:gdLst>
+                <a:ahLst/>
+                <a:cxnLst>
+                  <a:cxn ang="0">
+                    <a:pos x="connsiteX0" y="connsiteY0"/>
+                  </a:cxn>
+                  <a:cxn ang="0">
+                    <a:pos x="connsiteX1" y="connsiteY1"/>
+                  </a:cxn>
+                  <a:cxn ang="0">
+                    <a:pos x="connsiteX2" y="connsiteY2"/>
+                  </a:cxn>
+                  <a:cxn ang="0">
+                    <a:pos x="connsiteX3" y="connsiteY3"/>
+                  </a:cxn>
+                  <a:cxn ang="0">
+                    <a:pos x="connsiteX4" y="connsiteY4"/>
+                  </a:cxn>
+                  <a:cxn ang="0">
+                    <a:pos x="connsiteX5" y="connsiteY5"/>
+                  </a:cxn>
+                </a:cxnLst>
+                <a:rect l="l" t="t" r="r" b="b"/>
+                <a:pathLst>
+                  <a:path w="1436937" h="1088486">
+                    <a:moveTo>
+                      <a:pt x="0" y="83634"/>
+                    </a:moveTo>
+                    <a:lnTo>
+                      <a:pt x="742846" y="0"/>
+                    </a:lnTo>
+                    <a:lnTo>
+                      <a:pt x="1434514" y="88099"/>
+                    </a:lnTo>
+                    <a:cubicBezTo>
+                      <a:pt x="1435322" y="434235"/>
+                      <a:pt x="1436129" y="742350"/>
+                      <a:pt x="1436937" y="1088486"/>
+                    </a:cubicBezTo>
+                    <a:lnTo>
+                      <a:pt x="5966" y="1088486"/>
+                    </a:lnTo>
+                    <a:cubicBezTo>
+                      <a:pt x="3977" y="753535"/>
+                      <a:pt x="1989" y="418585"/>
+                      <a:pt x="0" y="83634"/>
+                    </a:cubicBezTo>
+                    <a:close/>
+                  </a:path>
+                </a:pathLst>
+              </a:custGeom>
+              <a:solidFill>
+                <a:schemeClr val="bg1"/>
+              </a:solidFill>
+              <a:ln w="57150">
+                <a:solidFill>
+                  <a:schemeClr val="tx1"/>
+                </a:solidFill>
+              </a:ln>
+            </p:spPr>
+            <p:style>
+              <a:lnRef idx="2">
+                <a:schemeClr val="accent1">
+                  <a:shade val="50000"/>
+                </a:schemeClr>
+              </a:lnRef>
+              <a:fillRef idx="1">
+                <a:schemeClr val="accent1"/>
+              </a:fillRef>
+              <a:effectRef idx="0">
+                <a:schemeClr val="accent1"/>
+              </a:effectRef>
+              <a:fontRef idx="minor">
+                <a:schemeClr val="lt1"/>
+              </a:fontRef>
+            </p:style>
+            <p:txBody>
+              <a:bodyPr rtlCol="0" anchor="ctr"/>
+              <a:lstStyle/>
+              <a:p>
+                <a:pPr algn="ctr"/>
+                <a:endParaRPr lang="ko-KR" altLang="en-US" dirty="0"/>
+              </a:p>
+            </p:txBody>
+          </p:sp>
+          <p:sp>
+            <p:nvSpPr>
+              <p:cNvPr id="121" name="타원 120">
+                <a:extLst>
+                  <a:ext uri="{FF2B5EF4-FFF2-40B4-BE49-F238E27FC236}">
+                    <a16:creationId xmlns:a16="http://schemas.microsoft.com/office/drawing/2014/main" xmlns="" id="{2FBDBF7A-7F9D-4BE4-B647-3B5013F2043B}"/>
+                  </a:ext>
+                </a:extLst>
+              </p:cNvPr>
+              <p:cNvSpPr/>
+              <p:nvPr/>
+            </p:nvSpPr>
+            <p:spPr>
+              <a:xfrm>
+                <a:off x="10599866" y="4933262"/>
+                <a:ext cx="215925" cy="201769"/>
+              </a:xfrm>
+              <a:prstGeom prst="ellipse">
+                <a:avLst/>
+              </a:prstGeom>
+              <a:solidFill>
+                <a:schemeClr val="bg1"/>
+              </a:solidFill>
+              <a:ln w="57150">
+                <a:solidFill>
+                  <a:schemeClr val="tx1"/>
+                </a:solidFill>
+              </a:ln>
+            </p:spPr>
+            <p:style>
+              <a:lnRef idx="2">
+                <a:schemeClr val="accent1">
+                  <a:shade val="50000"/>
+                </a:schemeClr>
+              </a:lnRef>
+              <a:fillRef idx="1">
+                <a:schemeClr val="accent1"/>
+              </a:fillRef>
+              <a:effectRef idx="0">
+                <a:schemeClr val="accent1"/>
+              </a:effectRef>
+              <a:fontRef idx="minor">
+                <a:schemeClr val="lt1"/>
+              </a:fontRef>
+            </p:style>
+            <p:txBody>
+              <a:bodyPr rtlCol="0" anchor="ctr"/>
+              <a:lstStyle/>
+              <a:p>
+                <a:pPr algn="ctr"/>
+                <a:endParaRPr lang="ko-KR" altLang="en-US"/>
+              </a:p>
+            </p:txBody>
+          </p:sp>
+          <p:cxnSp>
+            <p:nvCxnSpPr>
+              <p:cNvPr id="122" name="직선 연결선 121">
+                <a:extLst>
+                  <a:ext uri="{FF2B5EF4-FFF2-40B4-BE49-F238E27FC236}">
+                    <a16:creationId xmlns:a16="http://schemas.microsoft.com/office/drawing/2014/main" xmlns="" id="{C6EA07E5-C655-4EF3-BFBE-727EA7DEF1B6}"/>
+                  </a:ext>
+                </a:extLst>
+              </p:cNvPr>
+              <p:cNvCxnSpPr>
+                <a:cxnSpLocks/>
+              </p:cNvCxnSpPr>
+              <p:nvPr/>
+            </p:nvCxnSpPr>
+            <p:spPr>
+              <a:xfrm>
+                <a:off x="10599866" y="4637722"/>
+                <a:ext cx="194952" cy="90003"/>
+              </a:xfrm>
+              <a:prstGeom prst="line">
+                <a:avLst/>
+              </a:prstGeom>
+              <a:ln w="28575">
+                <a:solidFill>
+                  <a:schemeClr val="tx1"/>
+                </a:solidFill>
+              </a:ln>
+            </p:spPr>
+            <p:style>
+              <a:lnRef idx="1">
+                <a:schemeClr val="accent1"/>
+              </a:lnRef>
+              <a:fillRef idx="0">
+                <a:schemeClr val="accent1"/>
+              </a:fillRef>
+              <a:effectRef idx="0">
+                <a:schemeClr val="accent1"/>
+              </a:effectRef>
+              <a:fontRef idx="minor">
+                <a:schemeClr val="tx1"/>
+              </a:fontRef>
+            </p:style>
+          </p:cxnSp>
+          <p:cxnSp>
+            <p:nvCxnSpPr>
+              <p:cNvPr id="123" name="직선 연결선 122">
+                <a:extLst>
+                  <a:ext uri="{FF2B5EF4-FFF2-40B4-BE49-F238E27FC236}">
+                    <a16:creationId xmlns:a16="http://schemas.microsoft.com/office/drawing/2014/main" xmlns="" id="{4EF2238F-62E9-4F23-A313-2A9E244FFADF}"/>
+                  </a:ext>
+                </a:extLst>
+              </p:cNvPr>
+              <p:cNvCxnSpPr>
+                <a:cxnSpLocks/>
+              </p:cNvCxnSpPr>
+              <p:nvPr/>
+            </p:nvCxnSpPr>
+            <p:spPr>
+              <a:xfrm>
+                <a:off x="10599866" y="4730926"/>
+                <a:ext cx="194952" cy="90003"/>
+              </a:xfrm>
+              <a:prstGeom prst="line">
+                <a:avLst/>
+              </a:prstGeom>
+              <a:ln w="28575">
+                <a:solidFill>
+                  <a:schemeClr val="tx1"/>
+                </a:solidFill>
+              </a:ln>
+            </p:spPr>
+            <p:style>
+              <a:lnRef idx="1">
+                <a:schemeClr val="accent1"/>
+              </a:lnRef>
+              <a:fillRef idx="0">
+                <a:schemeClr val="accent1"/>
+              </a:fillRef>
+              <a:effectRef idx="0">
+                <a:schemeClr val="accent1"/>
+              </a:effectRef>
+              <a:fontRef idx="minor">
+                <a:schemeClr val="tx1"/>
+              </a:fontRef>
+            </p:style>
+          </p:cxnSp>
+          <p:cxnSp>
+            <p:nvCxnSpPr>
+              <p:cNvPr id="124" name="직선 연결선 123">
+                <a:extLst>
+                  <a:ext uri="{FF2B5EF4-FFF2-40B4-BE49-F238E27FC236}">
+                    <a16:creationId xmlns:a16="http://schemas.microsoft.com/office/drawing/2014/main" xmlns="" id="{8DEC9408-D7FD-4AA6-B1A6-E2CDB1E76327}"/>
+                  </a:ext>
+                </a:extLst>
+              </p:cNvPr>
+              <p:cNvCxnSpPr>
+                <a:cxnSpLocks/>
+              </p:cNvCxnSpPr>
+              <p:nvPr/>
+            </p:nvCxnSpPr>
+            <p:spPr>
+              <a:xfrm>
+                <a:off x="10610635" y="4822176"/>
+                <a:ext cx="194952" cy="90003"/>
+              </a:xfrm>
+              <a:prstGeom prst="line">
+                <a:avLst/>
+              </a:prstGeom>
+              <a:ln w="28575">
+                <a:solidFill>
+                  <a:schemeClr val="tx1"/>
+                </a:solidFill>
+              </a:ln>
+            </p:spPr>
+            <p:style>
+              <a:lnRef idx="1">
+                <a:schemeClr val="accent1"/>
+              </a:lnRef>
+              <a:fillRef idx="0">
+                <a:schemeClr val="accent1"/>
+              </a:fillRef>
+              <a:effectRef idx="0">
+                <a:schemeClr val="accent1"/>
+              </a:effectRef>
+              <a:fontRef idx="minor">
+                <a:schemeClr val="tx1"/>
+              </a:fontRef>
+            </p:style>
+          </p:cxnSp>
+        </p:grpSp>
+        <p:cxnSp>
+          <p:nvCxnSpPr>
+            <p:cNvPr id="116" name="직선 연결선 115">
+              <a:extLst>
+                <a:ext uri="{FF2B5EF4-FFF2-40B4-BE49-F238E27FC236}">
+                  <a16:creationId xmlns:a16="http://schemas.microsoft.com/office/drawing/2014/main" xmlns="" id="{4C01B616-2567-499B-AE60-11191E4628B5}"/>
+                </a:ext>
+              </a:extLst>
+            </p:cNvPr>
+            <p:cNvCxnSpPr>
+              <a:cxnSpLocks/>
+            </p:cNvCxnSpPr>
+            <p:nvPr/>
+          </p:nvCxnSpPr>
+          <p:spPr>
+            <a:xfrm>
+              <a:off x="10487025" y="4427847"/>
+              <a:ext cx="172283" cy="0"/>
+            </a:xfrm>
+            <a:prstGeom prst="line">
+              <a:avLst/>
+            </a:prstGeom>
+            <a:ln w="57150">
+              <a:solidFill>
+                <a:schemeClr val="tx1"/>
+              </a:solidFill>
+            </a:ln>
+          </p:spPr>
+          <p:style>
+            <a:lnRef idx="1">
+              <a:schemeClr val="accent1"/>
+            </a:lnRef>
+            <a:fillRef idx="0">
+              <a:schemeClr val="accent1"/>
+            </a:fillRef>
+            <a:effectRef idx="0">
+              <a:schemeClr val="accent1"/>
+            </a:effectRef>
+            <a:fontRef idx="minor">
+              <a:schemeClr val="tx1"/>
+            </a:fontRef>
+          </p:style>
+        </p:cxnSp>
+        <p:cxnSp>
+          <p:nvCxnSpPr>
+            <p:cNvPr id="117" name="직선 연결선 116">
+              <a:extLst>
+                <a:ext uri="{FF2B5EF4-FFF2-40B4-BE49-F238E27FC236}">
+                  <a16:creationId xmlns:a16="http://schemas.microsoft.com/office/drawing/2014/main" xmlns="" id="{90A069D3-6238-490D-B870-43F3D44DB440}"/>
+                </a:ext>
+              </a:extLst>
+            </p:cNvPr>
+            <p:cNvCxnSpPr>
+              <a:cxnSpLocks/>
+            </p:cNvCxnSpPr>
+            <p:nvPr/>
+          </p:nvCxnSpPr>
+          <p:spPr>
+            <a:xfrm flipV="1">
+              <a:off x="8718433" y="5054714"/>
+              <a:ext cx="163530" cy="163530"/>
+            </a:xfrm>
+            <a:prstGeom prst="line">
+              <a:avLst/>
+            </a:prstGeom>
+            <a:ln w="57150">
+              <a:solidFill>
+                <a:schemeClr val="tx1"/>
+              </a:solidFill>
+            </a:ln>
+          </p:spPr>
+          <p:style>
+            <a:lnRef idx="1">
+              <a:schemeClr val="accent1"/>
+            </a:lnRef>
+            <a:fillRef idx="0">
+              <a:schemeClr val="accent1"/>
+            </a:fillRef>
+            <a:effectRef idx="0">
+              <a:schemeClr val="accent1"/>
+            </a:effectRef>
+            <a:fontRef idx="minor">
+              <a:schemeClr val="tx1"/>
+            </a:fontRef>
+          </p:style>
+        </p:cxnSp>
+      </p:grpSp>
+      <p:pic>
+        <p:nvPicPr>
+          <p:cNvPr id="125" name="그림 124"/>
+          <p:cNvPicPr>
+            <a:picLocks noChangeAspect="1"/>
+          </p:cNvPicPr>
+          <p:nvPr/>
+        </p:nvPicPr>
+        <p:blipFill>
+          <a:blip r:embed="rId2"/>
+          <a:stretch>
+            <a:fillRect/>
+          </a:stretch>
+        </p:blipFill>
+        <p:spPr>
+          <a:xfrm>
+            <a:off x="8175811" y="3814252"/>
+            <a:ext cx="3686175" cy="1390650"/>
+          </a:xfrm>
+          <a:prstGeom prst="rect">
+            <a:avLst/>
+          </a:prstGeom>
+          <a:scene3d>
+            <a:camera prst="perspectiveFront"/>
+            <a:lightRig rig="threePt" dir="t"/>
+          </a:scene3d>
+        </p:spPr>
+      </p:pic>
+      <p:grpSp>
+        <p:nvGrpSpPr>
+          <p:cNvPr id="126" name="그룹 125">
+            <a:extLst>
+              <a:ext uri="{FF2B5EF4-FFF2-40B4-BE49-F238E27FC236}">
+                <a16:creationId xmlns:a16="http://schemas.microsoft.com/office/drawing/2014/main" xmlns="" id="{3C3D38B6-A7E9-4EAE-9EA9-A40848B7AE00}"/>
+              </a:ext>
+            </a:extLst>
+          </p:cNvPr>
+          <p:cNvGrpSpPr/>
+          <p:nvPr/>
+        </p:nvGrpSpPr>
+        <p:grpSpPr>
+          <a:xfrm>
+            <a:off x="8750156" y="1244930"/>
+            <a:ext cx="2537483" cy="3115702"/>
+            <a:chOff x="8249238" y="2884077"/>
+            <a:chExt cx="2537483" cy="3115702"/>
+          </a:xfrm>
+          <a:scene3d>
+            <a:camera prst="perspectiveHeroicExtremeRightFacing"/>
+            <a:lightRig rig="threePt" dir="t"/>
+          </a:scene3d>
+        </p:grpSpPr>
+        <p:sp>
+          <p:nvSpPr>
+            <p:cNvPr id="127" name="타원 126">
+              <a:extLst>
+                <a:ext uri="{FF2B5EF4-FFF2-40B4-BE49-F238E27FC236}">
+                  <a16:creationId xmlns:a16="http://schemas.microsoft.com/office/drawing/2014/main" xmlns="" id="{4193854E-07F8-4B67-B4C9-1D512421EC5A}"/>
+                </a:ext>
+              </a:extLst>
+            </p:cNvPr>
+            <p:cNvSpPr/>
+            <p:nvPr/>
+          </p:nvSpPr>
+          <p:spPr>
+            <a:xfrm>
+              <a:off x="8249238" y="3159105"/>
+              <a:ext cx="2537483" cy="2537483"/>
+            </a:xfrm>
+            <a:prstGeom prst="ellipse">
+              <a:avLst/>
+            </a:prstGeom>
+            <a:noFill/>
+            <a:ln w="57150">
+              <a:solidFill>
+                <a:schemeClr val="tx1"/>
+              </a:solidFill>
+            </a:ln>
+          </p:spPr>
+          <p:style>
+            <a:lnRef idx="2">
+              <a:schemeClr val="accent1">
+                <a:shade val="50000"/>
+              </a:schemeClr>
+            </a:lnRef>
+            <a:fillRef idx="1">
+              <a:schemeClr val="accent1"/>
+            </a:fillRef>
+            <a:effectRef idx="0">
+              <a:schemeClr val="accent1"/>
+            </a:effectRef>
+            <a:fontRef idx="minor">
+              <a:schemeClr val="lt1"/>
+            </a:fontRef>
+          </p:style>
+          <p:txBody>
+            <a:bodyPr rtlCol="0" anchor="ctr"/>
+            <a:lstStyle/>
+            <a:p>
+              <a:pPr algn="ctr"/>
+              <a:endParaRPr lang="ko-KR" altLang="en-US" dirty="0"/>
+            </a:p>
+          </p:txBody>
+        </p:sp>
+        <p:pic>
+          <p:nvPicPr>
+            <p:cNvPr id="128" name="그림 127">
+              <a:extLst>
+                <a:ext uri="{FF2B5EF4-FFF2-40B4-BE49-F238E27FC236}">
+                  <a16:creationId xmlns:a16="http://schemas.microsoft.com/office/drawing/2014/main" xmlns="" id="{0F346681-C5DE-4F45-A1FB-05482993C6B5}"/>
+                </a:ext>
+              </a:extLst>
+            </p:cNvPr>
+            <p:cNvPicPr>
+              <a:picLocks noChangeAspect="1"/>
+            </p:cNvPicPr>
+            <p:nvPr/>
+          </p:nvPicPr>
+          <p:blipFill>
+            <a:blip r:embed="rId3">
+              <a:extLst>
+                <a:ext uri="{BEBA8EAE-BF5A-486C-A8C5-ECC9F3942E4B}">
+                  <a14:imgProps xmlns:a14="http://schemas.microsoft.com/office/drawing/2010/main">
+                    <a14:imgLayer r:embed="rId4">
+                      <a14:imgEffect>
+                        <a14:backgroundRemoval t="0" b="100000" l="0" r="100000"/>
+                      </a14:imgEffect>
+                    </a14:imgLayer>
+                  </a14:imgProps>
+                </a:ext>
+              </a:extLst>
+            </a:blip>
+            <a:stretch>
+              <a:fillRect/>
+            </a:stretch>
+          </p:blipFill>
+          <p:spPr>
+            <a:xfrm rot="277598" flipH="1" flipV="1">
+              <a:off x="8335896" y="3953434"/>
+              <a:ext cx="1187135" cy="1378743"/>
+            </a:xfrm>
+            <a:prstGeom prst="rect">
+              <a:avLst/>
+            </a:prstGeom>
+          </p:spPr>
+        </p:pic>
+        <p:cxnSp>
+          <p:nvCxnSpPr>
+            <p:cNvPr id="144" name="직선 연결선 143">
+              <a:extLst>
+                <a:ext uri="{FF2B5EF4-FFF2-40B4-BE49-F238E27FC236}">
+                  <a16:creationId xmlns:a16="http://schemas.microsoft.com/office/drawing/2014/main" xmlns="" id="{3A04E75E-C99F-4083-BFD3-E35D207CD8AC}"/>
+                </a:ext>
+              </a:extLst>
+            </p:cNvPr>
+            <p:cNvCxnSpPr>
+              <a:cxnSpLocks/>
+              <a:stCxn id="148" idx="0"/>
+              <a:endCxn id="148" idx="4"/>
+            </p:cNvCxnSpPr>
+            <p:nvPr/>
+          </p:nvCxnSpPr>
+          <p:spPr>
+            <a:xfrm>
+              <a:off x="9517980" y="3297117"/>
+              <a:ext cx="0" cy="2261460"/>
+            </a:xfrm>
+            <a:prstGeom prst="line">
+              <a:avLst/>
+            </a:prstGeom>
+            <a:ln w="57150">
+              <a:solidFill>
+                <a:schemeClr val="tx1"/>
+              </a:solidFill>
+            </a:ln>
+          </p:spPr>
+          <p:style>
+            <a:lnRef idx="1">
+              <a:schemeClr val="accent1"/>
+            </a:lnRef>
+            <a:fillRef idx="0">
+              <a:schemeClr val="accent1"/>
+            </a:fillRef>
+            <a:effectRef idx="0">
+              <a:schemeClr val="accent1"/>
+            </a:effectRef>
+            <a:fontRef idx="minor">
+              <a:schemeClr val="tx1"/>
+            </a:fontRef>
+          </p:style>
+        </p:cxnSp>
+        <p:cxnSp>
+          <p:nvCxnSpPr>
+            <p:cNvPr id="146" name="직선 연결선 145">
+              <a:extLst>
+                <a:ext uri="{FF2B5EF4-FFF2-40B4-BE49-F238E27FC236}">
+                  <a16:creationId xmlns:a16="http://schemas.microsoft.com/office/drawing/2014/main" xmlns="" id="{278AA3DA-DB13-4CC2-8932-EA9D418FBD63}"/>
+                </a:ext>
+              </a:extLst>
+            </p:cNvPr>
+            <p:cNvCxnSpPr>
+              <a:cxnSpLocks/>
+              <a:stCxn id="148" idx="1"/>
+              <a:endCxn id="148" idx="5"/>
+            </p:cNvCxnSpPr>
+            <p:nvPr/>
+          </p:nvCxnSpPr>
+          <p:spPr>
+            <a:xfrm>
+              <a:off x="8718433" y="3628300"/>
+              <a:ext cx="1599094" cy="1599094"/>
+            </a:xfrm>
+            <a:prstGeom prst="line">
+              <a:avLst/>
+            </a:prstGeom>
+            <a:ln w="57150">
+              <a:solidFill>
+                <a:schemeClr val="tx1"/>
+              </a:solidFill>
+            </a:ln>
+          </p:spPr>
+          <p:style>
+            <a:lnRef idx="1">
+              <a:schemeClr val="accent1"/>
+            </a:lnRef>
+            <a:fillRef idx="0">
+              <a:schemeClr val="accent1"/>
+            </a:fillRef>
+            <a:effectRef idx="0">
+              <a:schemeClr val="accent1"/>
+            </a:effectRef>
+            <a:fontRef idx="minor">
+              <a:schemeClr val="tx1"/>
+            </a:fontRef>
+          </p:style>
+        </p:cxnSp>
+        <p:cxnSp>
+          <p:nvCxnSpPr>
+            <p:cNvPr id="147" name="직선 연결선 146">
+              <a:extLst>
+                <a:ext uri="{FF2B5EF4-FFF2-40B4-BE49-F238E27FC236}">
+                  <a16:creationId xmlns:a16="http://schemas.microsoft.com/office/drawing/2014/main" xmlns="" id="{90F96C09-06FA-4CC4-A912-56583A771E04}"/>
+                </a:ext>
+              </a:extLst>
+            </p:cNvPr>
+            <p:cNvCxnSpPr>
+              <a:cxnSpLocks/>
+              <a:endCxn id="148" idx="7"/>
+            </p:cNvCxnSpPr>
+            <p:nvPr/>
+          </p:nvCxnSpPr>
+          <p:spPr>
+            <a:xfrm flipV="1">
+              <a:off x="10118407" y="3628300"/>
+              <a:ext cx="199120" cy="199120"/>
+            </a:xfrm>
+            <a:prstGeom prst="line">
+              <a:avLst/>
+            </a:prstGeom>
+            <a:ln w="57150">
+              <a:solidFill>
+                <a:schemeClr val="tx1"/>
+              </a:solidFill>
+            </a:ln>
+          </p:spPr>
+          <p:style>
+            <a:lnRef idx="1">
+              <a:schemeClr val="accent1"/>
+            </a:lnRef>
+            <a:fillRef idx="0">
+              <a:schemeClr val="accent1"/>
+            </a:fillRef>
+            <a:effectRef idx="0">
+              <a:schemeClr val="accent1"/>
+            </a:effectRef>
+            <a:fontRef idx="minor">
+              <a:schemeClr val="tx1"/>
+            </a:fontRef>
+          </p:style>
+        </p:cxnSp>
+        <p:sp>
+          <p:nvSpPr>
+            <p:cNvPr id="148" name="타원 147">
+              <a:extLst>
+                <a:ext uri="{FF2B5EF4-FFF2-40B4-BE49-F238E27FC236}">
+                  <a16:creationId xmlns:a16="http://schemas.microsoft.com/office/drawing/2014/main" xmlns="" id="{312FE6F3-D9FB-4DB1-ACDA-157962F92822}"/>
+                </a:ext>
+              </a:extLst>
+            </p:cNvPr>
+            <p:cNvSpPr/>
+            <p:nvPr/>
+          </p:nvSpPr>
+          <p:spPr>
+            <a:xfrm>
+              <a:off x="8387250" y="3297117"/>
+              <a:ext cx="2261460" cy="2261460"/>
+            </a:xfrm>
+            <a:prstGeom prst="ellipse">
+              <a:avLst/>
+            </a:prstGeom>
+            <a:noFill/>
+            <a:ln w="57150">
+              <a:solidFill>
+                <a:schemeClr val="tx1"/>
+              </a:solidFill>
+            </a:ln>
+          </p:spPr>
+          <p:style>
+            <a:lnRef idx="2">
+              <a:schemeClr val="accent1">
+                <a:shade val="50000"/>
+              </a:schemeClr>
+            </a:lnRef>
+            <a:fillRef idx="1">
+              <a:schemeClr val="accent1"/>
+            </a:fillRef>
+            <a:effectRef idx="0">
+              <a:schemeClr val="accent1"/>
+            </a:effectRef>
+            <a:fontRef idx="minor">
+              <a:schemeClr val="lt1"/>
+            </a:fontRef>
+          </p:style>
+          <p:txBody>
+            <a:bodyPr rtlCol="0" anchor="ctr"/>
+            <a:lstStyle/>
+            <a:p>
+              <a:pPr algn="ctr"/>
+              <a:endParaRPr lang="ko-KR" altLang="en-US"/>
+            </a:p>
+          </p:txBody>
+        </p:sp>
+        <p:cxnSp>
+          <p:nvCxnSpPr>
+            <p:cNvPr id="150" name="직선 연결선 149">
+              <a:extLst>
+                <a:ext uri="{FF2B5EF4-FFF2-40B4-BE49-F238E27FC236}">
+                  <a16:creationId xmlns:a16="http://schemas.microsoft.com/office/drawing/2014/main" xmlns="" id="{FDBA1D22-EE00-45CE-9E9A-35B345E9F401}"/>
+                </a:ext>
+              </a:extLst>
+            </p:cNvPr>
+            <p:cNvCxnSpPr>
+              <a:cxnSpLocks/>
+              <a:stCxn id="148" idx="2"/>
+            </p:cNvCxnSpPr>
+            <p:nvPr/>
+          </p:nvCxnSpPr>
+          <p:spPr>
+            <a:xfrm>
+              <a:off x="8387250" y="4427847"/>
+              <a:ext cx="105875" cy="0"/>
+            </a:xfrm>
+            <a:prstGeom prst="line">
+              <a:avLst/>
+            </a:prstGeom>
+            <a:ln w="57150">
+              <a:solidFill>
+                <a:schemeClr val="tx1"/>
+              </a:solidFill>
+            </a:ln>
+          </p:spPr>
+          <p:style>
+            <a:lnRef idx="1">
+              <a:schemeClr val="accent1"/>
+            </a:lnRef>
+            <a:fillRef idx="0">
+              <a:schemeClr val="accent1"/>
+            </a:fillRef>
+            <a:effectRef idx="0">
+              <a:schemeClr val="accent1"/>
+            </a:effectRef>
+            <a:fontRef idx="minor">
+              <a:schemeClr val="tx1"/>
+            </a:fontRef>
+          </p:style>
+        </p:cxnSp>
+        <p:pic>
+          <p:nvPicPr>
+            <p:cNvPr id="151" name="그림 150">
+              <a:extLst>
+                <a:ext uri="{FF2B5EF4-FFF2-40B4-BE49-F238E27FC236}">
+                  <a16:creationId xmlns:a16="http://schemas.microsoft.com/office/drawing/2014/main" xmlns="" id="{86A4D6E1-9541-4E66-BB7B-4EA494A01F8A}"/>
+                </a:ext>
+              </a:extLst>
+            </p:cNvPr>
+            <p:cNvPicPr>
+              <a:picLocks noChangeAspect="1"/>
+            </p:cNvPicPr>
+            <p:nvPr/>
+          </p:nvPicPr>
+          <p:blipFill>
+            <a:blip r:embed="rId3">
+              <a:extLst>
+                <a:ext uri="{BEBA8EAE-BF5A-486C-A8C5-ECC9F3942E4B}">
+                  <a14:imgProps xmlns:a14="http://schemas.microsoft.com/office/drawing/2010/main">
+                    <a14:imgLayer r:embed="rId4">
+                      <a14:imgEffect>
+                        <a14:backgroundRemoval t="0" b="100000" l="0" r="100000"/>
+                      </a14:imgEffect>
+                    </a14:imgLayer>
+                  </a14:imgProps>
+                </a:ext>
+              </a:extLst>
+            </a:blip>
+            <a:stretch>
+              <a:fillRect/>
+            </a:stretch>
+          </p:blipFill>
+          <p:spPr>
+            <a:xfrm rot="277598">
+              <a:off x="9497243" y="3612415"/>
+              <a:ext cx="1187135" cy="1378743"/>
+            </a:xfrm>
+            <a:prstGeom prst="rect">
+              <a:avLst/>
+            </a:prstGeom>
+          </p:spPr>
+        </p:pic>
+        <p:grpSp>
+          <p:nvGrpSpPr>
+            <p:cNvPr id="152" name="그룹 151">
+              <a:extLst>
+                <a:ext uri="{FF2B5EF4-FFF2-40B4-BE49-F238E27FC236}">
+                  <a16:creationId xmlns:a16="http://schemas.microsoft.com/office/drawing/2014/main" xmlns="" id="{39F180EC-A1B4-465E-852B-AFFB2DCB9AD3}"/>
+                </a:ext>
+              </a:extLst>
+            </p:cNvPr>
+            <p:cNvGrpSpPr/>
+            <p:nvPr/>
+          </p:nvGrpSpPr>
+          <p:grpSpPr>
+            <a:xfrm rot="20265198">
+              <a:off x="9186801" y="2884077"/>
+              <a:ext cx="655059" cy="3115702"/>
+              <a:chOff x="10380299" y="2019329"/>
+              <a:chExt cx="655059" cy="3115702"/>
+            </a:xfrm>
+          </p:grpSpPr>
+          <p:sp>
+            <p:nvSpPr>
+              <p:cNvPr id="177" name="직사각형 176">
+                <a:extLst>
+                  <a:ext uri="{FF2B5EF4-FFF2-40B4-BE49-F238E27FC236}">
+                    <a16:creationId xmlns:a16="http://schemas.microsoft.com/office/drawing/2014/main" xmlns="" id="{DC66CF24-85C5-41FF-A252-CD05B25E8A60}"/>
+                  </a:ext>
+                </a:extLst>
+              </p:cNvPr>
+              <p:cNvSpPr/>
+              <p:nvPr/>
+            </p:nvSpPr>
+            <p:spPr>
+              <a:xfrm>
+                <a:off x="10620838" y="4513583"/>
+                <a:ext cx="173980" cy="562508"/>
+              </a:xfrm>
+              <a:prstGeom prst="rect">
+                <a:avLst/>
+              </a:prstGeom>
+              <a:solidFill>
+                <a:schemeClr val="bg1"/>
+              </a:solidFill>
+              <a:ln w="57150">
+                <a:solidFill>
+                  <a:schemeClr val="tx1"/>
+                </a:solidFill>
+              </a:ln>
+            </p:spPr>
+            <p:style>
+              <a:lnRef idx="2">
+                <a:schemeClr val="accent1">
+                  <a:shade val="50000"/>
+                </a:schemeClr>
+              </a:lnRef>
+              <a:fillRef idx="1">
+                <a:schemeClr val="accent1"/>
+              </a:fillRef>
+              <a:effectRef idx="0">
+                <a:schemeClr val="accent1"/>
+              </a:effectRef>
+              <a:fontRef idx="minor">
+                <a:schemeClr val="lt1"/>
+              </a:fontRef>
+            </p:style>
+            <p:txBody>
+              <a:bodyPr rtlCol="0" anchor="ctr"/>
+              <a:lstStyle/>
+              <a:p>
+                <a:pPr algn="ctr"/>
+                <a:endParaRPr lang="ko-KR" altLang="en-US"/>
+              </a:p>
+            </p:txBody>
+          </p:sp>
+          <p:sp>
+            <p:nvSpPr>
+              <p:cNvPr id="178" name="타원 177">
+                <a:extLst>
+                  <a:ext uri="{FF2B5EF4-FFF2-40B4-BE49-F238E27FC236}">
+                    <a16:creationId xmlns:a16="http://schemas.microsoft.com/office/drawing/2014/main" xmlns="" id="{A0F25002-B919-4F1A-A727-703F1B152EBA}"/>
+                  </a:ext>
+                </a:extLst>
+              </p:cNvPr>
+              <p:cNvSpPr/>
+              <p:nvPr/>
+            </p:nvSpPr>
+            <p:spPr>
+              <a:xfrm>
+                <a:off x="10380299" y="4415534"/>
+                <a:ext cx="655059" cy="197587"/>
+              </a:xfrm>
+              <a:prstGeom prst="ellipse">
+                <a:avLst/>
+              </a:prstGeom>
+              <a:solidFill>
+                <a:schemeClr val="bg1"/>
+              </a:solidFill>
+              <a:ln w="57150">
+                <a:solidFill>
+                  <a:schemeClr val="tx1"/>
+                </a:solidFill>
+              </a:ln>
+            </p:spPr>
+            <p:style>
+              <a:lnRef idx="2">
+                <a:schemeClr val="accent1">
+                  <a:shade val="50000"/>
+                </a:schemeClr>
+              </a:lnRef>
+              <a:fillRef idx="1">
+                <a:schemeClr val="accent1"/>
+              </a:fillRef>
+              <a:effectRef idx="0">
+                <a:schemeClr val="accent1"/>
+              </a:effectRef>
+              <a:fontRef idx="minor">
+                <a:schemeClr val="lt1"/>
+              </a:fontRef>
+            </p:style>
+            <p:txBody>
+              <a:bodyPr rtlCol="0" anchor="ctr"/>
+              <a:lstStyle/>
+              <a:p>
+                <a:pPr algn="ctr"/>
+                <a:endParaRPr lang="ko-KR" altLang="en-US"/>
+              </a:p>
+            </p:txBody>
+          </p:sp>
+          <p:sp>
+            <p:nvSpPr>
+              <p:cNvPr id="179" name="오각형 3">
+                <a:extLst>
+                  <a:ext uri="{FF2B5EF4-FFF2-40B4-BE49-F238E27FC236}">
+                    <a16:creationId xmlns:a16="http://schemas.microsoft.com/office/drawing/2014/main" xmlns="" id="{7453D111-879B-4199-84B7-CD1FA42660D8}"/>
+                  </a:ext>
+                </a:extLst>
+              </p:cNvPr>
+              <p:cNvSpPr/>
+              <p:nvPr/>
+            </p:nvSpPr>
+            <p:spPr>
+              <a:xfrm>
+                <a:off x="10620839" y="2019329"/>
+                <a:ext cx="173980" cy="2494999"/>
+              </a:xfrm>
+              <a:custGeom>
+                <a:avLst/>
+                <a:gdLst>
+                  <a:gd name="connsiteX0" fmla="*/ 2 w 2315363"/>
+                  <a:gd name="connsiteY0" fmla="*/ 574371 h 1503726"/>
+                  <a:gd name="connsiteX1" fmla="*/ 1157682 w 2315363"/>
+                  <a:gd name="connsiteY1" fmla="*/ 0 h 1503726"/>
+                  <a:gd name="connsiteX2" fmla="*/ 2315361 w 2315363"/>
+                  <a:gd name="connsiteY2" fmla="*/ 574371 h 1503726"/>
+                  <a:gd name="connsiteX3" fmla="*/ 1873167 w 2315363"/>
+                  <a:gd name="connsiteY3" fmla="*/ 1503722 h 1503726"/>
+                  <a:gd name="connsiteX4" fmla="*/ 442196 w 2315363"/>
+                  <a:gd name="connsiteY4" fmla="*/ 1503722 h 1503726"/>
+                  <a:gd name="connsiteX5" fmla="*/ 2 w 2315363"/>
+                  <a:gd name="connsiteY5" fmla="*/ 574371 h 1503726"/>
+                  <a:gd name="connsiteX0" fmla="*/ 0 w 1879131"/>
+                  <a:gd name="connsiteY0" fmla="*/ 498870 h 1503722"/>
+                  <a:gd name="connsiteX1" fmla="*/ 721452 w 1879131"/>
+                  <a:gd name="connsiteY1" fmla="*/ 0 h 1503722"/>
+                  <a:gd name="connsiteX2" fmla="*/ 1879131 w 1879131"/>
+                  <a:gd name="connsiteY2" fmla="*/ 574371 h 1503722"/>
+                  <a:gd name="connsiteX3" fmla="*/ 1436937 w 1879131"/>
+                  <a:gd name="connsiteY3" fmla="*/ 1503722 h 1503722"/>
+                  <a:gd name="connsiteX4" fmla="*/ 5966 w 1879131"/>
+                  <a:gd name="connsiteY4" fmla="*/ 1503722 h 1503722"/>
+                  <a:gd name="connsiteX5" fmla="*/ 0 w 1879131"/>
+                  <a:gd name="connsiteY5" fmla="*/ 498870 h 1503722"/>
+                  <a:gd name="connsiteX0" fmla="*/ 0 w 1459681"/>
+                  <a:gd name="connsiteY0" fmla="*/ 498870 h 1503722"/>
+                  <a:gd name="connsiteX1" fmla="*/ 721452 w 1459681"/>
+                  <a:gd name="connsiteY1" fmla="*/ 0 h 1503722"/>
+                  <a:gd name="connsiteX2" fmla="*/ 1459681 w 1459681"/>
+                  <a:gd name="connsiteY2" fmla="*/ 465314 h 1503722"/>
+                  <a:gd name="connsiteX3" fmla="*/ 1436937 w 1459681"/>
+                  <a:gd name="connsiteY3" fmla="*/ 1503722 h 1503722"/>
+                  <a:gd name="connsiteX4" fmla="*/ 5966 w 1459681"/>
+                  <a:gd name="connsiteY4" fmla="*/ 1503722 h 1503722"/>
+                  <a:gd name="connsiteX5" fmla="*/ 0 w 1459681"/>
+                  <a:gd name="connsiteY5" fmla="*/ 498870 h 1503722"/>
+                  <a:gd name="connsiteX0" fmla="*/ 0 w 1436937"/>
+                  <a:gd name="connsiteY0" fmla="*/ 498870 h 1503722"/>
+                  <a:gd name="connsiteX1" fmla="*/ 721452 w 1436937"/>
+                  <a:gd name="connsiteY1" fmla="*/ 0 h 1503722"/>
+                  <a:gd name="connsiteX2" fmla="*/ 1426125 w 1436937"/>
+                  <a:gd name="connsiteY2" fmla="*/ 465314 h 1503722"/>
+                  <a:gd name="connsiteX3" fmla="*/ 1436937 w 1436937"/>
+                  <a:gd name="connsiteY3" fmla="*/ 1503722 h 1503722"/>
+                  <a:gd name="connsiteX4" fmla="*/ 5966 w 1436937"/>
+                  <a:gd name="connsiteY4" fmla="*/ 1503722 h 1503722"/>
+                  <a:gd name="connsiteX5" fmla="*/ 0 w 1436937"/>
+                  <a:gd name="connsiteY5" fmla="*/ 498870 h 1503722"/>
+                  <a:gd name="connsiteX0" fmla="*/ 0 w 1436937"/>
+                  <a:gd name="connsiteY0" fmla="*/ 498870 h 1503722"/>
+                  <a:gd name="connsiteX1" fmla="*/ 721452 w 1436937"/>
+                  <a:gd name="connsiteY1" fmla="*/ 0 h 1503722"/>
+                  <a:gd name="connsiteX2" fmla="*/ 1434514 w 1436937"/>
+                  <a:gd name="connsiteY2" fmla="*/ 465314 h 1503722"/>
+                  <a:gd name="connsiteX3" fmla="*/ 1436937 w 1436937"/>
+                  <a:gd name="connsiteY3" fmla="*/ 1503722 h 1503722"/>
+                  <a:gd name="connsiteX4" fmla="*/ 5966 w 1436937"/>
+                  <a:gd name="connsiteY4" fmla="*/ 1503722 h 1503722"/>
+                  <a:gd name="connsiteX5" fmla="*/ 0 w 1436937"/>
+                  <a:gd name="connsiteY5" fmla="*/ 498870 h 1503722"/>
+                  <a:gd name="connsiteX0" fmla="*/ 0 w 1436937"/>
+                  <a:gd name="connsiteY0" fmla="*/ 498870 h 1503722"/>
+                  <a:gd name="connsiteX1" fmla="*/ 721452 w 1436937"/>
+                  <a:gd name="connsiteY1" fmla="*/ 0 h 1503722"/>
+                  <a:gd name="connsiteX2" fmla="*/ 1434514 w 1436937"/>
+                  <a:gd name="connsiteY2" fmla="*/ 503335 h 1503722"/>
+                  <a:gd name="connsiteX3" fmla="*/ 1436937 w 1436937"/>
+                  <a:gd name="connsiteY3" fmla="*/ 1503722 h 1503722"/>
+                  <a:gd name="connsiteX4" fmla="*/ 5966 w 1436937"/>
+                  <a:gd name="connsiteY4" fmla="*/ 1503722 h 1503722"/>
+                  <a:gd name="connsiteX5" fmla="*/ 0 w 1436937"/>
+                  <a:gd name="connsiteY5" fmla="*/ 498870 h 1503722"/>
+                  <a:gd name="connsiteX0" fmla="*/ 0 w 1436937"/>
+                  <a:gd name="connsiteY0" fmla="*/ 171065 h 1175917"/>
+                  <a:gd name="connsiteX1" fmla="*/ 742853 w 1436937"/>
+                  <a:gd name="connsiteY1" fmla="*/ 0 h 1175917"/>
+                  <a:gd name="connsiteX2" fmla="*/ 1434514 w 1436937"/>
+                  <a:gd name="connsiteY2" fmla="*/ 175530 h 1175917"/>
+                  <a:gd name="connsiteX3" fmla="*/ 1436937 w 1436937"/>
+                  <a:gd name="connsiteY3" fmla="*/ 1175917 h 1175917"/>
+                  <a:gd name="connsiteX4" fmla="*/ 5966 w 1436937"/>
+                  <a:gd name="connsiteY4" fmla="*/ 1175917 h 1175917"/>
+                  <a:gd name="connsiteX5" fmla="*/ 0 w 1436937"/>
+                  <a:gd name="connsiteY5" fmla="*/ 171065 h 1175917"/>
+                  <a:gd name="connsiteX0" fmla="*/ 0 w 1436937"/>
+                  <a:gd name="connsiteY0" fmla="*/ 121585 h 1126437"/>
+                  <a:gd name="connsiteX1" fmla="*/ 742849 w 1436937"/>
+                  <a:gd name="connsiteY1" fmla="*/ 0 h 1126437"/>
+                  <a:gd name="connsiteX2" fmla="*/ 1434514 w 1436937"/>
+                  <a:gd name="connsiteY2" fmla="*/ 126050 h 1126437"/>
+                  <a:gd name="connsiteX3" fmla="*/ 1436937 w 1436937"/>
+                  <a:gd name="connsiteY3" fmla="*/ 1126437 h 1126437"/>
+                  <a:gd name="connsiteX4" fmla="*/ 5966 w 1436937"/>
+                  <a:gd name="connsiteY4" fmla="*/ 1126437 h 1126437"/>
+                  <a:gd name="connsiteX5" fmla="*/ 0 w 1436937"/>
+                  <a:gd name="connsiteY5" fmla="*/ 121585 h 1126437"/>
+                  <a:gd name="connsiteX0" fmla="*/ 0 w 1436937"/>
+                  <a:gd name="connsiteY0" fmla="*/ 83634 h 1088486"/>
+                  <a:gd name="connsiteX1" fmla="*/ 742846 w 1436937"/>
+                  <a:gd name="connsiteY1" fmla="*/ 0 h 1088486"/>
+                  <a:gd name="connsiteX2" fmla="*/ 1434514 w 1436937"/>
+                  <a:gd name="connsiteY2" fmla="*/ 88099 h 1088486"/>
+                  <a:gd name="connsiteX3" fmla="*/ 1436937 w 1436937"/>
+                  <a:gd name="connsiteY3" fmla="*/ 1088486 h 1088486"/>
+                  <a:gd name="connsiteX4" fmla="*/ 5966 w 1436937"/>
+                  <a:gd name="connsiteY4" fmla="*/ 1088486 h 1088486"/>
+                  <a:gd name="connsiteX5" fmla="*/ 0 w 1436937"/>
+                  <a:gd name="connsiteY5" fmla="*/ 83634 h 1088486"/>
+                </a:gdLst>
+                <a:ahLst/>
+                <a:cxnLst>
+                  <a:cxn ang="0">
+                    <a:pos x="connsiteX0" y="connsiteY0"/>
+                  </a:cxn>
+                  <a:cxn ang="0">
+                    <a:pos x="connsiteX1" y="connsiteY1"/>
+                  </a:cxn>
+                  <a:cxn ang="0">
+                    <a:pos x="connsiteX2" y="connsiteY2"/>
+                  </a:cxn>
+                  <a:cxn ang="0">
+                    <a:pos x="connsiteX3" y="connsiteY3"/>
+                  </a:cxn>
+                  <a:cxn ang="0">
+                    <a:pos x="connsiteX4" y="connsiteY4"/>
+                  </a:cxn>
+                  <a:cxn ang="0">
+                    <a:pos x="connsiteX5" y="connsiteY5"/>
+                  </a:cxn>
+                </a:cxnLst>
+                <a:rect l="l" t="t" r="r" b="b"/>
+                <a:pathLst>
+                  <a:path w="1436937" h="1088486">
+                    <a:moveTo>
+                      <a:pt x="0" y="83634"/>
+                    </a:moveTo>
+                    <a:lnTo>
+                      <a:pt x="742846" y="0"/>
+                    </a:lnTo>
+                    <a:lnTo>
+                      <a:pt x="1434514" y="88099"/>
+                    </a:lnTo>
+                    <a:cubicBezTo>
+                      <a:pt x="1435322" y="434235"/>
+                      <a:pt x="1436129" y="742350"/>
+                      <a:pt x="1436937" y="1088486"/>
+                    </a:cubicBezTo>
+                    <a:lnTo>
+                      <a:pt x="5966" y="1088486"/>
+                    </a:lnTo>
+                    <a:cubicBezTo>
+                      <a:pt x="3977" y="753535"/>
+                      <a:pt x="1989" y="418585"/>
+                      <a:pt x="0" y="83634"/>
+                    </a:cubicBezTo>
+                    <a:close/>
+                  </a:path>
+                </a:pathLst>
+              </a:custGeom>
+              <a:solidFill>
+                <a:schemeClr val="bg1"/>
+              </a:solidFill>
+              <a:ln w="57150">
+                <a:solidFill>
+                  <a:schemeClr val="tx1"/>
+                </a:solidFill>
+              </a:ln>
+            </p:spPr>
+            <p:style>
+              <a:lnRef idx="2">
+                <a:schemeClr val="accent1">
+                  <a:shade val="50000"/>
+                </a:schemeClr>
+              </a:lnRef>
+              <a:fillRef idx="1">
+                <a:schemeClr val="accent1"/>
+              </a:fillRef>
+              <a:effectRef idx="0">
+                <a:schemeClr val="accent1"/>
+              </a:effectRef>
+              <a:fontRef idx="minor">
+                <a:schemeClr val="lt1"/>
+              </a:fontRef>
+            </p:style>
+            <p:txBody>
+              <a:bodyPr rtlCol="0" anchor="ctr"/>
+              <a:lstStyle/>
+              <a:p>
+                <a:pPr algn="ctr"/>
+                <a:endParaRPr lang="ko-KR" altLang="en-US" dirty="0"/>
+              </a:p>
+            </p:txBody>
+          </p:sp>
+          <p:sp>
+            <p:nvSpPr>
+              <p:cNvPr id="180" name="타원 179">
+                <a:extLst>
+                  <a:ext uri="{FF2B5EF4-FFF2-40B4-BE49-F238E27FC236}">
+                    <a16:creationId xmlns:a16="http://schemas.microsoft.com/office/drawing/2014/main" xmlns="" id="{2FBDBF7A-7F9D-4BE4-B647-3B5013F2043B}"/>
+                  </a:ext>
+                </a:extLst>
+              </p:cNvPr>
+              <p:cNvSpPr/>
+              <p:nvPr/>
+            </p:nvSpPr>
+            <p:spPr>
+              <a:xfrm>
+                <a:off x="10599866" y="4933262"/>
+                <a:ext cx="215925" cy="201769"/>
+              </a:xfrm>
+              <a:prstGeom prst="ellipse">
+                <a:avLst/>
+              </a:prstGeom>
+              <a:solidFill>
+                <a:schemeClr val="bg1"/>
+              </a:solidFill>
+              <a:ln w="57150">
+                <a:solidFill>
+                  <a:schemeClr val="tx1"/>
+                </a:solidFill>
+              </a:ln>
+            </p:spPr>
+            <p:style>
+              <a:lnRef idx="2">
+                <a:schemeClr val="accent1">
+                  <a:shade val="50000"/>
+                </a:schemeClr>
+              </a:lnRef>
+              <a:fillRef idx="1">
+                <a:schemeClr val="accent1"/>
+              </a:fillRef>
+              <a:effectRef idx="0">
+                <a:schemeClr val="accent1"/>
+              </a:effectRef>
+              <a:fontRef idx="minor">
+                <a:schemeClr val="lt1"/>
+              </a:fontRef>
+            </p:style>
+            <p:txBody>
+              <a:bodyPr rtlCol="0" anchor="ctr"/>
+              <a:lstStyle/>
+              <a:p>
+                <a:pPr algn="ctr"/>
+                <a:endParaRPr lang="ko-KR" altLang="en-US"/>
+              </a:p>
+            </p:txBody>
+          </p:sp>
+          <p:cxnSp>
+            <p:nvCxnSpPr>
+              <p:cNvPr id="181" name="직선 연결선 180">
+                <a:extLst>
+                  <a:ext uri="{FF2B5EF4-FFF2-40B4-BE49-F238E27FC236}">
+                    <a16:creationId xmlns:a16="http://schemas.microsoft.com/office/drawing/2014/main" xmlns="" id="{C6EA07E5-C655-4EF3-BFBE-727EA7DEF1B6}"/>
+                  </a:ext>
+                </a:extLst>
+              </p:cNvPr>
+              <p:cNvCxnSpPr>
+                <a:cxnSpLocks/>
+              </p:cNvCxnSpPr>
+              <p:nvPr/>
+            </p:nvCxnSpPr>
+            <p:spPr>
+              <a:xfrm>
+                <a:off x="10599866" y="4637722"/>
+                <a:ext cx="194952" cy="90003"/>
+              </a:xfrm>
+              <a:prstGeom prst="line">
+                <a:avLst/>
+              </a:prstGeom>
+              <a:ln w="28575">
+                <a:solidFill>
+                  <a:schemeClr val="tx1"/>
+                </a:solidFill>
+              </a:ln>
+            </p:spPr>
+            <p:style>
+              <a:lnRef idx="1">
+                <a:schemeClr val="accent1"/>
+              </a:lnRef>
+              <a:fillRef idx="0">
+                <a:schemeClr val="accent1"/>
+              </a:fillRef>
+              <a:effectRef idx="0">
+                <a:schemeClr val="accent1"/>
+              </a:effectRef>
+              <a:fontRef idx="minor">
+                <a:schemeClr val="tx1"/>
+              </a:fontRef>
+            </p:style>
+          </p:cxnSp>
+          <p:cxnSp>
+            <p:nvCxnSpPr>
+              <p:cNvPr id="182" name="직선 연결선 181">
+                <a:extLst>
+                  <a:ext uri="{FF2B5EF4-FFF2-40B4-BE49-F238E27FC236}">
+                    <a16:creationId xmlns:a16="http://schemas.microsoft.com/office/drawing/2014/main" xmlns="" id="{4EF2238F-62E9-4F23-A313-2A9E244FFADF}"/>
+                  </a:ext>
+                </a:extLst>
+              </p:cNvPr>
+              <p:cNvCxnSpPr>
+                <a:cxnSpLocks/>
+              </p:cNvCxnSpPr>
+              <p:nvPr/>
+            </p:nvCxnSpPr>
+            <p:spPr>
+              <a:xfrm>
+                <a:off x="10599866" y="4730926"/>
+                <a:ext cx="194952" cy="90003"/>
+              </a:xfrm>
+              <a:prstGeom prst="line">
+                <a:avLst/>
+              </a:prstGeom>
+              <a:ln w="28575">
+                <a:solidFill>
+                  <a:schemeClr val="tx1"/>
+                </a:solidFill>
+              </a:ln>
+            </p:spPr>
+            <p:style>
+              <a:lnRef idx="1">
+                <a:schemeClr val="accent1"/>
+              </a:lnRef>
+              <a:fillRef idx="0">
+                <a:schemeClr val="accent1"/>
+              </a:fillRef>
+              <a:effectRef idx="0">
+                <a:schemeClr val="accent1"/>
+              </a:effectRef>
+              <a:fontRef idx="minor">
+                <a:schemeClr val="tx1"/>
+              </a:fontRef>
+            </p:style>
+          </p:cxnSp>
+          <p:cxnSp>
+            <p:nvCxnSpPr>
+              <p:cNvPr id="183" name="직선 연결선 182">
+                <a:extLst>
+                  <a:ext uri="{FF2B5EF4-FFF2-40B4-BE49-F238E27FC236}">
+                    <a16:creationId xmlns:a16="http://schemas.microsoft.com/office/drawing/2014/main" xmlns="" id="{8DEC9408-D7FD-4AA6-B1A6-E2CDB1E76327}"/>
+                  </a:ext>
+                </a:extLst>
+              </p:cNvPr>
+              <p:cNvCxnSpPr>
+                <a:cxnSpLocks/>
+              </p:cNvCxnSpPr>
+              <p:nvPr/>
+            </p:nvCxnSpPr>
+            <p:spPr>
+              <a:xfrm>
+                <a:off x="10610635" y="4822176"/>
+                <a:ext cx="194952" cy="90003"/>
+              </a:xfrm>
+              <a:prstGeom prst="line">
+                <a:avLst/>
+              </a:prstGeom>
+              <a:ln w="28575">
+                <a:solidFill>
+                  <a:schemeClr val="tx1"/>
+                </a:solidFill>
+              </a:ln>
+            </p:spPr>
+            <p:style>
+              <a:lnRef idx="1">
+                <a:schemeClr val="accent1"/>
+              </a:lnRef>
+              <a:fillRef idx="0">
+                <a:schemeClr val="accent1"/>
+              </a:fillRef>
+              <a:effectRef idx="0">
+                <a:schemeClr val="accent1"/>
+              </a:effectRef>
+              <a:fontRef idx="minor">
+                <a:schemeClr val="tx1"/>
+              </a:fontRef>
+            </p:style>
+          </p:cxnSp>
+        </p:grpSp>
+        <p:cxnSp>
+          <p:nvCxnSpPr>
+            <p:cNvPr id="153" name="직선 연결선 152">
+              <a:extLst>
+                <a:ext uri="{FF2B5EF4-FFF2-40B4-BE49-F238E27FC236}">
+                  <a16:creationId xmlns:a16="http://schemas.microsoft.com/office/drawing/2014/main" xmlns="" id="{4C01B616-2567-499B-AE60-11191E4628B5}"/>
+                </a:ext>
+              </a:extLst>
+            </p:cNvPr>
+            <p:cNvCxnSpPr>
+              <a:cxnSpLocks/>
+            </p:cNvCxnSpPr>
+            <p:nvPr/>
+          </p:nvCxnSpPr>
+          <p:spPr>
+            <a:xfrm>
+              <a:off x="10487025" y="4427847"/>
+              <a:ext cx="172283" cy="0"/>
+            </a:xfrm>
+            <a:prstGeom prst="line">
+              <a:avLst/>
+            </a:prstGeom>
+            <a:ln w="57150">
+              <a:solidFill>
+                <a:schemeClr val="tx1"/>
+              </a:solidFill>
+            </a:ln>
+          </p:spPr>
+          <p:style>
+            <a:lnRef idx="1">
+              <a:schemeClr val="accent1"/>
+            </a:lnRef>
+            <a:fillRef idx="0">
+              <a:schemeClr val="accent1"/>
+            </a:fillRef>
+            <a:effectRef idx="0">
+              <a:schemeClr val="accent1"/>
+            </a:effectRef>
+            <a:fontRef idx="minor">
+              <a:schemeClr val="tx1"/>
+            </a:fontRef>
+          </p:style>
+        </p:cxnSp>
+        <p:cxnSp>
+          <p:nvCxnSpPr>
+            <p:cNvPr id="176" name="직선 연결선 175">
+              <a:extLst>
+                <a:ext uri="{FF2B5EF4-FFF2-40B4-BE49-F238E27FC236}">
+                  <a16:creationId xmlns:a16="http://schemas.microsoft.com/office/drawing/2014/main" xmlns="" id="{90A069D3-6238-490D-B870-43F3D44DB440}"/>
+                </a:ext>
+              </a:extLst>
+            </p:cNvPr>
+            <p:cNvCxnSpPr>
+              <a:cxnSpLocks/>
+            </p:cNvCxnSpPr>
+            <p:nvPr/>
+          </p:nvCxnSpPr>
+          <p:spPr>
+            <a:xfrm flipV="1">
+              <a:off x="8718433" y="5054714"/>
+              <a:ext cx="163530" cy="163530"/>
+            </a:xfrm>
+            <a:prstGeom prst="line">
+              <a:avLst/>
+            </a:prstGeom>
+            <a:ln w="57150">
+              <a:solidFill>
+                <a:schemeClr val="tx1"/>
+              </a:solidFill>
+            </a:ln>
+          </p:spPr>
+          <p:style>
+            <a:lnRef idx="1">
+              <a:schemeClr val="accent1"/>
+            </a:lnRef>
+            <a:fillRef idx="0">
+              <a:schemeClr val="accent1"/>
+            </a:fillRef>
+            <a:effectRef idx="0">
+              <a:schemeClr val="accent1"/>
+            </a:effectRef>
+            <a:fontRef idx="minor">
+              <a:schemeClr val="tx1"/>
+            </a:fontRef>
+          </p:style>
+        </p:cxnSp>
+      </p:grpSp>
+    </p:spTree>
+    <p:extLst>
+      <p:ext uri="{BB962C8B-B14F-4D97-AF65-F5344CB8AC3E}">
+        <p14:creationId xmlns:p14="http://schemas.microsoft.com/office/powerpoint/2010/main" val="541443267"/>
       </p:ext>
     </p:extLst>
   </p:cSld>
